--- a/Präsentation_Steffen.pptx
+++ b/Präsentation_Steffen.pptx
@@ -6,16 +6,26 @@
   </p:sldMasterIdLst>
   <p:sldIdLst>
     <p:sldId id="256" r:id="rId2"/>
-    <p:sldId id="257" r:id="rId3"/>
-    <p:sldId id="258" r:id="rId4"/>
-    <p:sldId id="259" r:id="rId5"/>
-    <p:sldId id="260" r:id="rId6"/>
-    <p:sldId id="261" r:id="rId7"/>
-    <p:sldId id="262" r:id="rId8"/>
-    <p:sldId id="263" r:id="rId9"/>
-    <p:sldId id="264" r:id="rId10"/>
-    <p:sldId id="266" r:id="rId11"/>
-    <p:sldId id="265" r:id="rId12"/>
+    <p:sldId id="267" r:id="rId3"/>
+    <p:sldId id="268" r:id="rId4"/>
+    <p:sldId id="269" r:id="rId5"/>
+    <p:sldId id="259" r:id="rId6"/>
+    <p:sldId id="271" r:id="rId7"/>
+    <p:sldId id="276" r:id="rId8"/>
+    <p:sldId id="277" r:id="rId9"/>
+    <p:sldId id="278" r:id="rId10"/>
+    <p:sldId id="279" r:id="rId11"/>
+    <p:sldId id="280" r:id="rId12"/>
+    <p:sldId id="281" r:id="rId13"/>
+    <p:sldId id="261" r:id="rId14"/>
+    <p:sldId id="283" r:id="rId15"/>
+    <p:sldId id="284" r:id="rId16"/>
+    <p:sldId id="282" r:id="rId17"/>
+    <p:sldId id="264" r:id="rId18"/>
+    <p:sldId id="285" r:id="rId19"/>
+    <p:sldId id="265" r:id="rId20"/>
+    <p:sldId id="286" r:id="rId21"/>
+    <p:sldId id="287" r:id="rId22"/>
   </p:sldIdLst>
   <p:sldSz cx="12192000" cy="6858000"/>
   <p:notesSz cx="6858000" cy="9144000"/>
@@ -269,7 +279,7 @@
           <a:p>
             <a:fld id="{A97C7722-F581-4FF4-98F6-314E0F8DD03D}" type="datetimeFigureOut">
               <a:rPr lang="de-DE" smtClean="0"/>
-              <a:t>19.01.2019</a:t>
+              <a:t>20.01.2019</a:t>
             </a:fld>
             <a:endParaRPr lang="de-DE"/>
           </a:p>
@@ -467,7 +477,7 @@
           <a:p>
             <a:fld id="{A97C7722-F581-4FF4-98F6-314E0F8DD03D}" type="datetimeFigureOut">
               <a:rPr lang="de-DE" smtClean="0"/>
-              <a:t>19.01.2019</a:t>
+              <a:t>20.01.2019</a:t>
             </a:fld>
             <a:endParaRPr lang="de-DE"/>
           </a:p>
@@ -675,7 +685,7 @@
           <a:p>
             <a:fld id="{A97C7722-F581-4FF4-98F6-314E0F8DD03D}" type="datetimeFigureOut">
               <a:rPr lang="de-DE" smtClean="0"/>
-              <a:t>19.01.2019</a:t>
+              <a:t>20.01.2019</a:t>
             </a:fld>
             <a:endParaRPr lang="de-DE"/>
           </a:p>
@@ -873,7 +883,7 @@
           <a:p>
             <a:fld id="{A97C7722-F581-4FF4-98F6-314E0F8DD03D}" type="datetimeFigureOut">
               <a:rPr lang="de-DE" smtClean="0"/>
-              <a:t>19.01.2019</a:t>
+              <a:t>20.01.2019</a:t>
             </a:fld>
             <a:endParaRPr lang="de-DE"/>
           </a:p>
@@ -1148,7 +1158,7 @@
           <a:p>
             <a:fld id="{A97C7722-F581-4FF4-98F6-314E0F8DD03D}" type="datetimeFigureOut">
               <a:rPr lang="de-DE" smtClean="0"/>
-              <a:t>19.01.2019</a:t>
+              <a:t>20.01.2019</a:t>
             </a:fld>
             <a:endParaRPr lang="de-DE"/>
           </a:p>
@@ -1413,7 +1423,7 @@
           <a:p>
             <a:fld id="{A97C7722-F581-4FF4-98F6-314E0F8DD03D}" type="datetimeFigureOut">
               <a:rPr lang="de-DE" smtClean="0"/>
-              <a:t>19.01.2019</a:t>
+              <a:t>20.01.2019</a:t>
             </a:fld>
             <a:endParaRPr lang="de-DE"/>
           </a:p>
@@ -1825,7 +1835,7 @@
           <a:p>
             <a:fld id="{A97C7722-F581-4FF4-98F6-314E0F8DD03D}" type="datetimeFigureOut">
               <a:rPr lang="de-DE" smtClean="0"/>
-              <a:t>19.01.2019</a:t>
+              <a:t>20.01.2019</a:t>
             </a:fld>
             <a:endParaRPr lang="de-DE"/>
           </a:p>
@@ -1966,7 +1976,7 @@
           <a:p>
             <a:fld id="{A97C7722-F581-4FF4-98F6-314E0F8DD03D}" type="datetimeFigureOut">
               <a:rPr lang="de-DE" smtClean="0"/>
-              <a:t>19.01.2019</a:t>
+              <a:t>20.01.2019</a:t>
             </a:fld>
             <a:endParaRPr lang="de-DE"/>
           </a:p>
@@ -2079,7 +2089,7 @@
           <a:p>
             <a:fld id="{A97C7722-F581-4FF4-98F6-314E0F8DD03D}" type="datetimeFigureOut">
               <a:rPr lang="de-DE" smtClean="0"/>
-              <a:t>19.01.2019</a:t>
+              <a:t>20.01.2019</a:t>
             </a:fld>
             <a:endParaRPr lang="de-DE"/>
           </a:p>
@@ -2390,7 +2400,7 @@
           <a:p>
             <a:fld id="{A97C7722-F581-4FF4-98F6-314E0F8DD03D}" type="datetimeFigureOut">
               <a:rPr lang="de-DE" smtClean="0"/>
-              <a:t>19.01.2019</a:t>
+              <a:t>20.01.2019</a:t>
             </a:fld>
             <a:endParaRPr lang="de-DE"/>
           </a:p>
@@ -2678,7 +2688,7 @@
           <a:p>
             <a:fld id="{A97C7722-F581-4FF4-98F6-314E0F8DD03D}" type="datetimeFigureOut">
               <a:rPr lang="de-DE" smtClean="0"/>
-              <a:t>19.01.2019</a:t>
+              <a:t>20.01.2019</a:t>
             </a:fld>
             <a:endParaRPr lang="de-DE"/>
           </a:p>
@@ -2919,7 +2929,7 @@
           <a:p>
             <a:fld id="{A97C7722-F581-4FF4-98F6-314E0F8DD03D}" type="datetimeFigureOut">
               <a:rPr lang="de-DE" smtClean="0"/>
-              <a:t>19.01.2019</a:t>
+              <a:t>20.01.2019</a:t>
             </a:fld>
             <a:endParaRPr lang="de-DE"/>
           </a:p>
@@ -3672,7 +3682,7 @@
           <p:cNvPr id="2" name="Titel 1">
             <a:extLst>
               <a:ext uri="{FF2B5EF4-FFF2-40B4-BE49-F238E27FC236}">
-                <a16:creationId xmlns:a16="http://schemas.microsoft.com/office/drawing/2014/main" id="{1F89CF23-241D-4F08-93ED-6FBC5FDD6662}"/>
+                <a16:creationId xmlns:a16="http://schemas.microsoft.com/office/drawing/2014/main" id="{8540D060-8817-4429-8800-FFC613CA5B8F}"/>
               </a:ext>
             </a:extLst>
           </p:cNvPr>
@@ -3689,9 +3699,62 @@
           <a:lstStyle/>
           <a:p>
             <a:r>
-              <a:rPr lang="de-DE" dirty="0" err="1"/>
-              <a:t>INotifyPropertyChanged</a:t>
-            </a:r>
+              <a:rPr lang="de-DE" dirty="0"/>
+              <a:t>Styles</a:t>
+            </a:r>
+          </a:p>
+        </p:txBody>
+      </p:sp>
+      <p:sp>
+        <p:nvSpPr>
+          <p:cNvPr id="3" name="Inhaltsplatzhalter 2">
+            <a:extLst>
+              <a:ext uri="{FF2B5EF4-FFF2-40B4-BE49-F238E27FC236}">
+                <a16:creationId xmlns:a16="http://schemas.microsoft.com/office/drawing/2014/main" id="{3A4BDF82-734B-471F-B07F-EC43378533DC}"/>
+              </a:ext>
+            </a:extLst>
+          </p:cNvPr>
+          <p:cNvSpPr>
+            <a:spLocks noGrp="1"/>
+          </p:cNvSpPr>
+          <p:nvPr>
+            <p:ph idx="1"/>
+          </p:nvPr>
+        </p:nvSpPr>
+        <p:spPr>
+          <a:xfrm>
+            <a:off x="838200" y="1825625"/>
+            <a:ext cx="10515600" cy="2888418"/>
+          </a:xfrm>
+        </p:spPr>
+        <p:txBody>
+          <a:bodyPr/>
+          <a:lstStyle/>
+          <a:p>
+            <a:r>
+              <a:rPr lang="de-DE" dirty="0"/>
+              <a:t>Aussehen von Elementen</a:t>
+            </a:r>
+          </a:p>
+          <a:p>
+            <a:r>
+              <a:rPr lang="de-DE" dirty="0"/>
+              <a:t>Eigene Templates</a:t>
+            </a:r>
+          </a:p>
+          <a:p>
+            <a:r>
+              <a:rPr lang="de-DE" dirty="0"/>
+              <a:t>Vererbung</a:t>
+            </a:r>
+          </a:p>
+          <a:p>
+            <a:endParaRPr lang="de-DE" dirty="0"/>
+          </a:p>
+          <a:p>
+            <a:pPr marL="0" indent="0">
+              <a:buNone/>
+            </a:pPr>
             <a:endParaRPr lang="de-DE" dirty="0"/>
           </a:p>
         </p:txBody>
@@ -3699,7 +3762,7 @@
     </p:spTree>
     <p:extLst>
       <p:ext uri="{BB962C8B-B14F-4D97-AF65-F5344CB8AC3E}">
-        <p14:creationId xmlns:p14="http://schemas.microsoft.com/office/powerpoint/2010/main" val="3159194234"/>
+        <p14:creationId xmlns:p14="http://schemas.microsoft.com/office/powerpoint/2010/main" val="4282534610"/>
       </p:ext>
     </p:extLst>
   </p:cSld>
@@ -3731,6 +3794,184 @@
           <p:cNvPr id="2" name="Titel 1">
             <a:extLst>
               <a:ext uri="{FF2B5EF4-FFF2-40B4-BE49-F238E27FC236}">
+                <a16:creationId xmlns:a16="http://schemas.microsoft.com/office/drawing/2014/main" id="{8540D060-8817-4429-8800-FFC613CA5B8F}"/>
+              </a:ext>
+            </a:extLst>
+          </p:cNvPr>
+          <p:cNvSpPr>
+            <a:spLocks noGrp="1"/>
+          </p:cNvSpPr>
+          <p:nvPr>
+            <p:ph type="title"/>
+          </p:nvPr>
+        </p:nvSpPr>
+        <p:spPr/>
+        <p:txBody>
+          <a:bodyPr/>
+          <a:lstStyle/>
+          <a:p>
+            <a:r>
+              <a:rPr lang="de-DE" dirty="0" err="1"/>
+              <a:t>DataTemplates</a:t>
+            </a:r>
+            <a:endParaRPr lang="de-DE" dirty="0"/>
+          </a:p>
+        </p:txBody>
+      </p:sp>
+      <p:sp>
+        <p:nvSpPr>
+          <p:cNvPr id="3" name="Inhaltsplatzhalter 2">
+            <a:extLst>
+              <a:ext uri="{FF2B5EF4-FFF2-40B4-BE49-F238E27FC236}">
+                <a16:creationId xmlns:a16="http://schemas.microsoft.com/office/drawing/2014/main" id="{455420F9-5E12-43CA-8209-4006AC679609}"/>
+              </a:ext>
+            </a:extLst>
+          </p:cNvPr>
+          <p:cNvSpPr>
+            <a:spLocks noGrp="1"/>
+          </p:cNvSpPr>
+          <p:nvPr>
+            <p:ph idx="1"/>
+          </p:nvPr>
+        </p:nvSpPr>
+        <p:spPr>
+          <a:xfrm>
+            <a:off x="838200" y="1825625"/>
+            <a:ext cx="10515600" cy="642367"/>
+          </a:xfrm>
+        </p:spPr>
+        <p:txBody>
+          <a:bodyPr/>
+          <a:lstStyle/>
+          <a:p>
+            <a:r>
+              <a:rPr lang="de-DE" dirty="0"/>
+              <a:t>Aussehen von Daten</a:t>
+            </a:r>
+          </a:p>
+          <a:p>
+            <a:endParaRPr lang="de-DE" dirty="0"/>
+          </a:p>
+          <a:p>
+            <a:pPr marL="0" indent="0">
+              <a:buNone/>
+            </a:pPr>
+            <a:endParaRPr lang="de-DE" dirty="0"/>
+          </a:p>
+        </p:txBody>
+      </p:sp>
+    </p:spTree>
+    <p:extLst>
+      <p:ext uri="{BB962C8B-B14F-4D97-AF65-F5344CB8AC3E}">
+        <p14:creationId xmlns:p14="http://schemas.microsoft.com/office/powerpoint/2010/main" val="3373848291"/>
+      </p:ext>
+    </p:extLst>
+  </p:cSld>
+  <p:clrMapOvr>
+    <a:masterClrMapping/>
+  </p:clrMapOvr>
+</p:sld>
+</file>
+
+<file path=ppt/slides/slide12.xml><?xml version="1.0" encoding="utf-8"?>
+<p:sld xmlns:a="http://schemas.openxmlformats.org/drawingml/2006/main" xmlns:r="http://schemas.openxmlformats.org/officeDocument/2006/relationships" xmlns:p="http://schemas.openxmlformats.org/presentationml/2006/main">
+  <p:cSld>
+    <p:spTree>
+      <p:nvGrpSpPr>
+        <p:cNvPr id="1" name=""/>
+        <p:cNvGrpSpPr/>
+        <p:nvPr/>
+      </p:nvGrpSpPr>
+      <p:grpSpPr>
+        <a:xfrm>
+          <a:off x="0" y="0"/>
+          <a:ext cx="0" cy="0"/>
+          <a:chOff x="0" y="0"/>
+          <a:chExt cx="0" cy="0"/>
+        </a:xfrm>
+      </p:grpSpPr>
+      <p:sp>
+        <p:nvSpPr>
+          <p:cNvPr id="2" name="Titel 1">
+            <a:extLst>
+              <a:ext uri="{FF2B5EF4-FFF2-40B4-BE49-F238E27FC236}">
+                <a16:creationId xmlns:a16="http://schemas.microsoft.com/office/drawing/2014/main" id="{8540D060-8817-4429-8800-FFC613CA5B8F}"/>
+              </a:ext>
+            </a:extLst>
+          </p:cNvPr>
+          <p:cNvSpPr>
+            <a:spLocks noGrp="1"/>
+          </p:cNvSpPr>
+          <p:nvPr>
+            <p:ph type="title"/>
+          </p:nvPr>
+        </p:nvSpPr>
+        <p:spPr>
+          <a:xfrm>
+            <a:off x="838200" y="365125"/>
+            <a:ext cx="10515600" cy="5973531"/>
+          </a:xfrm>
+        </p:spPr>
+        <p:txBody>
+          <a:bodyPr>
+            <a:normAutofit/>
+          </a:bodyPr>
+          <a:lstStyle/>
+          <a:p>
+            <a:pPr algn="ctr"/>
+            <a:r>
+              <a:rPr lang="de-DE" sz="5400" dirty="0"/>
+              <a:t>Model – View – </a:t>
+            </a:r>
+            <a:r>
+              <a:rPr lang="de-DE" sz="5400" dirty="0" err="1"/>
+              <a:t>ViewModel</a:t>
+            </a:r>
+            <a:br>
+              <a:rPr lang="de-DE" sz="5400" dirty="0"/>
+            </a:br>
+            <a:r>
+              <a:rPr lang="de-DE" sz="5400" dirty="0"/>
+              <a:t>MVVM</a:t>
+            </a:r>
+          </a:p>
+        </p:txBody>
+      </p:sp>
+    </p:spTree>
+    <p:extLst>
+      <p:ext uri="{BB962C8B-B14F-4D97-AF65-F5344CB8AC3E}">
+        <p14:creationId xmlns:p14="http://schemas.microsoft.com/office/powerpoint/2010/main" val="294115021"/>
+      </p:ext>
+    </p:extLst>
+  </p:cSld>
+  <p:clrMapOvr>
+    <a:masterClrMapping/>
+  </p:clrMapOvr>
+</p:sld>
+</file>
+
+<file path=ppt/slides/slide13.xml><?xml version="1.0" encoding="utf-8"?>
+<p:sld xmlns:a="http://schemas.openxmlformats.org/drawingml/2006/main" xmlns:r="http://schemas.openxmlformats.org/officeDocument/2006/relationships" xmlns:p="http://schemas.openxmlformats.org/presentationml/2006/main">
+  <p:cSld>
+    <p:spTree>
+      <p:nvGrpSpPr>
+        <p:cNvPr id="1" name=""/>
+        <p:cNvGrpSpPr/>
+        <p:nvPr/>
+      </p:nvGrpSpPr>
+      <p:grpSpPr>
+        <a:xfrm>
+          <a:off x="0" y="0"/>
+          <a:ext cx="0" cy="0"/>
+          <a:chOff x="0" y="0"/>
+          <a:chExt cx="0" cy="0"/>
+        </a:xfrm>
+      </p:grpSpPr>
+      <p:sp>
+        <p:nvSpPr>
+          <p:cNvPr id="2" name="Titel 1">
+            <a:extLst>
+              <a:ext uri="{FF2B5EF4-FFF2-40B4-BE49-F238E27FC236}">
                 <a16:creationId xmlns:a16="http://schemas.microsoft.com/office/drawing/2014/main" id="{1F89CF23-241D-4F08-93ED-6FBC5FDD6662}"/>
               </a:ext>
             </a:extLst>
@@ -3748,13 +3989,760 @@
           <a:lstStyle/>
           <a:p>
             <a:r>
+              <a:rPr lang="de-DE" dirty="0"/>
+              <a:t>Model</a:t>
+            </a:r>
+          </a:p>
+        </p:txBody>
+      </p:sp>
+      <p:sp>
+        <p:nvSpPr>
+          <p:cNvPr id="3" name="Inhaltsplatzhalter 2">
+            <a:extLst>
+              <a:ext uri="{FF2B5EF4-FFF2-40B4-BE49-F238E27FC236}">
+                <a16:creationId xmlns:a16="http://schemas.microsoft.com/office/drawing/2014/main" id="{8A9D8746-323A-4EE8-956D-CC088FE745B1}"/>
+              </a:ext>
+            </a:extLst>
+          </p:cNvPr>
+          <p:cNvSpPr>
+            <a:spLocks noGrp="1"/>
+          </p:cNvSpPr>
+          <p:nvPr>
+            <p:ph idx="1"/>
+          </p:nvPr>
+        </p:nvSpPr>
+        <p:spPr>
+          <a:xfrm>
+            <a:off x="838200" y="1825625"/>
+            <a:ext cx="10515600" cy="4351338"/>
+          </a:xfrm>
+        </p:spPr>
+        <p:txBody>
+          <a:bodyPr/>
+          <a:lstStyle/>
+          <a:p>
+            <a:r>
+              <a:rPr lang="de-DE" dirty="0"/>
+              <a:t>Informationen zu Business Objekten</a:t>
+            </a:r>
+          </a:p>
+          <a:p>
+            <a:r>
+              <a:rPr lang="de-DE" dirty="0"/>
+              <a:t>Kann Validierung enthalten</a:t>
+            </a:r>
+          </a:p>
+          <a:p>
+            <a:r>
+              <a:rPr lang="de-DE" dirty="0"/>
+              <a:t>Business Logik</a:t>
+            </a:r>
+          </a:p>
+        </p:txBody>
+      </p:sp>
+    </p:spTree>
+    <p:extLst>
+      <p:ext uri="{BB962C8B-B14F-4D97-AF65-F5344CB8AC3E}">
+        <p14:creationId xmlns:p14="http://schemas.microsoft.com/office/powerpoint/2010/main" val="1513587001"/>
+      </p:ext>
+    </p:extLst>
+  </p:cSld>
+  <p:clrMapOvr>
+    <a:masterClrMapping/>
+  </p:clrMapOvr>
+</p:sld>
+</file>
+
+<file path=ppt/slides/slide14.xml><?xml version="1.0" encoding="utf-8"?>
+<p:sld xmlns:a="http://schemas.openxmlformats.org/drawingml/2006/main" xmlns:r="http://schemas.openxmlformats.org/officeDocument/2006/relationships" xmlns:p="http://schemas.openxmlformats.org/presentationml/2006/main">
+  <p:cSld>
+    <p:spTree>
+      <p:nvGrpSpPr>
+        <p:cNvPr id="1" name=""/>
+        <p:cNvGrpSpPr/>
+        <p:nvPr/>
+      </p:nvGrpSpPr>
+      <p:grpSpPr>
+        <a:xfrm>
+          <a:off x="0" y="0"/>
+          <a:ext cx="0" cy="0"/>
+          <a:chOff x="0" y="0"/>
+          <a:chExt cx="0" cy="0"/>
+        </a:xfrm>
+      </p:grpSpPr>
+      <p:sp>
+        <p:nvSpPr>
+          <p:cNvPr id="2" name="Titel 1">
+            <a:extLst>
+              <a:ext uri="{FF2B5EF4-FFF2-40B4-BE49-F238E27FC236}">
+                <a16:creationId xmlns:a16="http://schemas.microsoft.com/office/drawing/2014/main" id="{1F89CF23-241D-4F08-93ED-6FBC5FDD6662}"/>
+              </a:ext>
+            </a:extLst>
+          </p:cNvPr>
+          <p:cNvSpPr>
+            <a:spLocks noGrp="1"/>
+          </p:cNvSpPr>
+          <p:nvPr>
+            <p:ph type="title"/>
+          </p:nvPr>
+        </p:nvSpPr>
+        <p:spPr/>
+        <p:txBody>
+          <a:bodyPr/>
+          <a:lstStyle/>
+          <a:p>
+            <a:r>
+              <a:rPr lang="de-DE" dirty="0"/>
+              <a:t>View</a:t>
+            </a:r>
+          </a:p>
+        </p:txBody>
+      </p:sp>
+      <p:sp>
+        <p:nvSpPr>
+          <p:cNvPr id="3" name="Inhaltsplatzhalter 2">
+            <a:extLst>
+              <a:ext uri="{FF2B5EF4-FFF2-40B4-BE49-F238E27FC236}">
+                <a16:creationId xmlns:a16="http://schemas.microsoft.com/office/drawing/2014/main" id="{8A9D8746-323A-4EE8-956D-CC088FE745B1}"/>
+              </a:ext>
+            </a:extLst>
+          </p:cNvPr>
+          <p:cNvSpPr>
+            <a:spLocks noGrp="1"/>
+          </p:cNvSpPr>
+          <p:nvPr>
+            <p:ph idx="1"/>
+          </p:nvPr>
+        </p:nvSpPr>
+        <p:spPr>
+          <a:xfrm>
+            <a:off x="838200" y="1825625"/>
+            <a:ext cx="10515600" cy="4351338"/>
+          </a:xfrm>
+        </p:spPr>
+        <p:txBody>
+          <a:bodyPr/>
+          <a:lstStyle/>
+          <a:p>
+            <a:r>
+              <a:rPr lang="de-DE" dirty="0"/>
+              <a:t>Benutzeroberfläche (XAML)</a:t>
+            </a:r>
+          </a:p>
+          <a:p>
+            <a:r>
+              <a:rPr lang="de-DE" dirty="0"/>
+              <a:t>UI-spezifischen Code</a:t>
+            </a:r>
+          </a:p>
+          <a:p>
+            <a:r>
+              <a:rPr lang="de-DE" dirty="0"/>
+              <a:t>Nutzt Binding</a:t>
+            </a:r>
+          </a:p>
+          <a:p>
+            <a:r>
+              <a:rPr lang="de-DE" dirty="0"/>
+              <a:t>Daten kommen aus dem </a:t>
+            </a:r>
+            <a:r>
               <a:rPr lang="de-DE" dirty="0" err="1"/>
+              <a:t>ViewModel</a:t>
+            </a:r>
+            <a:endParaRPr lang="de-DE" dirty="0"/>
+          </a:p>
+          <a:p>
+            <a:endParaRPr lang="de-DE" dirty="0"/>
+          </a:p>
+        </p:txBody>
+      </p:sp>
+    </p:spTree>
+    <p:extLst>
+      <p:ext uri="{BB962C8B-B14F-4D97-AF65-F5344CB8AC3E}">
+        <p14:creationId xmlns:p14="http://schemas.microsoft.com/office/powerpoint/2010/main" val="3172332370"/>
+      </p:ext>
+    </p:extLst>
+  </p:cSld>
+  <p:clrMapOvr>
+    <a:masterClrMapping/>
+  </p:clrMapOvr>
+</p:sld>
+</file>
+
+<file path=ppt/slides/slide15.xml><?xml version="1.0" encoding="utf-8"?>
+<p:sld xmlns:a="http://schemas.openxmlformats.org/drawingml/2006/main" xmlns:r="http://schemas.openxmlformats.org/officeDocument/2006/relationships" xmlns:p="http://schemas.openxmlformats.org/presentationml/2006/main">
+  <p:cSld>
+    <p:spTree>
+      <p:nvGrpSpPr>
+        <p:cNvPr id="1" name=""/>
+        <p:cNvGrpSpPr/>
+        <p:nvPr/>
+      </p:nvGrpSpPr>
+      <p:grpSpPr>
+        <a:xfrm>
+          <a:off x="0" y="0"/>
+          <a:ext cx="0" cy="0"/>
+          <a:chOff x="0" y="0"/>
+          <a:chExt cx="0" cy="0"/>
+        </a:xfrm>
+      </p:grpSpPr>
+      <p:sp>
+        <p:nvSpPr>
+          <p:cNvPr id="2" name="Titel 1">
+            <a:extLst>
+              <a:ext uri="{FF2B5EF4-FFF2-40B4-BE49-F238E27FC236}">
+                <a16:creationId xmlns:a16="http://schemas.microsoft.com/office/drawing/2014/main" id="{1F89CF23-241D-4F08-93ED-6FBC5FDD6662}"/>
+              </a:ext>
+            </a:extLst>
+          </p:cNvPr>
+          <p:cNvSpPr>
+            <a:spLocks noGrp="1"/>
+          </p:cNvSpPr>
+          <p:nvPr>
+            <p:ph type="title"/>
+          </p:nvPr>
+        </p:nvSpPr>
+        <p:spPr/>
+        <p:txBody>
+          <a:bodyPr/>
+          <a:lstStyle/>
+          <a:p>
+            <a:r>
+              <a:rPr lang="de-DE" dirty="0" err="1"/>
+              <a:t>ViewModel</a:t>
+            </a:r>
+            <a:endParaRPr lang="de-DE" dirty="0"/>
+          </a:p>
+        </p:txBody>
+      </p:sp>
+      <p:sp>
+        <p:nvSpPr>
+          <p:cNvPr id="3" name="Inhaltsplatzhalter 2">
+            <a:extLst>
+              <a:ext uri="{FF2B5EF4-FFF2-40B4-BE49-F238E27FC236}">
+                <a16:creationId xmlns:a16="http://schemas.microsoft.com/office/drawing/2014/main" id="{8A9D8746-323A-4EE8-956D-CC088FE745B1}"/>
+              </a:ext>
+            </a:extLst>
+          </p:cNvPr>
+          <p:cNvSpPr>
+            <a:spLocks noGrp="1"/>
+          </p:cNvSpPr>
+          <p:nvPr>
+            <p:ph idx="1"/>
+          </p:nvPr>
+        </p:nvSpPr>
+        <p:spPr>
+          <a:xfrm>
+            <a:off x="838200" y="1825625"/>
+            <a:ext cx="10515600" cy="4351338"/>
+          </a:xfrm>
+        </p:spPr>
+        <p:txBody>
+          <a:bodyPr/>
+          <a:lstStyle/>
+          <a:p>
+            <a:r>
+              <a:rPr lang="de-DE" dirty="0"/>
+              <a:t>Stellt Kommandos und Daten bereit</a:t>
+            </a:r>
+          </a:p>
+          <a:p>
+            <a:r>
+              <a:rPr lang="de-DE" dirty="0"/>
+              <a:t>Weitere Informationen, wie </a:t>
+            </a:r>
+          </a:p>
+          <a:p>
+            <a:pPr lvl="1"/>
+            <a:r>
+              <a:rPr lang="de-DE" dirty="0"/>
+              <a:t>Kann ein Kommando ausgeführt werden?</a:t>
+            </a:r>
+          </a:p>
+          <a:p>
+            <a:r>
+              <a:rPr lang="de-DE" dirty="0"/>
+              <a:t>KEINE </a:t>
+            </a:r>
+            <a:r>
+              <a:rPr lang="de-DE" dirty="0" err="1"/>
+              <a:t>Kentnisse</a:t>
+            </a:r>
+            <a:r>
+              <a:rPr lang="de-DE" dirty="0"/>
+              <a:t> von der View</a:t>
+            </a:r>
+          </a:p>
+          <a:p>
+            <a:pPr lvl="1"/>
+            <a:endParaRPr lang="de-DE" dirty="0"/>
+          </a:p>
+          <a:p>
+            <a:endParaRPr lang="de-DE" dirty="0"/>
+          </a:p>
+        </p:txBody>
+      </p:sp>
+    </p:spTree>
+    <p:extLst>
+      <p:ext uri="{BB962C8B-B14F-4D97-AF65-F5344CB8AC3E}">
+        <p14:creationId xmlns:p14="http://schemas.microsoft.com/office/powerpoint/2010/main" val="3167994903"/>
+      </p:ext>
+    </p:extLst>
+  </p:cSld>
+  <p:clrMapOvr>
+    <a:masterClrMapping/>
+  </p:clrMapOvr>
+</p:sld>
+</file>
+
+<file path=ppt/slides/slide16.xml><?xml version="1.0" encoding="utf-8"?>
+<p:sld xmlns:a="http://schemas.openxmlformats.org/drawingml/2006/main" xmlns:r="http://schemas.openxmlformats.org/officeDocument/2006/relationships" xmlns:p="http://schemas.openxmlformats.org/presentationml/2006/main">
+  <p:cSld>
+    <p:spTree>
+      <p:nvGrpSpPr>
+        <p:cNvPr id="1" name=""/>
+        <p:cNvGrpSpPr/>
+        <p:nvPr/>
+      </p:nvGrpSpPr>
+      <p:grpSpPr>
+        <a:xfrm>
+          <a:off x="0" y="0"/>
+          <a:ext cx="0" cy="0"/>
+          <a:chOff x="0" y="0"/>
+          <a:chExt cx="0" cy="0"/>
+        </a:xfrm>
+      </p:grpSpPr>
+      <p:pic>
+        <p:nvPicPr>
+          <p:cNvPr id="4" name="Grafik 3" descr="https://cdn-images-1.medium.com/max/1600/1*8KprSpqqPtSuYObjOFPt2g.png">
+            <a:extLst>
+              <a:ext uri="{FF2B5EF4-FFF2-40B4-BE49-F238E27FC236}">
+                <a16:creationId xmlns:a16="http://schemas.microsoft.com/office/drawing/2014/main" id="{042DA072-6724-43AF-BD50-12037271DB07}"/>
+              </a:ext>
+            </a:extLst>
+          </p:cNvPr>
+          <p:cNvPicPr/>
+          <p:nvPr/>
+        </p:nvPicPr>
+        <p:blipFill>
+          <a:blip r:embed="rId2" cstate="print">
+            <a:extLst>
+              <a:ext uri="{28A0092B-C50C-407E-A947-70E740481C1C}">
+                <a14:useLocalDpi xmlns:a14="http://schemas.microsoft.com/office/drawing/2010/main" val="0"/>
+              </a:ext>
+            </a:extLst>
+          </a:blip>
+          <a:srcRect/>
+          <a:stretch>
+            <a:fillRect/>
+          </a:stretch>
+        </p:blipFill>
+        <p:spPr bwMode="auto">
+          <a:xfrm>
+            <a:off x="2097830" y="1306880"/>
+            <a:ext cx="7996339" cy="4244239"/>
+          </a:xfrm>
+          <a:prstGeom prst="rect">
+            <a:avLst/>
+          </a:prstGeom>
+          <a:noFill/>
+          <a:ln>
+            <a:noFill/>
+          </a:ln>
+        </p:spPr>
+      </p:pic>
+    </p:spTree>
+    <p:extLst>
+      <p:ext uri="{BB962C8B-B14F-4D97-AF65-F5344CB8AC3E}">
+        <p14:creationId xmlns:p14="http://schemas.microsoft.com/office/powerpoint/2010/main" val="1190612202"/>
+      </p:ext>
+    </p:extLst>
+  </p:cSld>
+  <p:clrMapOvr>
+    <a:masterClrMapping/>
+  </p:clrMapOvr>
+</p:sld>
+</file>
+
+<file path=ppt/slides/slide17.xml><?xml version="1.0" encoding="utf-8"?>
+<p:sld xmlns:a="http://schemas.openxmlformats.org/drawingml/2006/main" xmlns:r="http://schemas.openxmlformats.org/officeDocument/2006/relationships" xmlns:p="http://schemas.openxmlformats.org/presentationml/2006/main">
+  <p:cSld>
+    <p:spTree>
+      <p:nvGrpSpPr>
+        <p:cNvPr id="1" name=""/>
+        <p:cNvGrpSpPr/>
+        <p:nvPr/>
+      </p:nvGrpSpPr>
+      <p:grpSpPr>
+        <a:xfrm>
+          <a:off x="0" y="0"/>
+          <a:ext cx="0" cy="0"/>
+          <a:chOff x="0" y="0"/>
+          <a:chExt cx="0" cy="0"/>
+        </a:xfrm>
+      </p:grpSpPr>
+      <p:sp>
+        <p:nvSpPr>
+          <p:cNvPr id="2" name="Titel 1">
+            <a:extLst>
+              <a:ext uri="{FF2B5EF4-FFF2-40B4-BE49-F238E27FC236}">
+                <a16:creationId xmlns:a16="http://schemas.microsoft.com/office/drawing/2014/main" id="{1F89CF23-241D-4F08-93ED-6FBC5FDD6662}"/>
+              </a:ext>
+            </a:extLst>
+          </p:cNvPr>
+          <p:cNvSpPr>
+            <a:spLocks noGrp="1"/>
+          </p:cNvSpPr>
+          <p:nvPr>
+            <p:ph type="title"/>
+          </p:nvPr>
+        </p:nvSpPr>
+        <p:spPr/>
+        <p:txBody>
+          <a:bodyPr/>
+          <a:lstStyle/>
+          <a:p>
+            <a:r>
+              <a:rPr lang="de-DE" dirty="0" err="1"/>
+              <a:t>INotifyPropertyChanged</a:t>
+            </a:r>
+            <a:endParaRPr lang="de-DE" dirty="0"/>
+          </a:p>
+        </p:txBody>
+      </p:sp>
+      <p:sp>
+        <p:nvSpPr>
+          <p:cNvPr id="3" name="Inhaltsplatzhalter 2">
+            <a:extLst>
+              <a:ext uri="{FF2B5EF4-FFF2-40B4-BE49-F238E27FC236}">
+                <a16:creationId xmlns:a16="http://schemas.microsoft.com/office/drawing/2014/main" id="{B335868C-E813-4361-AACA-DD90BA8E2E05}"/>
+              </a:ext>
+            </a:extLst>
+          </p:cNvPr>
+          <p:cNvSpPr>
+            <a:spLocks noGrp="1"/>
+          </p:cNvSpPr>
+          <p:nvPr>
+            <p:ph idx="1"/>
+          </p:nvPr>
+        </p:nvSpPr>
+        <p:spPr>
+          <a:xfrm>
+            <a:off x="838200" y="1825625"/>
+            <a:ext cx="10515600" cy="4351338"/>
+          </a:xfrm>
+        </p:spPr>
+        <p:txBody>
+          <a:bodyPr/>
+          <a:lstStyle/>
+          <a:p>
+            <a:r>
+              <a:rPr lang="de-DE" dirty="0"/>
+              <a:t>Informiert ein Binding, dass sich die Eigenschaft verändert hat</a:t>
+            </a:r>
+          </a:p>
+          <a:p>
+            <a:r>
+              <a:rPr lang="de-DE" dirty="0"/>
+              <a:t>Verschiedene Implementationen</a:t>
+            </a:r>
+          </a:p>
+          <a:p>
+            <a:endParaRPr lang="de-DE" dirty="0"/>
+          </a:p>
+        </p:txBody>
+      </p:sp>
+    </p:spTree>
+    <p:extLst>
+      <p:ext uri="{BB962C8B-B14F-4D97-AF65-F5344CB8AC3E}">
+        <p14:creationId xmlns:p14="http://schemas.microsoft.com/office/powerpoint/2010/main" val="3363733515"/>
+      </p:ext>
+    </p:extLst>
+  </p:cSld>
+  <p:clrMapOvr>
+    <a:masterClrMapping/>
+  </p:clrMapOvr>
+</p:sld>
+</file>
+
+<file path=ppt/slides/slide18.xml><?xml version="1.0" encoding="utf-8"?>
+<p:sld xmlns:a="http://schemas.openxmlformats.org/drawingml/2006/main" xmlns:r="http://schemas.openxmlformats.org/officeDocument/2006/relationships" xmlns:p="http://schemas.openxmlformats.org/presentationml/2006/main">
+  <p:cSld>
+    <p:spTree>
+      <p:nvGrpSpPr>
+        <p:cNvPr id="1" name=""/>
+        <p:cNvGrpSpPr/>
+        <p:nvPr/>
+      </p:nvGrpSpPr>
+      <p:grpSpPr>
+        <a:xfrm>
+          <a:off x="0" y="0"/>
+          <a:ext cx="0" cy="0"/>
+          <a:chOff x="0" y="0"/>
+          <a:chExt cx="0" cy="0"/>
+        </a:xfrm>
+      </p:grpSpPr>
+      <p:sp>
+        <p:nvSpPr>
+          <p:cNvPr id="2" name="Titel 1">
+            <a:extLst>
+              <a:ext uri="{FF2B5EF4-FFF2-40B4-BE49-F238E27FC236}">
+                <a16:creationId xmlns:a16="http://schemas.microsoft.com/office/drawing/2014/main" id="{1F89CF23-241D-4F08-93ED-6FBC5FDD6662}"/>
+              </a:ext>
+            </a:extLst>
+          </p:cNvPr>
+          <p:cNvSpPr>
+            <a:spLocks noGrp="1"/>
+          </p:cNvSpPr>
+          <p:nvPr>
+            <p:ph type="title"/>
+          </p:nvPr>
+        </p:nvSpPr>
+        <p:spPr/>
+        <p:txBody>
+          <a:bodyPr>
+            <a:normAutofit/>
+          </a:bodyPr>
+          <a:lstStyle/>
+          <a:p>
+            <a:pPr algn="ctr"/>
+            <a:r>
+              <a:rPr lang="de-DE" sz="4800" dirty="0" err="1"/>
               <a:t>DevExpress</a:t>
             </a:r>
+            <a:endParaRPr lang="de-DE" sz="4800" dirty="0"/>
+          </a:p>
+        </p:txBody>
+      </p:sp>
+      <p:pic>
+        <p:nvPicPr>
+          <p:cNvPr id="2050" name="Picture 2" descr="https://www.devexpress.com/Content/Core/facebook-share-icon.png">
+            <a:extLst>
+              <a:ext uri="{FF2B5EF4-FFF2-40B4-BE49-F238E27FC236}">
+                <a16:creationId xmlns:a16="http://schemas.microsoft.com/office/drawing/2014/main" id="{3A2E89D7-BF88-44EE-AB8F-BB894CFC5B6D}"/>
+              </a:ext>
+            </a:extLst>
+          </p:cNvPr>
+          <p:cNvPicPr>
+            <a:picLocks noChangeAspect="1" noChangeArrowheads="1"/>
+          </p:cNvPicPr>
+          <p:nvPr/>
+        </p:nvPicPr>
+        <p:blipFill>
+          <a:blip r:embed="rId2">
+            <a:extLst>
+              <a:ext uri="{28A0092B-C50C-407E-A947-70E740481C1C}">
+                <a14:useLocalDpi xmlns:a14="http://schemas.microsoft.com/office/drawing/2010/main" val="0"/>
+              </a:ext>
+            </a:extLst>
+          </a:blip>
+          <a:srcRect/>
+          <a:stretch>
+            <a:fillRect/>
+          </a:stretch>
+        </p:blipFill>
+        <p:spPr bwMode="auto">
+          <a:xfrm>
+            <a:off x="5143500" y="2476500"/>
+            <a:ext cx="1905000" cy="1905000"/>
+          </a:xfrm>
+          <a:prstGeom prst="rect">
+            <a:avLst/>
+          </a:prstGeom>
+          <a:noFill/>
+          <a:extLst>
+            <a:ext uri="{909E8E84-426E-40DD-AFC4-6F175D3DCCD1}">
+              <a14:hiddenFill xmlns:a14="http://schemas.microsoft.com/office/drawing/2010/main">
+                <a:solidFill>
+                  <a:srgbClr val="FFFFFF"/>
+                </a:solidFill>
+              </a14:hiddenFill>
+            </a:ext>
+          </a:extLst>
+        </p:spPr>
+      </p:pic>
+    </p:spTree>
+    <p:extLst>
+      <p:ext uri="{BB962C8B-B14F-4D97-AF65-F5344CB8AC3E}">
+        <p14:creationId xmlns:p14="http://schemas.microsoft.com/office/powerpoint/2010/main" val="2357535592"/>
+      </p:ext>
+    </p:extLst>
+  </p:cSld>
+  <p:clrMapOvr>
+    <a:masterClrMapping/>
+  </p:clrMapOvr>
+</p:sld>
+</file>
+
+<file path=ppt/slides/slide19.xml><?xml version="1.0" encoding="utf-8"?>
+<p:sld xmlns:a="http://schemas.openxmlformats.org/drawingml/2006/main" xmlns:r="http://schemas.openxmlformats.org/officeDocument/2006/relationships" xmlns:p="http://schemas.openxmlformats.org/presentationml/2006/main">
+  <p:cSld>
+    <p:spTree>
+      <p:nvGrpSpPr>
+        <p:cNvPr id="1" name=""/>
+        <p:cNvGrpSpPr/>
+        <p:nvPr/>
+      </p:nvGrpSpPr>
+      <p:grpSpPr>
+        <a:xfrm>
+          <a:off x="0" y="0"/>
+          <a:ext cx="0" cy="0"/>
+          <a:chOff x="0" y="0"/>
+          <a:chExt cx="0" cy="0"/>
+        </a:xfrm>
+      </p:grpSpPr>
+      <p:sp>
+        <p:nvSpPr>
+          <p:cNvPr id="2" name="Titel 1">
+            <a:extLst>
+              <a:ext uri="{FF2B5EF4-FFF2-40B4-BE49-F238E27FC236}">
+                <a16:creationId xmlns:a16="http://schemas.microsoft.com/office/drawing/2014/main" id="{1F89CF23-241D-4F08-93ED-6FBC5FDD6662}"/>
+              </a:ext>
+            </a:extLst>
+          </p:cNvPr>
+          <p:cNvSpPr>
+            <a:spLocks noGrp="1"/>
+          </p:cNvSpPr>
+          <p:nvPr>
+            <p:ph type="title"/>
+          </p:nvPr>
+        </p:nvSpPr>
+        <p:spPr/>
+        <p:txBody>
+          <a:bodyPr/>
+          <a:lstStyle/>
+          <a:p>
+            <a:r>
+              <a:rPr lang="de-DE" dirty="0" err="1"/>
+              <a:t>BindableBase</a:t>
+            </a:r>
             <a:endParaRPr lang="de-DE" dirty="0"/>
           </a:p>
         </p:txBody>
       </p:sp>
+      <p:sp>
+        <p:nvSpPr>
+          <p:cNvPr id="3" name="Inhaltsplatzhalter 2">
+            <a:extLst>
+              <a:ext uri="{FF2B5EF4-FFF2-40B4-BE49-F238E27FC236}">
+                <a16:creationId xmlns:a16="http://schemas.microsoft.com/office/drawing/2014/main" id="{531115D2-2B53-4B46-A368-E8B07937A585}"/>
+              </a:ext>
+            </a:extLst>
+          </p:cNvPr>
+          <p:cNvSpPr>
+            <a:spLocks noGrp="1"/>
+          </p:cNvSpPr>
+          <p:nvPr>
+            <p:ph idx="1"/>
+          </p:nvPr>
+        </p:nvSpPr>
+        <p:spPr>
+          <a:xfrm>
+            <a:off x="838200" y="1825625"/>
+            <a:ext cx="10515600" cy="1032985"/>
+          </a:xfrm>
+        </p:spPr>
+        <p:txBody>
+          <a:bodyPr/>
+          <a:lstStyle/>
+          <a:p>
+            <a:r>
+              <a:rPr lang="de-DE" dirty="0"/>
+              <a:t>Implementiert </a:t>
+            </a:r>
+            <a:r>
+              <a:rPr lang="de-DE" dirty="0" err="1"/>
+              <a:t>INotifyPropertyChanged</a:t>
+            </a:r>
+            <a:endParaRPr lang="de-DE" dirty="0"/>
+          </a:p>
+          <a:p>
+            <a:r>
+              <a:rPr lang="de-DE" dirty="0" err="1"/>
+              <a:t>SetProperty</a:t>
+            </a:r>
+            <a:r>
+              <a:rPr lang="de-DE" dirty="0"/>
+              <a:t>() und </a:t>
+            </a:r>
+            <a:r>
+              <a:rPr lang="de-DE" dirty="0" err="1"/>
+              <a:t>GetProperty</a:t>
+            </a:r>
+            <a:r>
+              <a:rPr lang="de-DE" dirty="0"/>
+              <a:t>()</a:t>
+            </a:r>
+          </a:p>
+          <a:p>
+            <a:pPr marL="0" indent="0">
+              <a:buNone/>
+            </a:pPr>
+            <a:endParaRPr lang="de-DE" dirty="0"/>
+          </a:p>
+        </p:txBody>
+      </p:sp>
+      <p:pic>
+        <p:nvPicPr>
+          <p:cNvPr id="4" name="Grafik 3">
+            <a:extLst>
+              <a:ext uri="{FF2B5EF4-FFF2-40B4-BE49-F238E27FC236}">
+                <a16:creationId xmlns:a16="http://schemas.microsoft.com/office/drawing/2014/main" id="{59225B68-EB18-4AB0-BE53-0F5842A0D1C4}"/>
+              </a:ext>
+            </a:extLst>
+          </p:cNvPr>
+          <p:cNvPicPr>
+            <a:picLocks noChangeAspect="1"/>
+          </p:cNvPicPr>
+          <p:nvPr/>
+        </p:nvPicPr>
+        <p:blipFill>
+          <a:blip r:embed="rId2"/>
+          <a:stretch>
+            <a:fillRect/>
+          </a:stretch>
+        </p:blipFill>
+        <p:spPr>
+          <a:xfrm>
+            <a:off x="838200" y="3548228"/>
+            <a:ext cx="6047684" cy="1991438"/>
+          </a:xfrm>
+          <a:prstGeom prst="rect">
+            <a:avLst/>
+          </a:prstGeom>
+        </p:spPr>
+      </p:pic>
+      <p:pic>
+        <p:nvPicPr>
+          <p:cNvPr id="5" name="Grafik 4">
+            <a:extLst>
+              <a:ext uri="{FF2B5EF4-FFF2-40B4-BE49-F238E27FC236}">
+                <a16:creationId xmlns:a16="http://schemas.microsoft.com/office/drawing/2014/main" id="{12E09BFE-B9F0-4302-A36F-3DDDF2F08FA5}"/>
+              </a:ext>
+            </a:extLst>
+          </p:cNvPr>
+          <p:cNvPicPr>
+            <a:picLocks noChangeAspect="1"/>
+          </p:cNvPicPr>
+          <p:nvPr/>
+        </p:nvPicPr>
+        <p:blipFill>
+          <a:blip r:embed="rId3"/>
+          <a:stretch>
+            <a:fillRect/>
+          </a:stretch>
+        </p:blipFill>
+        <p:spPr>
+          <a:xfrm>
+            <a:off x="3686489" y="3031277"/>
+            <a:ext cx="7868879" cy="2925496"/>
+          </a:xfrm>
+          <a:prstGeom prst="rect">
+            <a:avLst/>
+          </a:prstGeom>
+        </p:spPr>
+      </p:pic>
     </p:spTree>
     <p:extLst>
       <p:ext uri="{BB962C8B-B14F-4D97-AF65-F5344CB8AC3E}">
@@ -3787,28 +4775,432 @@
       </p:grpSpPr>
       <p:sp>
         <p:nvSpPr>
-          <p:cNvPr id="2" name="Titel 1">
-            <a:extLst>
-              <a:ext uri="{FF2B5EF4-FFF2-40B4-BE49-F238E27FC236}">
-                <a16:creationId xmlns:a16="http://schemas.microsoft.com/office/drawing/2014/main" id="{EE1F2658-F147-448A-BF10-1E9E46BD312D}"/>
-              </a:ext>
-            </a:extLst>
-          </p:cNvPr>
-          <p:cNvSpPr>
-            <a:spLocks noGrp="1"/>
-          </p:cNvSpPr>
-          <p:nvPr>
-            <p:ph type="title"/>
-          </p:nvPr>
-        </p:nvSpPr>
-        <p:spPr/>
-        <p:txBody>
-          <a:bodyPr/>
-          <a:lstStyle/>
-          <a:p>
+          <p:cNvPr id="3" name="Untertitel 2">
+            <a:extLst>
+              <a:ext uri="{FF2B5EF4-FFF2-40B4-BE49-F238E27FC236}">
+                <a16:creationId xmlns:a16="http://schemas.microsoft.com/office/drawing/2014/main" id="{A2320168-B360-4EB7-9A9D-89200864A043}"/>
+              </a:ext>
+            </a:extLst>
+          </p:cNvPr>
+          <p:cNvSpPr>
+            <a:spLocks noGrp="1"/>
+          </p:cNvSpPr>
+          <p:nvPr>
+            <p:ph type="subTitle" idx="1"/>
+          </p:nvPr>
+        </p:nvSpPr>
+        <p:spPr>
+          <a:xfrm>
+            <a:off x="1524000" y="1571347"/>
+            <a:ext cx="9144000" cy="4438835"/>
+          </a:xfrm>
+        </p:spPr>
+        <p:txBody>
+          <a:bodyPr>
+            <a:normAutofit fontScale="55000" lnSpcReduction="20000"/>
+          </a:bodyPr>
+          <a:lstStyle/>
+          <a:p>
+            <a:pPr marL="457200" indent="-457200" algn="l">
+              <a:buFont typeface="+mj-lt"/>
+              <a:buAutoNum type="arabicPeriod"/>
+            </a:pPr>
             <a:r>
               <a:rPr lang="de-DE" dirty="0"/>
+              <a:t>Einleitung</a:t>
+            </a:r>
+          </a:p>
+          <a:p>
+            <a:pPr marL="457200" indent="-457200" algn="l">
+              <a:buFont typeface="+mj-lt"/>
+              <a:buAutoNum type="arabicPeriod"/>
+            </a:pPr>
+            <a:r>
+              <a:rPr lang="de-DE" dirty="0">
+                <a:solidFill>
+                  <a:schemeClr val="accent6"/>
+                </a:solidFill>
+              </a:rPr>
               <a:t>Grundlagen</a:t>
+            </a:r>
+          </a:p>
+          <a:p>
+            <a:pPr marL="914400" lvl="1" indent="-457200" algn="l">
+              <a:buFont typeface="+mj-lt"/>
+              <a:buAutoNum type="arabicPeriod"/>
+            </a:pPr>
+            <a:r>
+              <a:rPr lang="de-DE" dirty="0">
+                <a:solidFill>
+                  <a:schemeClr val="accent6"/>
+                </a:solidFill>
+              </a:rPr>
+              <a:t>C#</a:t>
+            </a:r>
+          </a:p>
+          <a:p>
+            <a:pPr marL="1371600" lvl="2" indent="-457200" algn="l">
+              <a:buFont typeface="+mj-lt"/>
+              <a:buAutoNum type="arabicPeriod"/>
+            </a:pPr>
+            <a:r>
+              <a:rPr lang="de-DE" dirty="0">
+                <a:solidFill>
+                  <a:schemeClr val="accent6"/>
+                </a:solidFill>
+              </a:rPr>
+              <a:t>Allgemein</a:t>
+            </a:r>
+          </a:p>
+          <a:p>
+            <a:pPr marL="1371600" lvl="2" indent="-457200" algn="l">
+              <a:buFont typeface="+mj-lt"/>
+              <a:buAutoNum type="arabicPeriod"/>
+            </a:pPr>
+            <a:r>
+              <a:rPr lang="de-DE" dirty="0">
+                <a:solidFill>
+                  <a:schemeClr val="accent6"/>
+                </a:solidFill>
+              </a:rPr>
+              <a:t>Unterschiede zu Java</a:t>
+            </a:r>
+          </a:p>
+          <a:p>
+            <a:pPr marL="914400" lvl="1" indent="-457200" algn="l">
+              <a:buFont typeface="+mj-lt"/>
+              <a:buAutoNum type="arabicPeriod"/>
+            </a:pPr>
+            <a:r>
+              <a:rPr lang="de-DE" dirty="0">
+                <a:solidFill>
+                  <a:schemeClr val="accent6"/>
+                </a:solidFill>
+              </a:rPr>
+              <a:t>WPF </a:t>
+            </a:r>
+          </a:p>
+          <a:p>
+            <a:pPr marL="1371600" lvl="2" indent="-457200" algn="l">
+              <a:buFont typeface="+mj-lt"/>
+              <a:buAutoNum type="arabicPeriod"/>
+            </a:pPr>
+            <a:r>
+              <a:rPr lang="de-DE" dirty="0">
+                <a:solidFill>
+                  <a:schemeClr val="accent6"/>
+                </a:solidFill>
+              </a:rPr>
+              <a:t>Allgemein</a:t>
+            </a:r>
+          </a:p>
+          <a:p>
+            <a:pPr marL="1371600" lvl="2" indent="-457200" algn="l">
+              <a:buFont typeface="+mj-lt"/>
+              <a:buAutoNum type="arabicPeriod"/>
+            </a:pPr>
+            <a:r>
+              <a:rPr lang="de-DE" dirty="0">
+                <a:solidFill>
+                  <a:schemeClr val="accent6"/>
+                </a:solidFill>
+              </a:rPr>
+              <a:t>XAML</a:t>
+            </a:r>
+          </a:p>
+          <a:p>
+            <a:pPr marL="1371600" lvl="2" indent="-457200" algn="l">
+              <a:buFont typeface="+mj-lt"/>
+              <a:buAutoNum type="arabicPeriod"/>
+            </a:pPr>
+            <a:r>
+              <a:rPr lang="de-DE" dirty="0">
+                <a:solidFill>
+                  <a:schemeClr val="accent6"/>
+                </a:solidFill>
+              </a:rPr>
+              <a:t>Ressourcen</a:t>
+            </a:r>
+          </a:p>
+          <a:p>
+            <a:pPr marL="1371600" lvl="2" indent="-457200" algn="l">
+              <a:buFont typeface="+mj-lt"/>
+              <a:buAutoNum type="arabicPeriod"/>
+            </a:pPr>
+            <a:r>
+              <a:rPr lang="de-DE" dirty="0">
+                <a:solidFill>
+                  <a:schemeClr val="accent6"/>
+                </a:solidFill>
+              </a:rPr>
+              <a:t>Binding</a:t>
+            </a:r>
+          </a:p>
+          <a:p>
+            <a:pPr marL="1371600" lvl="2" indent="-457200" algn="l">
+              <a:buFont typeface="+mj-lt"/>
+              <a:buAutoNum type="arabicPeriod"/>
+            </a:pPr>
+            <a:r>
+              <a:rPr lang="de-DE" dirty="0">
+                <a:solidFill>
+                  <a:schemeClr val="accent6"/>
+                </a:solidFill>
+              </a:rPr>
+              <a:t>Converter </a:t>
+            </a:r>
+          </a:p>
+          <a:p>
+            <a:pPr marL="1371600" lvl="2" indent="-457200" algn="l">
+              <a:buFont typeface="+mj-lt"/>
+              <a:buAutoNum type="arabicPeriod"/>
+            </a:pPr>
+            <a:r>
+              <a:rPr lang="de-DE" dirty="0">
+                <a:solidFill>
+                  <a:schemeClr val="accent6"/>
+                </a:solidFill>
+              </a:rPr>
+              <a:t>Styles</a:t>
+            </a:r>
+          </a:p>
+          <a:p>
+            <a:pPr marL="1371600" lvl="2" indent="-457200" algn="l">
+              <a:buFont typeface="+mj-lt"/>
+              <a:buAutoNum type="arabicPeriod"/>
+            </a:pPr>
+            <a:r>
+              <a:rPr lang="de-DE" dirty="0" err="1">
+                <a:solidFill>
+                  <a:schemeClr val="accent6"/>
+                </a:solidFill>
+              </a:rPr>
+              <a:t>DataTemplates</a:t>
+            </a:r>
+            <a:endParaRPr lang="de-DE" dirty="0">
+              <a:solidFill>
+                <a:schemeClr val="accent6"/>
+              </a:solidFill>
+            </a:endParaRPr>
+          </a:p>
+          <a:p>
+            <a:pPr marL="457200" indent="-457200" algn="l">
+              <a:buFont typeface="+mj-lt"/>
+              <a:buAutoNum type="arabicPeriod"/>
+            </a:pPr>
+            <a:r>
+              <a:rPr lang="de-DE" dirty="0">
+                <a:solidFill>
+                  <a:schemeClr val="accent6"/>
+                </a:solidFill>
+              </a:rPr>
+              <a:t>MVVM</a:t>
+            </a:r>
+          </a:p>
+          <a:p>
+            <a:pPr marL="914400" lvl="1" indent="-457200" algn="l">
+              <a:buFont typeface="+mj-lt"/>
+              <a:buAutoNum type="arabicPeriod"/>
+            </a:pPr>
+            <a:r>
+              <a:rPr lang="de-DE" dirty="0">
+                <a:solidFill>
+                  <a:schemeClr val="accent6"/>
+                </a:solidFill>
+              </a:rPr>
+              <a:t>Komponenten</a:t>
+            </a:r>
+          </a:p>
+          <a:p>
+            <a:pPr marL="1371600" lvl="2" indent="-457200" algn="l">
+              <a:buFont typeface="+mj-lt"/>
+              <a:buAutoNum type="arabicPeriod"/>
+            </a:pPr>
+            <a:r>
+              <a:rPr lang="de-DE" dirty="0">
+                <a:solidFill>
+                  <a:schemeClr val="accent6"/>
+                </a:solidFill>
+              </a:rPr>
+              <a:t>Model</a:t>
+            </a:r>
+          </a:p>
+          <a:p>
+            <a:pPr marL="1371600" lvl="2" indent="-457200" algn="l">
+              <a:buFont typeface="+mj-lt"/>
+              <a:buAutoNum type="arabicPeriod"/>
+            </a:pPr>
+            <a:r>
+              <a:rPr lang="de-DE" dirty="0">
+                <a:solidFill>
+                  <a:schemeClr val="accent6"/>
+                </a:solidFill>
+              </a:rPr>
+              <a:t>View</a:t>
+            </a:r>
+          </a:p>
+          <a:p>
+            <a:pPr marL="1371600" lvl="2" indent="-457200" algn="l">
+              <a:buFont typeface="+mj-lt"/>
+              <a:buAutoNum type="arabicPeriod"/>
+            </a:pPr>
+            <a:r>
+              <a:rPr lang="de-DE" dirty="0" err="1">
+                <a:solidFill>
+                  <a:schemeClr val="accent6"/>
+                </a:solidFill>
+              </a:rPr>
+              <a:t>ViewModel</a:t>
+            </a:r>
+            <a:endParaRPr lang="de-DE" dirty="0">
+              <a:solidFill>
+                <a:schemeClr val="accent6"/>
+              </a:solidFill>
+            </a:endParaRPr>
+          </a:p>
+          <a:p>
+            <a:pPr marL="914400" lvl="1" indent="-457200" algn="l">
+              <a:buFont typeface="+mj-lt"/>
+              <a:buAutoNum type="arabicPeriod"/>
+            </a:pPr>
+            <a:r>
+              <a:rPr lang="de-DE" dirty="0">
+                <a:solidFill>
+                  <a:schemeClr val="accent6"/>
+                </a:solidFill>
+              </a:rPr>
+              <a:t>Binding</a:t>
+            </a:r>
+          </a:p>
+          <a:p>
+            <a:pPr marL="1371600" lvl="2" indent="-457200" algn="l">
+              <a:buFont typeface="+mj-lt"/>
+              <a:buAutoNum type="arabicPeriod"/>
+            </a:pPr>
+            <a:r>
+              <a:rPr lang="de-DE" dirty="0" err="1">
+                <a:solidFill>
+                  <a:schemeClr val="accent6"/>
+                </a:solidFill>
+              </a:rPr>
+              <a:t>INotifyPropertyChanged</a:t>
+            </a:r>
+            <a:endParaRPr lang="de-DE" dirty="0">
+              <a:solidFill>
+                <a:schemeClr val="accent6"/>
+              </a:solidFill>
+            </a:endParaRPr>
+          </a:p>
+          <a:p>
+            <a:pPr marL="914400" lvl="1" indent="-457200" algn="l">
+              <a:buFont typeface="+mj-lt"/>
+              <a:buAutoNum type="arabicPeriod"/>
+            </a:pPr>
+            <a:r>
+              <a:rPr lang="de-DE" dirty="0" err="1">
+                <a:solidFill>
+                  <a:schemeClr val="accent6"/>
+                </a:solidFill>
+              </a:rPr>
+              <a:t>DevExpress</a:t>
+            </a:r>
+            <a:endParaRPr lang="de-DE" dirty="0">
+              <a:solidFill>
+                <a:schemeClr val="accent6"/>
+              </a:solidFill>
+            </a:endParaRPr>
+          </a:p>
+          <a:p>
+            <a:pPr marL="1371600" lvl="2" indent="-457200" algn="l">
+              <a:buFont typeface="+mj-lt"/>
+              <a:buAutoNum type="arabicPeriod"/>
+            </a:pPr>
+            <a:r>
+              <a:rPr lang="de-DE" dirty="0" err="1">
+                <a:solidFill>
+                  <a:schemeClr val="accent6"/>
+                </a:solidFill>
+              </a:rPr>
+              <a:t>BindableBase</a:t>
+            </a:r>
+            <a:endParaRPr lang="de-DE" dirty="0">
+              <a:solidFill>
+                <a:schemeClr val="accent6"/>
+              </a:solidFill>
+            </a:endParaRPr>
+          </a:p>
+          <a:p>
+            <a:pPr marL="1371600" lvl="2" indent="-457200" algn="l">
+              <a:buFont typeface="+mj-lt"/>
+              <a:buAutoNum type="arabicPeriod"/>
+            </a:pPr>
+            <a:r>
+              <a:rPr lang="de-DE" dirty="0" err="1">
+                <a:solidFill>
+                  <a:schemeClr val="accent6"/>
+                </a:solidFill>
+              </a:rPr>
+              <a:t>ViewModelbase</a:t>
+            </a:r>
+            <a:endParaRPr lang="de-DE" dirty="0">
+              <a:solidFill>
+                <a:schemeClr val="accent6"/>
+              </a:solidFill>
+            </a:endParaRPr>
+          </a:p>
+        </p:txBody>
+      </p:sp>
+      <p:sp>
+        <p:nvSpPr>
+          <p:cNvPr id="7" name="Titel 1">
+            <a:extLst>
+              <a:ext uri="{FF2B5EF4-FFF2-40B4-BE49-F238E27FC236}">
+                <a16:creationId xmlns:a16="http://schemas.microsoft.com/office/drawing/2014/main" id="{363E5469-058A-4438-AA03-EEEFDD1B106B}"/>
+              </a:ext>
+            </a:extLst>
+          </p:cNvPr>
+          <p:cNvSpPr txBox="1">
+            <a:spLocks/>
+          </p:cNvSpPr>
+          <p:nvPr/>
+        </p:nvSpPr>
+        <p:spPr>
+          <a:xfrm>
+            <a:off x="838200" y="89918"/>
+            <a:ext cx="10515600" cy="1325563"/>
+          </a:xfrm>
+          <a:prstGeom prst="rect">
+            <a:avLst/>
+          </a:prstGeom>
+        </p:spPr>
+        <p:txBody>
+          <a:bodyPr vert="horz" lIns="91440" tIns="45720" rIns="91440" bIns="45720" rtlCol="0" anchor="b">
+            <a:normAutofit/>
+          </a:bodyPr>
+          <a:lstStyle>
+            <a:lvl1pPr algn="ctr" defTabSz="914400" rtl="0" eaLnBrk="1" latinLnBrk="0" hangingPunct="1">
+              <a:lnSpc>
+                <a:spcPct val="90000"/>
+              </a:lnSpc>
+              <a:spcBef>
+                <a:spcPct val="0"/>
+              </a:spcBef>
+              <a:buNone/>
+              <a:defRPr sz="6000" kern="1200">
+                <a:solidFill>
+                  <a:schemeClr val="tx1"/>
+                </a:solidFill>
+                <a:latin typeface="+mj-lt"/>
+                <a:ea typeface="+mj-ea"/>
+                <a:cs typeface="+mj-cs"/>
+              </a:defRPr>
+            </a:lvl1pPr>
+          </a:lstStyle>
+          <a:p>
+            <a:pPr algn="l"/>
+            <a:r>
+              <a:rPr lang="de-DE" sz="4400" dirty="0"/>
+              <a:t>Eigener Inhalt</a:t>
             </a:r>
           </a:p>
         </p:txBody>
@@ -3816,7 +5208,310 @@
     </p:spTree>
     <p:extLst>
       <p:ext uri="{BB962C8B-B14F-4D97-AF65-F5344CB8AC3E}">
-        <p14:creationId xmlns:p14="http://schemas.microsoft.com/office/powerpoint/2010/main" val="948146415"/>
+        <p14:creationId xmlns:p14="http://schemas.microsoft.com/office/powerpoint/2010/main" val="2899969318"/>
+      </p:ext>
+    </p:extLst>
+  </p:cSld>
+  <p:clrMapOvr>
+    <a:masterClrMapping/>
+  </p:clrMapOvr>
+</p:sld>
+</file>
+
+<file path=ppt/slides/slide20.xml><?xml version="1.0" encoding="utf-8"?>
+<p:sld xmlns:a="http://schemas.openxmlformats.org/drawingml/2006/main" xmlns:r="http://schemas.openxmlformats.org/officeDocument/2006/relationships" xmlns:p="http://schemas.openxmlformats.org/presentationml/2006/main">
+  <p:cSld>
+    <p:spTree>
+      <p:nvGrpSpPr>
+        <p:cNvPr id="1" name=""/>
+        <p:cNvGrpSpPr/>
+        <p:nvPr/>
+      </p:nvGrpSpPr>
+      <p:grpSpPr>
+        <a:xfrm>
+          <a:off x="0" y="0"/>
+          <a:ext cx="0" cy="0"/>
+          <a:chOff x="0" y="0"/>
+          <a:chExt cx="0" cy="0"/>
+        </a:xfrm>
+      </p:grpSpPr>
+      <p:sp>
+        <p:nvSpPr>
+          <p:cNvPr id="2" name="Titel 1">
+            <a:extLst>
+              <a:ext uri="{FF2B5EF4-FFF2-40B4-BE49-F238E27FC236}">
+                <a16:creationId xmlns:a16="http://schemas.microsoft.com/office/drawing/2014/main" id="{1F89CF23-241D-4F08-93ED-6FBC5FDD6662}"/>
+              </a:ext>
+            </a:extLst>
+          </p:cNvPr>
+          <p:cNvSpPr>
+            <a:spLocks noGrp="1"/>
+          </p:cNvSpPr>
+          <p:nvPr>
+            <p:ph type="title"/>
+          </p:nvPr>
+        </p:nvSpPr>
+        <p:spPr/>
+        <p:txBody>
+          <a:bodyPr/>
+          <a:lstStyle/>
+          <a:p>
+            <a:r>
+              <a:rPr lang="de-DE" dirty="0" err="1"/>
+              <a:t>ViewModelBase</a:t>
+            </a:r>
+            <a:br>
+              <a:rPr lang="de-DE" dirty="0"/>
+            </a:br>
+            <a:endParaRPr lang="de-DE" dirty="0"/>
+          </a:p>
+        </p:txBody>
+      </p:sp>
+      <p:sp>
+        <p:nvSpPr>
+          <p:cNvPr id="3" name="Inhaltsplatzhalter 2">
+            <a:extLst>
+              <a:ext uri="{FF2B5EF4-FFF2-40B4-BE49-F238E27FC236}">
+                <a16:creationId xmlns:a16="http://schemas.microsoft.com/office/drawing/2014/main" id="{531115D2-2B53-4B46-A368-E8B07937A585}"/>
+              </a:ext>
+            </a:extLst>
+          </p:cNvPr>
+          <p:cNvSpPr>
+            <a:spLocks noGrp="1"/>
+          </p:cNvSpPr>
+          <p:nvPr>
+            <p:ph idx="1"/>
+          </p:nvPr>
+        </p:nvSpPr>
+        <p:spPr>
+          <a:xfrm>
+            <a:off x="838200" y="1825625"/>
+            <a:ext cx="10515600" cy="1689932"/>
+          </a:xfrm>
+        </p:spPr>
+        <p:txBody>
+          <a:bodyPr>
+            <a:normAutofit/>
+          </a:bodyPr>
+          <a:lstStyle/>
+          <a:p>
+            <a:r>
+              <a:rPr lang="de-DE" dirty="0"/>
+              <a:t>Erbt von </a:t>
+            </a:r>
+            <a:r>
+              <a:rPr lang="de-DE" dirty="0" err="1"/>
+              <a:t>BindableBase</a:t>
+            </a:r>
+            <a:endParaRPr lang="de-DE" dirty="0"/>
+          </a:p>
+          <a:p>
+            <a:r>
+              <a:rPr lang="de-DE" dirty="0" err="1"/>
+              <a:t>OnInitializeInRuntime</a:t>
+            </a:r>
+            <a:r>
+              <a:rPr lang="de-DE" dirty="0"/>
+              <a:t>() und </a:t>
+            </a:r>
+            <a:r>
+              <a:rPr lang="de-DE" dirty="0" err="1"/>
+              <a:t>OnInitializeInDesignMode</a:t>
+            </a:r>
+            <a:r>
+              <a:rPr lang="de-DE" dirty="0"/>
+              <a:t>()</a:t>
+            </a:r>
+          </a:p>
+          <a:p>
+            <a:r>
+              <a:rPr lang="de-DE" dirty="0"/>
+              <a:t>Kommando Implementierung</a:t>
+            </a:r>
+          </a:p>
+        </p:txBody>
+      </p:sp>
+      <p:pic>
+        <p:nvPicPr>
+          <p:cNvPr id="6" name="Grafik 5">
+            <a:extLst>
+              <a:ext uri="{FF2B5EF4-FFF2-40B4-BE49-F238E27FC236}">
+                <a16:creationId xmlns:a16="http://schemas.microsoft.com/office/drawing/2014/main" id="{F6367B95-A3F4-4410-A8C4-C0EEF7093429}"/>
+              </a:ext>
+            </a:extLst>
+          </p:cNvPr>
+          <p:cNvPicPr>
+            <a:picLocks noChangeAspect="1"/>
+          </p:cNvPicPr>
+          <p:nvPr/>
+        </p:nvPicPr>
+        <p:blipFill>
+          <a:blip r:embed="rId2"/>
+          <a:stretch>
+            <a:fillRect/>
+          </a:stretch>
+        </p:blipFill>
+        <p:spPr>
+          <a:xfrm>
+            <a:off x="838200" y="3310369"/>
+            <a:ext cx="4245720" cy="3182506"/>
+          </a:xfrm>
+          <a:prstGeom prst="rect">
+            <a:avLst/>
+          </a:prstGeom>
+        </p:spPr>
+      </p:pic>
+    </p:spTree>
+    <p:extLst>
+      <p:ext uri="{BB962C8B-B14F-4D97-AF65-F5344CB8AC3E}">
+        <p14:creationId xmlns:p14="http://schemas.microsoft.com/office/powerpoint/2010/main" val="3401953845"/>
+      </p:ext>
+    </p:extLst>
+  </p:cSld>
+  <p:clrMapOvr>
+    <a:masterClrMapping/>
+  </p:clrMapOvr>
+</p:sld>
+</file>
+
+<file path=ppt/slides/slide21.xml><?xml version="1.0" encoding="utf-8"?>
+<p:sld xmlns:a="http://schemas.openxmlformats.org/drawingml/2006/main" xmlns:r="http://schemas.openxmlformats.org/officeDocument/2006/relationships" xmlns:p="http://schemas.openxmlformats.org/presentationml/2006/main">
+  <p:cSld>
+    <p:spTree>
+      <p:nvGrpSpPr>
+        <p:cNvPr id="1" name=""/>
+        <p:cNvGrpSpPr/>
+        <p:nvPr/>
+      </p:nvGrpSpPr>
+      <p:grpSpPr>
+        <a:xfrm>
+          <a:off x="0" y="0"/>
+          <a:ext cx="0" cy="0"/>
+          <a:chOff x="0" y="0"/>
+          <a:chExt cx="0" cy="0"/>
+        </a:xfrm>
+      </p:grpSpPr>
+      <p:sp>
+        <p:nvSpPr>
+          <p:cNvPr id="2" name="Titel 1">
+            <a:extLst>
+              <a:ext uri="{FF2B5EF4-FFF2-40B4-BE49-F238E27FC236}">
+                <a16:creationId xmlns:a16="http://schemas.microsoft.com/office/drawing/2014/main" id="{1F89CF23-241D-4F08-93ED-6FBC5FDD6662}"/>
+              </a:ext>
+            </a:extLst>
+          </p:cNvPr>
+          <p:cNvSpPr>
+            <a:spLocks noGrp="1"/>
+          </p:cNvSpPr>
+          <p:nvPr>
+            <p:ph type="title"/>
+          </p:nvPr>
+        </p:nvSpPr>
+        <p:spPr/>
+        <p:txBody>
+          <a:bodyPr>
+            <a:normAutofit/>
+          </a:bodyPr>
+          <a:lstStyle/>
+          <a:p>
+            <a:r>
+              <a:rPr lang="de-DE" dirty="0"/>
+              <a:t>Commands</a:t>
+            </a:r>
+            <a:br>
+              <a:rPr lang="de-DE" dirty="0"/>
+            </a:br>
+            <a:endParaRPr lang="de-DE" dirty="0"/>
+          </a:p>
+        </p:txBody>
+      </p:sp>
+      <p:sp>
+        <p:nvSpPr>
+          <p:cNvPr id="3" name="Inhaltsplatzhalter 2">
+            <a:extLst>
+              <a:ext uri="{FF2B5EF4-FFF2-40B4-BE49-F238E27FC236}">
+                <a16:creationId xmlns:a16="http://schemas.microsoft.com/office/drawing/2014/main" id="{531115D2-2B53-4B46-A368-E8B07937A585}"/>
+              </a:ext>
+            </a:extLst>
+          </p:cNvPr>
+          <p:cNvSpPr>
+            <a:spLocks noGrp="1"/>
+          </p:cNvSpPr>
+          <p:nvPr>
+            <p:ph idx="1"/>
+          </p:nvPr>
+        </p:nvSpPr>
+        <p:spPr>
+          <a:xfrm>
+            <a:off x="838200" y="1825625"/>
+            <a:ext cx="10515600" cy="1325563"/>
+          </a:xfrm>
+        </p:spPr>
+        <p:txBody>
+          <a:bodyPr>
+            <a:normAutofit/>
+          </a:bodyPr>
+          <a:lstStyle/>
+          <a:p>
+            <a:r>
+              <a:rPr lang="de-DE" dirty="0" err="1"/>
+              <a:t>DelegateCommand</a:t>
+            </a:r>
+            <a:r>
+              <a:rPr lang="de-DE" dirty="0"/>
+              <a:t> Klasse</a:t>
+            </a:r>
+          </a:p>
+          <a:p>
+            <a:r>
+              <a:rPr lang="de-DE" dirty="0"/>
+              <a:t>Einfache Implementierung von Execute() und </a:t>
+            </a:r>
+            <a:r>
+              <a:rPr lang="de-DE" dirty="0" err="1"/>
+              <a:t>CanExecute</a:t>
+            </a:r>
+            <a:r>
+              <a:rPr lang="de-DE" dirty="0"/>
+              <a:t>()</a:t>
+            </a:r>
+          </a:p>
+        </p:txBody>
+      </p:sp>
+      <p:pic>
+        <p:nvPicPr>
+          <p:cNvPr id="8" name="Grafik 7">
+            <a:extLst>
+              <a:ext uri="{FF2B5EF4-FFF2-40B4-BE49-F238E27FC236}">
+                <a16:creationId xmlns:a16="http://schemas.microsoft.com/office/drawing/2014/main" id="{FFC2D21F-BDD6-46A8-A9C0-FFA95E32F9CD}"/>
+              </a:ext>
+            </a:extLst>
+          </p:cNvPr>
+          <p:cNvPicPr>
+            <a:picLocks noChangeAspect="1"/>
+          </p:cNvPicPr>
+          <p:nvPr/>
+        </p:nvPicPr>
+        <p:blipFill>
+          <a:blip r:embed="rId2"/>
+          <a:stretch>
+            <a:fillRect/>
+          </a:stretch>
+        </p:blipFill>
+        <p:spPr>
+          <a:xfrm>
+            <a:off x="3524152" y="3151188"/>
+            <a:ext cx="5143695" cy="3050121"/>
+          </a:xfrm>
+          <a:prstGeom prst="rect">
+            <a:avLst/>
+          </a:prstGeom>
+        </p:spPr>
+      </p:pic>
+    </p:spTree>
+    <p:extLst>
+      <p:ext uri="{BB962C8B-B14F-4D97-AF65-F5344CB8AC3E}">
+        <p14:creationId xmlns:p14="http://schemas.microsoft.com/office/powerpoint/2010/main" val="2193258752"/>
       </p:ext>
     </p:extLst>
   </p:cSld>
@@ -3843,82 +5538,57 @@
           <a:chExt cx="0" cy="0"/>
         </a:xfrm>
       </p:grpSpPr>
-      <p:sp>
-        <p:nvSpPr>
-          <p:cNvPr id="2" name="Titel 1">
-            <a:extLst>
-              <a:ext uri="{FF2B5EF4-FFF2-40B4-BE49-F238E27FC236}">
-                <a16:creationId xmlns:a16="http://schemas.microsoft.com/office/drawing/2014/main" id="{5EBE39BD-4480-4BF1-B281-FF491100CC70}"/>
-              </a:ext>
-            </a:extLst>
-          </p:cNvPr>
-          <p:cNvSpPr>
-            <a:spLocks noGrp="1"/>
-          </p:cNvSpPr>
-          <p:nvPr>
-            <p:ph type="title"/>
-          </p:nvPr>
-        </p:nvSpPr>
-        <p:spPr/>
-        <p:txBody>
-          <a:bodyPr/>
-          <a:lstStyle/>
-          <a:p>
-            <a:r>
-              <a:rPr lang="de-DE" dirty="0"/>
-              <a:t>C#</a:t>
-            </a:r>
-          </a:p>
-        </p:txBody>
-      </p:sp>
-      <p:sp>
-        <p:nvSpPr>
-          <p:cNvPr id="3" name="Inhaltsplatzhalter 2">
-            <a:extLst>
-              <a:ext uri="{FF2B5EF4-FFF2-40B4-BE49-F238E27FC236}">
-                <a16:creationId xmlns:a16="http://schemas.microsoft.com/office/drawing/2014/main" id="{C6F5B1C1-46DE-4D91-9FFB-9468C0065E6B}"/>
-              </a:ext>
-            </a:extLst>
-          </p:cNvPr>
-          <p:cNvSpPr>
-            <a:spLocks noGrp="1"/>
-          </p:cNvSpPr>
-          <p:nvPr>
-            <p:ph idx="1"/>
-          </p:nvPr>
-        </p:nvSpPr>
-        <p:spPr/>
-        <p:txBody>
-          <a:bodyPr/>
-          <a:lstStyle/>
-          <a:p>
-            <a:r>
-              <a:rPr lang="de-DE" dirty="0"/>
-              <a:t>Allgemein</a:t>
-            </a:r>
-          </a:p>
-          <a:p>
-            <a:r>
-              <a:rPr lang="de-DE" dirty="0"/>
-              <a:t>Properties</a:t>
-            </a:r>
-          </a:p>
-          <a:p>
-            <a:r>
-              <a:rPr lang="de-DE" dirty="0" err="1"/>
-              <a:t>EventHandler</a:t>
-            </a:r>
-            <a:endParaRPr lang="de-DE" dirty="0"/>
-          </a:p>
-          <a:p>
-            <a:endParaRPr lang="de-DE" dirty="0"/>
-          </a:p>
-        </p:txBody>
-      </p:sp>
+      <p:pic>
+        <p:nvPicPr>
+          <p:cNvPr id="1026" name="Picture 2" descr="Bildergebnis fÃ¼r C#">
+            <a:extLst>
+              <a:ext uri="{FF2B5EF4-FFF2-40B4-BE49-F238E27FC236}">
+                <a16:creationId xmlns:a16="http://schemas.microsoft.com/office/drawing/2014/main" id="{67EA6A19-5CA6-48EB-A962-105E15A2BF35}"/>
+              </a:ext>
+            </a:extLst>
+          </p:cNvPr>
+          <p:cNvPicPr>
+            <a:picLocks noChangeAspect="1" noChangeArrowheads="1"/>
+          </p:cNvPicPr>
+          <p:nvPr/>
+        </p:nvPicPr>
+        <p:blipFill>
+          <a:blip r:embed="rId2">
+            <a:extLst>
+              <a:ext uri="{28A0092B-C50C-407E-A947-70E740481C1C}">
+                <a14:useLocalDpi xmlns:a14="http://schemas.microsoft.com/office/drawing/2010/main" val="0"/>
+              </a:ext>
+            </a:extLst>
+          </a:blip>
+          <a:srcRect/>
+          <a:stretch>
+            <a:fillRect/>
+          </a:stretch>
+        </p:blipFill>
+        <p:spPr bwMode="auto">
+          <a:xfrm>
+            <a:off x="2667000" y="0"/>
+            <a:ext cx="6858000" cy="6858000"/>
+          </a:xfrm>
+          <a:prstGeom prst="rect">
+            <a:avLst/>
+          </a:prstGeom>
+          <a:noFill/>
+          <a:extLst>
+            <a:ext uri="{909E8E84-426E-40DD-AFC4-6F175D3DCCD1}">
+              <a14:hiddenFill xmlns:a14="http://schemas.microsoft.com/office/drawing/2010/main">
+                <a:solidFill>
+                  <a:srgbClr val="FFFFFF"/>
+                </a:solidFill>
+              </a14:hiddenFill>
+            </a:ext>
+          </a:extLst>
+        </p:spPr>
+      </p:pic>
     </p:spTree>
     <p:extLst>
       <p:ext uri="{BB962C8B-B14F-4D97-AF65-F5344CB8AC3E}">
-        <p14:creationId xmlns:p14="http://schemas.microsoft.com/office/powerpoint/2010/main" val="1371083158"/>
+        <p14:creationId xmlns:p14="http://schemas.microsoft.com/office/powerpoint/2010/main" val="3461685096"/>
       </p:ext>
     </p:extLst>
   </p:cSld>
@@ -3950,7 +5620,7 @@
           <p:cNvPr id="2" name="Titel 1">
             <a:extLst>
               <a:ext uri="{FF2B5EF4-FFF2-40B4-BE49-F238E27FC236}">
-                <a16:creationId xmlns:a16="http://schemas.microsoft.com/office/drawing/2014/main" id="{8540D060-8817-4429-8800-FFC613CA5B8F}"/>
+                <a16:creationId xmlns:a16="http://schemas.microsoft.com/office/drawing/2014/main" id="{5EBE39BD-4480-4BF1-B281-FF491100CC70}"/>
               </a:ext>
             </a:extLst>
           </p:cNvPr>
@@ -3968,7 +5638,7 @@
           <a:p>
             <a:r>
               <a:rPr lang="de-DE" dirty="0"/>
-              <a:t>WPF</a:t>
+              <a:t>Unterschiede zu Java</a:t>
             </a:r>
           </a:p>
         </p:txBody>
@@ -3978,7 +5648,7 @@
           <p:cNvPr id="3" name="Inhaltsplatzhalter 2">
             <a:extLst>
               <a:ext uri="{FF2B5EF4-FFF2-40B4-BE49-F238E27FC236}">
-                <a16:creationId xmlns:a16="http://schemas.microsoft.com/office/drawing/2014/main" id="{B7428D77-EDFC-47FB-80CD-468ABDB9AF20}"/>
+                <a16:creationId xmlns:a16="http://schemas.microsoft.com/office/drawing/2014/main" id="{C6F5B1C1-46DE-4D91-9FFB-9468C0065E6B}"/>
               </a:ext>
             </a:extLst>
           </p:cNvPr>
@@ -3989,43 +5659,48 @@
             <p:ph idx="1"/>
           </p:nvPr>
         </p:nvSpPr>
-        <p:spPr>
-          <a:xfrm>
-            <a:off x="838200" y="1825625"/>
-            <a:ext cx="10515600" cy="4351338"/>
-          </a:xfrm>
-        </p:spPr>
+        <p:spPr/>
         <p:txBody>
           <a:bodyPr/>
           <a:lstStyle/>
           <a:p>
             <a:r>
               <a:rPr lang="de-DE" dirty="0"/>
-              <a:t>Allgemein</a:t>
-            </a:r>
-          </a:p>
-          <a:p>
+              <a:t>Properties statt </a:t>
+            </a:r>
+            <a:r>
+              <a:rPr lang="de-DE" dirty="0" err="1"/>
+              <a:t>set</a:t>
+            </a:r>
             <a:r>
               <a:rPr lang="de-DE" dirty="0"/>
-              <a:t>XAML</a:t>
-            </a:r>
-          </a:p>
-          <a:p>
+              <a:t>() und </a:t>
+            </a:r>
+            <a:r>
+              <a:rPr lang="de-DE" dirty="0" err="1"/>
+              <a:t>get</a:t>
+            </a:r>
             <a:r>
               <a:rPr lang="de-DE" dirty="0"/>
-              <a:t>Ressourcen</a:t>
+              <a:t>()</a:t>
             </a:r>
           </a:p>
           <a:p>
             <a:r>
               <a:rPr lang="de-DE" dirty="0"/>
-              <a:t>Converter</a:t>
-            </a:r>
-          </a:p>
-          <a:p>
-            <a:r>
-              <a:rPr lang="de-DE"/>
-              <a:t>DataTemplates</a:t>
+              <a:t>Keine Schnittstellen für Events </a:t>
+            </a:r>
+            <a:r>
+              <a:rPr lang="de-DE" dirty="0">
+                <a:sym typeface="Wingdings" panose="05000000000000000000" pitchFamily="2" charset="2"/>
+              </a:rPr>
+              <a:t> </a:t>
+            </a:r>
+            <a:r>
+              <a:rPr lang="de-DE" dirty="0" err="1">
+                <a:sym typeface="Wingdings" panose="05000000000000000000" pitchFamily="2" charset="2"/>
+              </a:rPr>
+              <a:t>EventHandler</a:t>
             </a:r>
             <a:endParaRPr lang="de-DE" dirty="0"/>
           </a:p>
@@ -4034,7 +5709,7 @@
     </p:spTree>
     <p:extLst>
       <p:ext uri="{BB962C8B-B14F-4D97-AF65-F5344CB8AC3E}">
-        <p14:creationId xmlns:p14="http://schemas.microsoft.com/office/powerpoint/2010/main" val="2384478077"/>
+        <p14:creationId xmlns:p14="http://schemas.microsoft.com/office/powerpoint/2010/main" val="1251303625"/>
       </p:ext>
     </p:extLst>
   </p:cSld>
@@ -4066,7 +5741,7 @@
           <p:cNvPr id="2" name="Titel 1">
             <a:extLst>
               <a:ext uri="{FF2B5EF4-FFF2-40B4-BE49-F238E27FC236}">
-                <a16:creationId xmlns:a16="http://schemas.microsoft.com/office/drawing/2014/main" id="{1F89CF23-241D-4F08-93ED-6FBC5FDD6662}"/>
+                <a16:creationId xmlns:a16="http://schemas.microsoft.com/office/drawing/2014/main" id="{8540D060-8817-4429-8800-FFC613CA5B8F}"/>
               </a:ext>
             </a:extLst>
           </p:cNvPr>
@@ -4075,96 +5750,45 @@
           </p:cNvSpPr>
           <p:nvPr>
             <p:ph type="title"/>
-          </p:nvPr>
-        </p:nvSpPr>
-        <p:spPr/>
-        <p:txBody>
-          <a:bodyPr/>
-          <a:lstStyle/>
-          <a:p>
-            <a:r>
-              <a:rPr lang="de-DE" dirty="0"/>
-              <a:t>MVVM</a:t>
-            </a:r>
-          </a:p>
-        </p:txBody>
-      </p:sp>
-      <p:sp>
-        <p:nvSpPr>
-          <p:cNvPr id="3" name="Inhaltsplatzhalter 2">
-            <a:extLst>
-              <a:ext uri="{FF2B5EF4-FFF2-40B4-BE49-F238E27FC236}">
-                <a16:creationId xmlns:a16="http://schemas.microsoft.com/office/drawing/2014/main" id="{718AE371-C251-47F9-AD57-DBF885A235F4}"/>
-              </a:ext>
-            </a:extLst>
-          </p:cNvPr>
-          <p:cNvSpPr>
-            <a:spLocks noGrp="1"/>
-          </p:cNvSpPr>
-          <p:nvPr>
-            <p:ph idx="1"/>
           </p:nvPr>
         </p:nvSpPr>
         <p:spPr>
           <a:xfrm>
-            <a:off x="838200" y="1825625"/>
-            <a:ext cx="10515600" cy="4351338"/>
+            <a:off x="838200" y="365125"/>
+            <a:ext cx="10515600" cy="5973531"/>
           </a:xfrm>
         </p:spPr>
         <p:txBody>
-          <a:bodyPr/>
-          <a:lstStyle/>
-          <a:p>
-            <a:r>
-              <a:rPr lang="de-DE" dirty="0"/>
-              <a:t>Model</a:t>
-            </a:r>
-          </a:p>
-          <a:p>
-            <a:r>
-              <a:rPr lang="de-DE" dirty="0"/>
-              <a:t>View</a:t>
-            </a:r>
-          </a:p>
-          <a:p>
-            <a:r>
-              <a:rPr lang="de-DE" dirty="0" err="1"/>
-              <a:t>ViewModel</a:t>
-            </a:r>
-            <a:endParaRPr lang="de-DE" dirty="0"/>
-          </a:p>
-          <a:p>
-            <a:r>
-              <a:rPr lang="de-DE" dirty="0"/>
-              <a:t>Binding</a:t>
-            </a:r>
-          </a:p>
-          <a:p>
-            <a:r>
-              <a:rPr lang="de-DE" dirty="0" err="1"/>
-              <a:t>INotifyPropertyChanged</a:t>
-            </a:r>
-            <a:endParaRPr lang="de-DE" dirty="0"/>
-          </a:p>
-          <a:p>
-            <a:r>
-              <a:rPr lang="de-DE" dirty="0" err="1"/>
-              <a:t>DevExpress</a:t>
-            </a:r>
-            <a:r>
-              <a:rPr lang="de-DE" dirty="0"/>
-              <a:t> MVVM</a:t>
-            </a:r>
-          </a:p>
-          <a:p>
-            <a:endParaRPr lang="de-DE" dirty="0"/>
+          <a:bodyPr>
+            <a:normAutofit/>
+          </a:bodyPr>
+          <a:lstStyle/>
+          <a:p>
+            <a:pPr algn="ctr"/>
+            <a:r>
+              <a:rPr lang="de-DE" sz="5400" dirty="0"/>
+              <a:t>Windows </a:t>
+            </a:r>
+            <a:r>
+              <a:rPr lang="de-DE" sz="5400" dirty="0" err="1"/>
+              <a:t>Presentation</a:t>
+            </a:r>
+            <a:r>
+              <a:rPr lang="de-DE" sz="5400" dirty="0"/>
+              <a:t> </a:t>
+            </a:r>
+            <a:r>
+              <a:rPr lang="de-DE" sz="5400" dirty="0" err="1"/>
+              <a:t>Foundation</a:t>
+            </a:r>
+            <a:endParaRPr lang="de-DE" sz="5400" dirty="0"/>
           </a:p>
         </p:txBody>
       </p:sp>
     </p:spTree>
     <p:extLst>
       <p:ext uri="{BB962C8B-B14F-4D97-AF65-F5344CB8AC3E}">
-        <p14:creationId xmlns:p14="http://schemas.microsoft.com/office/powerpoint/2010/main" val="2202890168"/>
+        <p14:creationId xmlns:p14="http://schemas.microsoft.com/office/powerpoint/2010/main" val="2384478077"/>
       </p:ext>
     </p:extLst>
   </p:cSld>
@@ -4196,7 +5820,7 @@
           <p:cNvPr id="2" name="Titel 1">
             <a:extLst>
               <a:ext uri="{FF2B5EF4-FFF2-40B4-BE49-F238E27FC236}">
-                <a16:creationId xmlns:a16="http://schemas.microsoft.com/office/drawing/2014/main" id="{1F89CF23-241D-4F08-93ED-6FBC5FDD6662}"/>
+                <a16:creationId xmlns:a16="http://schemas.microsoft.com/office/drawing/2014/main" id="{8540D060-8817-4429-8800-FFC613CA5B8F}"/>
               </a:ext>
             </a:extLst>
           </p:cNvPr>
@@ -4207,14 +5831,67 @@
             <p:ph type="title"/>
           </p:nvPr>
         </p:nvSpPr>
-        <p:spPr/>
+        <p:spPr>
+          <a:xfrm>
+            <a:off x="838200" y="365125"/>
+            <a:ext cx="10515600" cy="1325563"/>
+          </a:xfrm>
+        </p:spPr>
+        <p:txBody>
+          <a:bodyPr/>
+          <a:lstStyle/>
+          <a:p>
+            <a:r>
+              <a:rPr lang="de-DE"/>
+              <a:t>Extensible Application Markup Language</a:t>
+            </a:r>
+            <a:endParaRPr lang="de-DE" dirty="0"/>
+          </a:p>
+        </p:txBody>
+      </p:sp>
+      <p:sp>
+        <p:nvSpPr>
+          <p:cNvPr id="6" name="Inhaltsplatzhalter 2">
+            <a:extLst>
+              <a:ext uri="{FF2B5EF4-FFF2-40B4-BE49-F238E27FC236}">
+                <a16:creationId xmlns:a16="http://schemas.microsoft.com/office/drawing/2014/main" id="{78023648-850B-47EB-A4D2-20B5FFEB274A}"/>
+              </a:ext>
+            </a:extLst>
+          </p:cNvPr>
+          <p:cNvSpPr>
+            <a:spLocks noGrp="1"/>
+          </p:cNvSpPr>
+          <p:nvPr>
+            <p:ph idx="1"/>
+          </p:nvPr>
+        </p:nvSpPr>
+        <p:spPr>
+          <a:xfrm>
+            <a:off x="838200" y="1825625"/>
+            <a:ext cx="10515600" cy="1467991"/>
+          </a:xfrm>
+        </p:spPr>
         <p:txBody>
           <a:bodyPr/>
           <a:lstStyle/>
           <a:p>
             <a:r>
               <a:rPr lang="de-DE" dirty="0"/>
-              <a:t>Model</a:t>
+              <a:t>XML-basiert</a:t>
+            </a:r>
+          </a:p>
+          <a:p>
+            <a:r>
+              <a:rPr lang="de-DE" dirty="0"/>
+              <a:t>Grafische Elemente, Verhaltensweisen, Transformationen, Animationen, Farbverläufe, </a:t>
+            </a:r>
+            <a:r>
+              <a:rPr lang="de-DE" dirty="0" err="1"/>
+              <a:t>uvm</a:t>
+            </a:r>
+            <a:r>
+              <a:rPr lang="de-DE" dirty="0"/>
+              <a:t>.</a:t>
             </a:r>
           </a:p>
         </p:txBody>
@@ -4222,7 +5899,7 @@
     </p:spTree>
     <p:extLst>
       <p:ext uri="{BB962C8B-B14F-4D97-AF65-F5344CB8AC3E}">
-        <p14:creationId xmlns:p14="http://schemas.microsoft.com/office/powerpoint/2010/main" val="1513587001"/>
+        <p14:creationId xmlns:p14="http://schemas.microsoft.com/office/powerpoint/2010/main" val="247217117"/>
       </p:ext>
     </p:extLst>
   </p:cSld>
@@ -4254,7 +5931,7 @@
           <p:cNvPr id="2" name="Titel 1">
             <a:extLst>
               <a:ext uri="{FF2B5EF4-FFF2-40B4-BE49-F238E27FC236}">
-                <a16:creationId xmlns:a16="http://schemas.microsoft.com/office/drawing/2014/main" id="{1F89CF23-241D-4F08-93ED-6FBC5FDD6662}"/>
+                <a16:creationId xmlns:a16="http://schemas.microsoft.com/office/drawing/2014/main" id="{8540D060-8817-4429-8800-FFC613CA5B8F}"/>
               </a:ext>
             </a:extLst>
           </p:cNvPr>
@@ -4272,15 +5949,81 @@
           <a:p>
             <a:r>
               <a:rPr lang="de-DE" dirty="0"/>
-              <a:t>View</a:t>
-            </a:r>
+              <a:t>Ressourcen</a:t>
+            </a:r>
+          </a:p>
+        </p:txBody>
+      </p:sp>
+      <p:sp>
+        <p:nvSpPr>
+          <p:cNvPr id="3" name="Inhaltsplatzhalter 2">
+            <a:extLst>
+              <a:ext uri="{FF2B5EF4-FFF2-40B4-BE49-F238E27FC236}">
+                <a16:creationId xmlns:a16="http://schemas.microsoft.com/office/drawing/2014/main" id="{7AD608DC-C256-4E27-8516-D5CB84FAA864}"/>
+              </a:ext>
+            </a:extLst>
+          </p:cNvPr>
+          <p:cNvSpPr>
+            <a:spLocks noGrp="1"/>
+          </p:cNvSpPr>
+          <p:nvPr>
+            <p:ph idx="1"/>
+          </p:nvPr>
+        </p:nvSpPr>
+        <p:spPr>
+          <a:xfrm>
+            <a:off x="838200" y="1825625"/>
+            <a:ext cx="10515600" cy="1698810"/>
+          </a:xfrm>
+        </p:spPr>
+        <p:txBody>
+          <a:bodyPr/>
+          <a:lstStyle/>
+          <a:p>
+            <a:r>
+              <a:rPr lang="de-DE" dirty="0"/>
+              <a:t>XAML-definiert</a:t>
+            </a:r>
+          </a:p>
+          <a:p>
+            <a:r>
+              <a:rPr lang="de-DE" dirty="0"/>
+              <a:t>Converter, Strings, Integer, Farben, Styles, </a:t>
+            </a:r>
+            <a:r>
+              <a:rPr lang="de-DE" dirty="0" err="1"/>
+              <a:t>uvm</a:t>
+            </a:r>
+            <a:r>
+              <a:rPr lang="de-DE" dirty="0"/>
+              <a:t>.</a:t>
+            </a:r>
+          </a:p>
+          <a:p>
+            <a:r>
+              <a:rPr lang="de-DE" dirty="0"/>
+              <a:t>Zugriff über </a:t>
+            </a:r>
+            <a:r>
+              <a:rPr lang="de-DE" dirty="0" err="1"/>
+              <a:t>StaticResource</a:t>
+            </a:r>
+            <a:r>
+              <a:rPr lang="de-DE" dirty="0"/>
+              <a:t> oder </a:t>
+            </a:r>
+            <a:r>
+              <a:rPr lang="de-DE" dirty="0" err="1"/>
+              <a:t>DynamicResource</a:t>
+            </a:r>
+            <a:endParaRPr lang="de-DE" dirty="0"/>
           </a:p>
         </p:txBody>
       </p:sp>
     </p:spTree>
     <p:extLst>
       <p:ext uri="{BB962C8B-B14F-4D97-AF65-F5344CB8AC3E}">
-        <p14:creationId xmlns:p14="http://schemas.microsoft.com/office/powerpoint/2010/main" val="3234678317"/>
+        <p14:creationId xmlns:p14="http://schemas.microsoft.com/office/powerpoint/2010/main" val="787153436"/>
       </p:ext>
     </p:extLst>
   </p:cSld>
@@ -4312,7 +6055,7 @@
           <p:cNvPr id="2" name="Titel 1">
             <a:extLst>
               <a:ext uri="{FF2B5EF4-FFF2-40B4-BE49-F238E27FC236}">
-                <a16:creationId xmlns:a16="http://schemas.microsoft.com/office/drawing/2014/main" id="{1F89CF23-241D-4F08-93ED-6FBC5FDD6662}"/>
+                <a16:creationId xmlns:a16="http://schemas.microsoft.com/office/drawing/2014/main" id="{8540D060-8817-4429-8800-FFC613CA5B8F}"/>
               </a:ext>
             </a:extLst>
           </p:cNvPr>
@@ -4329,9 +6072,62 @@
           <a:lstStyle/>
           <a:p>
             <a:r>
+              <a:rPr lang="de-DE" dirty="0"/>
+              <a:t>Binding</a:t>
+            </a:r>
+          </a:p>
+        </p:txBody>
+      </p:sp>
+      <p:sp>
+        <p:nvSpPr>
+          <p:cNvPr id="3" name="Inhaltsplatzhalter 2">
+            <a:extLst>
+              <a:ext uri="{FF2B5EF4-FFF2-40B4-BE49-F238E27FC236}">
+                <a16:creationId xmlns:a16="http://schemas.microsoft.com/office/drawing/2014/main" id="{20E9F529-D27A-40D5-AB74-59456F60E3B4}"/>
+              </a:ext>
+            </a:extLst>
+          </p:cNvPr>
+          <p:cNvSpPr>
+            <a:spLocks noGrp="1"/>
+          </p:cNvSpPr>
+          <p:nvPr>
+            <p:ph idx="1"/>
+          </p:nvPr>
+        </p:nvSpPr>
+        <p:spPr>
+          <a:xfrm>
+            <a:off x="838200" y="1825625"/>
+            <a:ext cx="10515600" cy="1130639"/>
+          </a:xfrm>
+        </p:spPr>
+        <p:txBody>
+          <a:bodyPr/>
+          <a:lstStyle/>
+          <a:p>
+            <a:r>
+              <a:rPr lang="de-DE" dirty="0"/>
+              <a:t>Eigenschaften an andere Eigenschaften binden</a:t>
+            </a:r>
+          </a:p>
+          <a:p>
+            <a:r>
               <a:rPr lang="de-DE" dirty="0" err="1"/>
-              <a:t>ViewModel</a:t>
-            </a:r>
+              <a:t>OneWay</a:t>
+            </a:r>
+            <a:r>
+              <a:rPr lang="de-DE" dirty="0"/>
+              <a:t>, </a:t>
+            </a:r>
+            <a:r>
+              <a:rPr lang="de-DE" dirty="0" err="1"/>
+              <a:t>TwoWay</a:t>
+            </a:r>
+            <a:endParaRPr lang="de-DE" dirty="0"/>
+          </a:p>
+          <a:p>
+            <a:pPr marL="0" indent="0">
+              <a:buNone/>
+            </a:pPr>
             <a:endParaRPr lang="de-DE" dirty="0"/>
           </a:p>
         </p:txBody>
@@ -4339,7 +6135,7 @@
     </p:spTree>
     <p:extLst>
       <p:ext uri="{BB962C8B-B14F-4D97-AF65-F5344CB8AC3E}">
-        <p14:creationId xmlns:p14="http://schemas.microsoft.com/office/powerpoint/2010/main" val="2727315702"/>
+        <p14:creationId xmlns:p14="http://schemas.microsoft.com/office/powerpoint/2010/main" val="1455103770"/>
       </p:ext>
     </p:extLst>
   </p:cSld>
@@ -4371,7 +6167,7 @@
           <p:cNvPr id="2" name="Titel 1">
             <a:extLst>
               <a:ext uri="{FF2B5EF4-FFF2-40B4-BE49-F238E27FC236}">
-                <a16:creationId xmlns:a16="http://schemas.microsoft.com/office/drawing/2014/main" id="{1F89CF23-241D-4F08-93ED-6FBC5FDD6662}"/>
+                <a16:creationId xmlns:a16="http://schemas.microsoft.com/office/drawing/2014/main" id="{8540D060-8817-4429-8800-FFC613CA5B8F}"/>
               </a:ext>
             </a:extLst>
           </p:cNvPr>
@@ -4389,15 +6185,69 @@
           <a:p>
             <a:r>
               <a:rPr lang="de-DE" dirty="0"/>
-              <a:t>Binding</a:t>
-            </a:r>
+              <a:t>Converter</a:t>
+            </a:r>
+          </a:p>
+        </p:txBody>
+      </p:sp>
+      <p:sp>
+        <p:nvSpPr>
+          <p:cNvPr id="3" name="Inhaltsplatzhalter 2">
+            <a:extLst>
+              <a:ext uri="{FF2B5EF4-FFF2-40B4-BE49-F238E27FC236}">
+                <a16:creationId xmlns:a16="http://schemas.microsoft.com/office/drawing/2014/main" id="{186DE386-DDF7-4254-8E3D-DB0D2FDEADF3}"/>
+              </a:ext>
+            </a:extLst>
+          </p:cNvPr>
+          <p:cNvSpPr>
+            <a:spLocks noGrp="1"/>
+          </p:cNvSpPr>
+          <p:nvPr>
+            <p:ph idx="1"/>
+          </p:nvPr>
+        </p:nvSpPr>
+        <p:spPr>
+          <a:xfrm>
+            <a:off x="838200" y="1825625"/>
+            <a:ext cx="10515600" cy="1254926"/>
+          </a:xfrm>
+        </p:spPr>
+        <p:txBody>
+          <a:bodyPr/>
+          <a:lstStyle/>
+          <a:p>
+            <a:r>
+              <a:rPr lang="de-DE" dirty="0"/>
+              <a:t>Für nicht-kompatible Datentypen</a:t>
+            </a:r>
+          </a:p>
+          <a:p>
+            <a:r>
+              <a:rPr lang="de-DE" dirty="0" err="1"/>
+              <a:t>IValueCoverter</a:t>
+            </a:r>
+            <a:r>
+              <a:rPr lang="de-DE" dirty="0"/>
+              <a:t> oder </a:t>
+            </a:r>
+            <a:r>
+              <a:rPr lang="de-DE" dirty="0" err="1"/>
+              <a:t>IMultiValueConverter</a:t>
+            </a:r>
+            <a:endParaRPr lang="de-DE" dirty="0"/>
+          </a:p>
+          <a:p>
+            <a:pPr marL="0" indent="0">
+              <a:buNone/>
+            </a:pPr>
+            <a:endParaRPr lang="de-DE" dirty="0"/>
           </a:p>
         </p:txBody>
       </p:sp>
     </p:spTree>
     <p:extLst>
       <p:ext uri="{BB962C8B-B14F-4D97-AF65-F5344CB8AC3E}">
-        <p14:creationId xmlns:p14="http://schemas.microsoft.com/office/powerpoint/2010/main" val="3363733515"/>
+        <p14:creationId xmlns:p14="http://schemas.microsoft.com/office/powerpoint/2010/main" val="1152531471"/>
       </p:ext>
     </p:extLst>
   </p:cSld>

--- a/Präsentation_Steffen.pptx
+++ b/Präsentation_Steffen.pptx
@@ -21,11 +21,12 @@
     <p:sldId id="283" r:id="rId15"/>
     <p:sldId id="284" r:id="rId16"/>
     <p:sldId id="282" r:id="rId17"/>
-    <p:sldId id="264" r:id="rId18"/>
-    <p:sldId id="285" r:id="rId19"/>
-    <p:sldId id="265" r:id="rId20"/>
-    <p:sldId id="286" r:id="rId21"/>
-    <p:sldId id="287" r:id="rId22"/>
+    <p:sldId id="288" r:id="rId18"/>
+    <p:sldId id="264" r:id="rId19"/>
+    <p:sldId id="285" r:id="rId20"/>
+    <p:sldId id="265" r:id="rId21"/>
+    <p:sldId id="286" r:id="rId22"/>
+    <p:sldId id="287" r:id="rId23"/>
   </p:sldIdLst>
   <p:sldSz cx="12192000" cy="6858000"/>
   <p:notesSz cx="6858000" cy="9144000"/>
@@ -154,7 +155,7 @@
           <p:cNvPr id="2" name="Titel 1">
             <a:extLst>
               <a:ext uri="{FF2B5EF4-FFF2-40B4-BE49-F238E27FC236}">
-                <a16:creationId xmlns:a16="http://schemas.microsoft.com/office/drawing/2014/main" id="{6AA81410-870F-4DA7-9B12-94BA071EFD00}"/>
+                <a16:creationId xmlns="" xmlns:a16="http://schemas.microsoft.com/office/drawing/2014/main" id="{6AA81410-870F-4DA7-9B12-94BA071EFD00}"/>
               </a:ext>
             </a:extLst>
           </p:cNvPr>
@@ -191,7 +192,7 @@
           <p:cNvPr id="3" name="Untertitel 2">
             <a:extLst>
               <a:ext uri="{FF2B5EF4-FFF2-40B4-BE49-F238E27FC236}">
-                <a16:creationId xmlns:a16="http://schemas.microsoft.com/office/drawing/2014/main" id="{625C5883-11BB-479C-8DD8-F58A8BE1FA2E}"/>
+                <a16:creationId xmlns="" xmlns:a16="http://schemas.microsoft.com/office/drawing/2014/main" id="{625C5883-11BB-479C-8DD8-F58A8BE1FA2E}"/>
               </a:ext>
             </a:extLst>
           </p:cNvPr>
@@ -261,7 +262,7 @@
           <p:cNvPr id="4" name="Datumsplatzhalter 3">
             <a:extLst>
               <a:ext uri="{FF2B5EF4-FFF2-40B4-BE49-F238E27FC236}">
-                <a16:creationId xmlns:a16="http://schemas.microsoft.com/office/drawing/2014/main" id="{3B222930-3936-4886-A36F-18FF6C4A4CDB}"/>
+                <a16:creationId xmlns="" xmlns:a16="http://schemas.microsoft.com/office/drawing/2014/main" id="{3B222930-3936-4886-A36F-18FF6C4A4CDB}"/>
               </a:ext>
             </a:extLst>
           </p:cNvPr>
@@ -279,7 +280,7 @@
           <a:p>
             <a:fld id="{A97C7722-F581-4FF4-98F6-314E0F8DD03D}" type="datetimeFigureOut">
               <a:rPr lang="de-DE" smtClean="0"/>
-              <a:t>20.01.2019</a:t>
+              <a:t>21.01.2019</a:t>
             </a:fld>
             <a:endParaRPr lang="de-DE"/>
           </a:p>
@@ -290,7 +291,7 @@
           <p:cNvPr id="5" name="Fußzeilenplatzhalter 4">
             <a:extLst>
               <a:ext uri="{FF2B5EF4-FFF2-40B4-BE49-F238E27FC236}">
-                <a16:creationId xmlns:a16="http://schemas.microsoft.com/office/drawing/2014/main" id="{03FC9DC3-F7CC-49B8-BD89-A5B3E0760B21}"/>
+                <a16:creationId xmlns="" xmlns:a16="http://schemas.microsoft.com/office/drawing/2014/main" id="{03FC9DC3-F7CC-49B8-BD89-A5B3E0760B21}"/>
               </a:ext>
             </a:extLst>
           </p:cNvPr>
@@ -315,7 +316,7 @@
           <p:cNvPr id="6" name="Foliennummernplatzhalter 5">
             <a:extLst>
               <a:ext uri="{FF2B5EF4-FFF2-40B4-BE49-F238E27FC236}">
-                <a16:creationId xmlns:a16="http://schemas.microsoft.com/office/drawing/2014/main" id="{449F7575-8A61-4BEC-9923-46BDEBC6F730}"/>
+                <a16:creationId xmlns="" xmlns:a16="http://schemas.microsoft.com/office/drawing/2014/main" id="{449F7575-8A61-4BEC-9923-46BDEBC6F730}"/>
               </a:ext>
             </a:extLst>
           </p:cNvPr>
@@ -374,7 +375,7 @@
           <p:cNvPr id="2" name="Titel 1">
             <a:extLst>
               <a:ext uri="{FF2B5EF4-FFF2-40B4-BE49-F238E27FC236}">
-                <a16:creationId xmlns:a16="http://schemas.microsoft.com/office/drawing/2014/main" id="{F4DF863A-7033-4015-A882-BD8B9C6CCBC9}"/>
+                <a16:creationId xmlns="" xmlns:a16="http://schemas.microsoft.com/office/drawing/2014/main" id="{F4DF863A-7033-4015-A882-BD8B9C6CCBC9}"/>
               </a:ext>
             </a:extLst>
           </p:cNvPr>
@@ -402,7 +403,7 @@
           <p:cNvPr id="3" name="Vertikaler Textplatzhalter 2">
             <a:extLst>
               <a:ext uri="{FF2B5EF4-FFF2-40B4-BE49-F238E27FC236}">
-                <a16:creationId xmlns:a16="http://schemas.microsoft.com/office/drawing/2014/main" id="{C0746A1A-D278-46F9-A33A-6D5706C48AC6}"/>
+                <a16:creationId xmlns="" xmlns:a16="http://schemas.microsoft.com/office/drawing/2014/main" id="{C0746A1A-D278-46F9-A33A-6D5706C48AC6}"/>
               </a:ext>
             </a:extLst>
           </p:cNvPr>
@@ -459,7 +460,7 @@
           <p:cNvPr id="4" name="Datumsplatzhalter 3">
             <a:extLst>
               <a:ext uri="{FF2B5EF4-FFF2-40B4-BE49-F238E27FC236}">
-                <a16:creationId xmlns:a16="http://schemas.microsoft.com/office/drawing/2014/main" id="{6F8A6FE2-7AAF-4E7B-BD51-F40688D51FF1}"/>
+                <a16:creationId xmlns="" xmlns:a16="http://schemas.microsoft.com/office/drawing/2014/main" id="{6F8A6FE2-7AAF-4E7B-BD51-F40688D51FF1}"/>
               </a:ext>
             </a:extLst>
           </p:cNvPr>
@@ -477,7 +478,7 @@
           <a:p>
             <a:fld id="{A97C7722-F581-4FF4-98F6-314E0F8DD03D}" type="datetimeFigureOut">
               <a:rPr lang="de-DE" smtClean="0"/>
-              <a:t>20.01.2019</a:t>
+              <a:t>21.01.2019</a:t>
             </a:fld>
             <a:endParaRPr lang="de-DE"/>
           </a:p>
@@ -488,7 +489,7 @@
           <p:cNvPr id="5" name="Fußzeilenplatzhalter 4">
             <a:extLst>
               <a:ext uri="{FF2B5EF4-FFF2-40B4-BE49-F238E27FC236}">
-                <a16:creationId xmlns:a16="http://schemas.microsoft.com/office/drawing/2014/main" id="{BB104364-E6E3-4F55-A17E-6B33FF52D16B}"/>
+                <a16:creationId xmlns="" xmlns:a16="http://schemas.microsoft.com/office/drawing/2014/main" id="{BB104364-E6E3-4F55-A17E-6B33FF52D16B}"/>
               </a:ext>
             </a:extLst>
           </p:cNvPr>
@@ -513,7 +514,7 @@
           <p:cNvPr id="6" name="Foliennummernplatzhalter 5">
             <a:extLst>
               <a:ext uri="{FF2B5EF4-FFF2-40B4-BE49-F238E27FC236}">
-                <a16:creationId xmlns:a16="http://schemas.microsoft.com/office/drawing/2014/main" id="{F0B631E8-93BC-41CB-A779-AB269F130D9C}"/>
+                <a16:creationId xmlns="" xmlns:a16="http://schemas.microsoft.com/office/drawing/2014/main" id="{F0B631E8-93BC-41CB-A779-AB269F130D9C}"/>
               </a:ext>
             </a:extLst>
           </p:cNvPr>
@@ -572,7 +573,7 @@
           <p:cNvPr id="2" name="Vertikaler Titel 1">
             <a:extLst>
               <a:ext uri="{FF2B5EF4-FFF2-40B4-BE49-F238E27FC236}">
-                <a16:creationId xmlns:a16="http://schemas.microsoft.com/office/drawing/2014/main" id="{7028C6CD-E234-4CF2-B9C4-8AB86AAFA365}"/>
+                <a16:creationId xmlns="" xmlns:a16="http://schemas.microsoft.com/office/drawing/2014/main" id="{7028C6CD-E234-4CF2-B9C4-8AB86AAFA365}"/>
               </a:ext>
             </a:extLst>
           </p:cNvPr>
@@ -605,7 +606,7 @@
           <p:cNvPr id="3" name="Vertikaler Textplatzhalter 2">
             <a:extLst>
               <a:ext uri="{FF2B5EF4-FFF2-40B4-BE49-F238E27FC236}">
-                <a16:creationId xmlns:a16="http://schemas.microsoft.com/office/drawing/2014/main" id="{7678E3C7-33A3-4674-9DAA-016DB2A2A3EE}"/>
+                <a16:creationId xmlns="" xmlns:a16="http://schemas.microsoft.com/office/drawing/2014/main" id="{7678E3C7-33A3-4674-9DAA-016DB2A2A3EE}"/>
               </a:ext>
             </a:extLst>
           </p:cNvPr>
@@ -667,7 +668,7 @@
           <p:cNvPr id="4" name="Datumsplatzhalter 3">
             <a:extLst>
               <a:ext uri="{FF2B5EF4-FFF2-40B4-BE49-F238E27FC236}">
-                <a16:creationId xmlns:a16="http://schemas.microsoft.com/office/drawing/2014/main" id="{ED74217A-32C9-4C5C-9A94-A9390B07EE15}"/>
+                <a16:creationId xmlns="" xmlns:a16="http://schemas.microsoft.com/office/drawing/2014/main" id="{ED74217A-32C9-4C5C-9A94-A9390B07EE15}"/>
               </a:ext>
             </a:extLst>
           </p:cNvPr>
@@ -685,7 +686,7 @@
           <a:p>
             <a:fld id="{A97C7722-F581-4FF4-98F6-314E0F8DD03D}" type="datetimeFigureOut">
               <a:rPr lang="de-DE" smtClean="0"/>
-              <a:t>20.01.2019</a:t>
+              <a:t>21.01.2019</a:t>
             </a:fld>
             <a:endParaRPr lang="de-DE"/>
           </a:p>
@@ -696,7 +697,7 @@
           <p:cNvPr id="5" name="Fußzeilenplatzhalter 4">
             <a:extLst>
               <a:ext uri="{FF2B5EF4-FFF2-40B4-BE49-F238E27FC236}">
-                <a16:creationId xmlns:a16="http://schemas.microsoft.com/office/drawing/2014/main" id="{6560C1FC-33E8-4920-99FF-27347DE776B0}"/>
+                <a16:creationId xmlns="" xmlns:a16="http://schemas.microsoft.com/office/drawing/2014/main" id="{6560C1FC-33E8-4920-99FF-27347DE776B0}"/>
               </a:ext>
             </a:extLst>
           </p:cNvPr>
@@ -721,7 +722,7 @@
           <p:cNvPr id="6" name="Foliennummernplatzhalter 5">
             <a:extLst>
               <a:ext uri="{FF2B5EF4-FFF2-40B4-BE49-F238E27FC236}">
-                <a16:creationId xmlns:a16="http://schemas.microsoft.com/office/drawing/2014/main" id="{A8F0576C-3FFC-437E-BD9B-92EBE4D20832}"/>
+                <a16:creationId xmlns="" xmlns:a16="http://schemas.microsoft.com/office/drawing/2014/main" id="{A8F0576C-3FFC-437E-BD9B-92EBE4D20832}"/>
               </a:ext>
             </a:extLst>
           </p:cNvPr>
@@ -780,7 +781,7 @@
           <p:cNvPr id="2" name="Titel 1">
             <a:extLst>
               <a:ext uri="{FF2B5EF4-FFF2-40B4-BE49-F238E27FC236}">
-                <a16:creationId xmlns:a16="http://schemas.microsoft.com/office/drawing/2014/main" id="{9EE7C8DC-9904-4B78-AB4C-AD98F977A63C}"/>
+                <a16:creationId xmlns="" xmlns:a16="http://schemas.microsoft.com/office/drawing/2014/main" id="{9EE7C8DC-9904-4B78-AB4C-AD98F977A63C}"/>
               </a:ext>
             </a:extLst>
           </p:cNvPr>
@@ -808,7 +809,7 @@
           <p:cNvPr id="3" name="Inhaltsplatzhalter 2">
             <a:extLst>
               <a:ext uri="{FF2B5EF4-FFF2-40B4-BE49-F238E27FC236}">
-                <a16:creationId xmlns:a16="http://schemas.microsoft.com/office/drawing/2014/main" id="{5A9500F2-658D-4895-9192-8DEBB66275E5}"/>
+                <a16:creationId xmlns="" xmlns:a16="http://schemas.microsoft.com/office/drawing/2014/main" id="{5A9500F2-658D-4895-9192-8DEBB66275E5}"/>
               </a:ext>
             </a:extLst>
           </p:cNvPr>
@@ -865,7 +866,7 @@
           <p:cNvPr id="4" name="Datumsplatzhalter 3">
             <a:extLst>
               <a:ext uri="{FF2B5EF4-FFF2-40B4-BE49-F238E27FC236}">
-                <a16:creationId xmlns:a16="http://schemas.microsoft.com/office/drawing/2014/main" id="{EBD7F105-D0D0-4D0F-A357-DEF33B12AA63}"/>
+                <a16:creationId xmlns="" xmlns:a16="http://schemas.microsoft.com/office/drawing/2014/main" id="{EBD7F105-D0D0-4D0F-A357-DEF33B12AA63}"/>
               </a:ext>
             </a:extLst>
           </p:cNvPr>
@@ -883,7 +884,7 @@
           <a:p>
             <a:fld id="{A97C7722-F581-4FF4-98F6-314E0F8DD03D}" type="datetimeFigureOut">
               <a:rPr lang="de-DE" smtClean="0"/>
-              <a:t>20.01.2019</a:t>
+              <a:t>21.01.2019</a:t>
             </a:fld>
             <a:endParaRPr lang="de-DE"/>
           </a:p>
@@ -894,7 +895,7 @@
           <p:cNvPr id="5" name="Fußzeilenplatzhalter 4">
             <a:extLst>
               <a:ext uri="{FF2B5EF4-FFF2-40B4-BE49-F238E27FC236}">
-                <a16:creationId xmlns:a16="http://schemas.microsoft.com/office/drawing/2014/main" id="{B5464BFB-1666-4F71-B135-3B0A2CD7C7E7}"/>
+                <a16:creationId xmlns="" xmlns:a16="http://schemas.microsoft.com/office/drawing/2014/main" id="{B5464BFB-1666-4F71-B135-3B0A2CD7C7E7}"/>
               </a:ext>
             </a:extLst>
           </p:cNvPr>
@@ -919,7 +920,7 @@
           <p:cNvPr id="6" name="Foliennummernplatzhalter 5">
             <a:extLst>
               <a:ext uri="{FF2B5EF4-FFF2-40B4-BE49-F238E27FC236}">
-                <a16:creationId xmlns:a16="http://schemas.microsoft.com/office/drawing/2014/main" id="{D38BC77E-3FFB-4088-9A18-32B2B3BEE53A}"/>
+                <a16:creationId xmlns="" xmlns:a16="http://schemas.microsoft.com/office/drawing/2014/main" id="{D38BC77E-3FFB-4088-9A18-32B2B3BEE53A}"/>
               </a:ext>
             </a:extLst>
           </p:cNvPr>
@@ -978,7 +979,7 @@
           <p:cNvPr id="2" name="Titel 1">
             <a:extLst>
               <a:ext uri="{FF2B5EF4-FFF2-40B4-BE49-F238E27FC236}">
-                <a16:creationId xmlns:a16="http://schemas.microsoft.com/office/drawing/2014/main" id="{AAD2374F-A11A-47F6-BE8C-02FB57B01A22}"/>
+                <a16:creationId xmlns="" xmlns:a16="http://schemas.microsoft.com/office/drawing/2014/main" id="{AAD2374F-A11A-47F6-BE8C-02FB57B01A22}"/>
               </a:ext>
             </a:extLst>
           </p:cNvPr>
@@ -1015,7 +1016,7 @@
           <p:cNvPr id="3" name="Textplatzhalter 2">
             <a:extLst>
               <a:ext uri="{FF2B5EF4-FFF2-40B4-BE49-F238E27FC236}">
-                <a16:creationId xmlns:a16="http://schemas.microsoft.com/office/drawing/2014/main" id="{69BA6450-A259-48B9-9D06-D64FE0342158}"/>
+                <a16:creationId xmlns="" xmlns:a16="http://schemas.microsoft.com/office/drawing/2014/main" id="{69BA6450-A259-48B9-9D06-D64FE0342158}"/>
               </a:ext>
             </a:extLst>
           </p:cNvPr>
@@ -1140,7 +1141,7 @@
           <p:cNvPr id="4" name="Datumsplatzhalter 3">
             <a:extLst>
               <a:ext uri="{FF2B5EF4-FFF2-40B4-BE49-F238E27FC236}">
-                <a16:creationId xmlns:a16="http://schemas.microsoft.com/office/drawing/2014/main" id="{A5043AF1-48F8-41A2-88CF-22A9437877D3}"/>
+                <a16:creationId xmlns="" xmlns:a16="http://schemas.microsoft.com/office/drawing/2014/main" id="{A5043AF1-48F8-41A2-88CF-22A9437877D3}"/>
               </a:ext>
             </a:extLst>
           </p:cNvPr>
@@ -1158,7 +1159,7 @@
           <a:p>
             <a:fld id="{A97C7722-F581-4FF4-98F6-314E0F8DD03D}" type="datetimeFigureOut">
               <a:rPr lang="de-DE" smtClean="0"/>
-              <a:t>20.01.2019</a:t>
+              <a:t>21.01.2019</a:t>
             </a:fld>
             <a:endParaRPr lang="de-DE"/>
           </a:p>
@@ -1169,7 +1170,7 @@
           <p:cNvPr id="5" name="Fußzeilenplatzhalter 4">
             <a:extLst>
               <a:ext uri="{FF2B5EF4-FFF2-40B4-BE49-F238E27FC236}">
-                <a16:creationId xmlns:a16="http://schemas.microsoft.com/office/drawing/2014/main" id="{915A90D0-BEB0-4371-8E30-1D1BB8549596}"/>
+                <a16:creationId xmlns="" xmlns:a16="http://schemas.microsoft.com/office/drawing/2014/main" id="{915A90D0-BEB0-4371-8E30-1D1BB8549596}"/>
               </a:ext>
             </a:extLst>
           </p:cNvPr>
@@ -1194,7 +1195,7 @@
           <p:cNvPr id="6" name="Foliennummernplatzhalter 5">
             <a:extLst>
               <a:ext uri="{FF2B5EF4-FFF2-40B4-BE49-F238E27FC236}">
-                <a16:creationId xmlns:a16="http://schemas.microsoft.com/office/drawing/2014/main" id="{AB7B7BED-C976-4852-B7FB-2C1B0842975C}"/>
+                <a16:creationId xmlns="" xmlns:a16="http://schemas.microsoft.com/office/drawing/2014/main" id="{AB7B7BED-C976-4852-B7FB-2C1B0842975C}"/>
               </a:ext>
             </a:extLst>
           </p:cNvPr>
@@ -1253,7 +1254,7 @@
           <p:cNvPr id="2" name="Titel 1">
             <a:extLst>
               <a:ext uri="{FF2B5EF4-FFF2-40B4-BE49-F238E27FC236}">
-                <a16:creationId xmlns:a16="http://schemas.microsoft.com/office/drawing/2014/main" id="{D61FE07F-D5C2-4874-8733-9A71F21D3983}"/>
+                <a16:creationId xmlns="" xmlns:a16="http://schemas.microsoft.com/office/drawing/2014/main" id="{D61FE07F-D5C2-4874-8733-9A71F21D3983}"/>
               </a:ext>
             </a:extLst>
           </p:cNvPr>
@@ -1281,7 +1282,7 @@
           <p:cNvPr id="3" name="Inhaltsplatzhalter 2">
             <a:extLst>
               <a:ext uri="{FF2B5EF4-FFF2-40B4-BE49-F238E27FC236}">
-                <a16:creationId xmlns:a16="http://schemas.microsoft.com/office/drawing/2014/main" id="{53C8F914-F011-4274-8522-AF01D08780DA}"/>
+                <a16:creationId xmlns="" xmlns:a16="http://schemas.microsoft.com/office/drawing/2014/main" id="{53C8F914-F011-4274-8522-AF01D08780DA}"/>
               </a:ext>
             </a:extLst>
           </p:cNvPr>
@@ -1343,7 +1344,7 @@
           <p:cNvPr id="4" name="Inhaltsplatzhalter 3">
             <a:extLst>
               <a:ext uri="{FF2B5EF4-FFF2-40B4-BE49-F238E27FC236}">
-                <a16:creationId xmlns:a16="http://schemas.microsoft.com/office/drawing/2014/main" id="{017C409E-98A4-4DBC-8F03-136C878FFE03}"/>
+                <a16:creationId xmlns="" xmlns:a16="http://schemas.microsoft.com/office/drawing/2014/main" id="{017C409E-98A4-4DBC-8F03-136C878FFE03}"/>
               </a:ext>
             </a:extLst>
           </p:cNvPr>
@@ -1405,7 +1406,7 @@
           <p:cNvPr id="5" name="Datumsplatzhalter 4">
             <a:extLst>
               <a:ext uri="{FF2B5EF4-FFF2-40B4-BE49-F238E27FC236}">
-                <a16:creationId xmlns:a16="http://schemas.microsoft.com/office/drawing/2014/main" id="{7927A7A8-9C6E-49C7-8B78-D24B9EE3F87F}"/>
+                <a16:creationId xmlns="" xmlns:a16="http://schemas.microsoft.com/office/drawing/2014/main" id="{7927A7A8-9C6E-49C7-8B78-D24B9EE3F87F}"/>
               </a:ext>
             </a:extLst>
           </p:cNvPr>
@@ -1423,7 +1424,7 @@
           <a:p>
             <a:fld id="{A97C7722-F581-4FF4-98F6-314E0F8DD03D}" type="datetimeFigureOut">
               <a:rPr lang="de-DE" smtClean="0"/>
-              <a:t>20.01.2019</a:t>
+              <a:t>21.01.2019</a:t>
             </a:fld>
             <a:endParaRPr lang="de-DE"/>
           </a:p>
@@ -1434,7 +1435,7 @@
           <p:cNvPr id="6" name="Fußzeilenplatzhalter 5">
             <a:extLst>
               <a:ext uri="{FF2B5EF4-FFF2-40B4-BE49-F238E27FC236}">
-                <a16:creationId xmlns:a16="http://schemas.microsoft.com/office/drawing/2014/main" id="{ABC0D8BB-045A-48AB-9280-72A841A731C1}"/>
+                <a16:creationId xmlns="" xmlns:a16="http://schemas.microsoft.com/office/drawing/2014/main" id="{ABC0D8BB-045A-48AB-9280-72A841A731C1}"/>
               </a:ext>
             </a:extLst>
           </p:cNvPr>
@@ -1459,7 +1460,7 @@
           <p:cNvPr id="7" name="Foliennummernplatzhalter 6">
             <a:extLst>
               <a:ext uri="{FF2B5EF4-FFF2-40B4-BE49-F238E27FC236}">
-                <a16:creationId xmlns:a16="http://schemas.microsoft.com/office/drawing/2014/main" id="{B566400C-DDF1-43E2-9060-B9FD32C8BEE3}"/>
+                <a16:creationId xmlns="" xmlns:a16="http://schemas.microsoft.com/office/drawing/2014/main" id="{B566400C-DDF1-43E2-9060-B9FD32C8BEE3}"/>
               </a:ext>
             </a:extLst>
           </p:cNvPr>
@@ -1518,7 +1519,7 @@
           <p:cNvPr id="2" name="Titel 1">
             <a:extLst>
               <a:ext uri="{FF2B5EF4-FFF2-40B4-BE49-F238E27FC236}">
-                <a16:creationId xmlns:a16="http://schemas.microsoft.com/office/drawing/2014/main" id="{3A73864D-0211-40B8-99E9-1198AF126D56}"/>
+                <a16:creationId xmlns="" xmlns:a16="http://schemas.microsoft.com/office/drawing/2014/main" id="{3A73864D-0211-40B8-99E9-1198AF126D56}"/>
               </a:ext>
             </a:extLst>
           </p:cNvPr>
@@ -1551,7 +1552,7 @@
           <p:cNvPr id="3" name="Textplatzhalter 2">
             <a:extLst>
               <a:ext uri="{FF2B5EF4-FFF2-40B4-BE49-F238E27FC236}">
-                <a16:creationId xmlns:a16="http://schemas.microsoft.com/office/drawing/2014/main" id="{34520640-7764-495C-B51A-57F31A6DEDB6}"/>
+                <a16:creationId xmlns="" xmlns:a16="http://schemas.microsoft.com/office/drawing/2014/main" id="{34520640-7764-495C-B51A-57F31A6DEDB6}"/>
               </a:ext>
             </a:extLst>
           </p:cNvPr>
@@ -1622,7 +1623,7 @@
           <p:cNvPr id="4" name="Inhaltsplatzhalter 3">
             <a:extLst>
               <a:ext uri="{FF2B5EF4-FFF2-40B4-BE49-F238E27FC236}">
-                <a16:creationId xmlns:a16="http://schemas.microsoft.com/office/drawing/2014/main" id="{B8FD713A-E899-4D01-903C-9E022A869DDB}"/>
+                <a16:creationId xmlns="" xmlns:a16="http://schemas.microsoft.com/office/drawing/2014/main" id="{B8FD713A-E899-4D01-903C-9E022A869DDB}"/>
               </a:ext>
             </a:extLst>
           </p:cNvPr>
@@ -1684,7 +1685,7 @@
           <p:cNvPr id="5" name="Textplatzhalter 4">
             <a:extLst>
               <a:ext uri="{FF2B5EF4-FFF2-40B4-BE49-F238E27FC236}">
-                <a16:creationId xmlns:a16="http://schemas.microsoft.com/office/drawing/2014/main" id="{C2439893-04F8-497C-AEE6-F1CBA0DEBD99}"/>
+                <a16:creationId xmlns="" xmlns:a16="http://schemas.microsoft.com/office/drawing/2014/main" id="{C2439893-04F8-497C-AEE6-F1CBA0DEBD99}"/>
               </a:ext>
             </a:extLst>
           </p:cNvPr>
@@ -1755,7 +1756,7 @@
           <p:cNvPr id="6" name="Inhaltsplatzhalter 5">
             <a:extLst>
               <a:ext uri="{FF2B5EF4-FFF2-40B4-BE49-F238E27FC236}">
-                <a16:creationId xmlns:a16="http://schemas.microsoft.com/office/drawing/2014/main" id="{70AF88EB-4824-4E57-8129-3F3C6ACCF514}"/>
+                <a16:creationId xmlns="" xmlns:a16="http://schemas.microsoft.com/office/drawing/2014/main" id="{70AF88EB-4824-4E57-8129-3F3C6ACCF514}"/>
               </a:ext>
             </a:extLst>
           </p:cNvPr>
@@ -1817,7 +1818,7 @@
           <p:cNvPr id="7" name="Datumsplatzhalter 6">
             <a:extLst>
               <a:ext uri="{FF2B5EF4-FFF2-40B4-BE49-F238E27FC236}">
-                <a16:creationId xmlns:a16="http://schemas.microsoft.com/office/drawing/2014/main" id="{922013B6-9AB8-42C0-B873-9C37A5DFCA7B}"/>
+                <a16:creationId xmlns="" xmlns:a16="http://schemas.microsoft.com/office/drawing/2014/main" id="{922013B6-9AB8-42C0-B873-9C37A5DFCA7B}"/>
               </a:ext>
             </a:extLst>
           </p:cNvPr>
@@ -1835,7 +1836,7 @@
           <a:p>
             <a:fld id="{A97C7722-F581-4FF4-98F6-314E0F8DD03D}" type="datetimeFigureOut">
               <a:rPr lang="de-DE" smtClean="0"/>
-              <a:t>20.01.2019</a:t>
+              <a:t>21.01.2019</a:t>
             </a:fld>
             <a:endParaRPr lang="de-DE"/>
           </a:p>
@@ -1846,7 +1847,7 @@
           <p:cNvPr id="8" name="Fußzeilenplatzhalter 7">
             <a:extLst>
               <a:ext uri="{FF2B5EF4-FFF2-40B4-BE49-F238E27FC236}">
-                <a16:creationId xmlns:a16="http://schemas.microsoft.com/office/drawing/2014/main" id="{67F17E85-F6F5-4348-977A-1317F2CC04C2}"/>
+                <a16:creationId xmlns="" xmlns:a16="http://schemas.microsoft.com/office/drawing/2014/main" id="{67F17E85-F6F5-4348-977A-1317F2CC04C2}"/>
               </a:ext>
             </a:extLst>
           </p:cNvPr>
@@ -1871,7 +1872,7 @@
           <p:cNvPr id="9" name="Foliennummernplatzhalter 8">
             <a:extLst>
               <a:ext uri="{FF2B5EF4-FFF2-40B4-BE49-F238E27FC236}">
-                <a16:creationId xmlns:a16="http://schemas.microsoft.com/office/drawing/2014/main" id="{75D1B8BA-8564-4168-909A-17670D9D5E57}"/>
+                <a16:creationId xmlns="" xmlns:a16="http://schemas.microsoft.com/office/drawing/2014/main" id="{75D1B8BA-8564-4168-909A-17670D9D5E57}"/>
               </a:ext>
             </a:extLst>
           </p:cNvPr>
@@ -1930,7 +1931,7 @@
           <p:cNvPr id="2" name="Titel 1">
             <a:extLst>
               <a:ext uri="{FF2B5EF4-FFF2-40B4-BE49-F238E27FC236}">
-                <a16:creationId xmlns:a16="http://schemas.microsoft.com/office/drawing/2014/main" id="{447272D9-8265-4DAC-9C4D-AE19854BA160}"/>
+                <a16:creationId xmlns="" xmlns:a16="http://schemas.microsoft.com/office/drawing/2014/main" id="{447272D9-8265-4DAC-9C4D-AE19854BA160}"/>
               </a:ext>
             </a:extLst>
           </p:cNvPr>
@@ -1958,7 +1959,7 @@
           <p:cNvPr id="3" name="Datumsplatzhalter 2">
             <a:extLst>
               <a:ext uri="{FF2B5EF4-FFF2-40B4-BE49-F238E27FC236}">
-                <a16:creationId xmlns:a16="http://schemas.microsoft.com/office/drawing/2014/main" id="{12C99F0F-13EC-458B-8F76-2926113ACA98}"/>
+                <a16:creationId xmlns="" xmlns:a16="http://schemas.microsoft.com/office/drawing/2014/main" id="{12C99F0F-13EC-458B-8F76-2926113ACA98}"/>
               </a:ext>
             </a:extLst>
           </p:cNvPr>
@@ -1976,7 +1977,7 @@
           <a:p>
             <a:fld id="{A97C7722-F581-4FF4-98F6-314E0F8DD03D}" type="datetimeFigureOut">
               <a:rPr lang="de-DE" smtClean="0"/>
-              <a:t>20.01.2019</a:t>
+              <a:t>21.01.2019</a:t>
             </a:fld>
             <a:endParaRPr lang="de-DE"/>
           </a:p>
@@ -1987,7 +1988,7 @@
           <p:cNvPr id="4" name="Fußzeilenplatzhalter 3">
             <a:extLst>
               <a:ext uri="{FF2B5EF4-FFF2-40B4-BE49-F238E27FC236}">
-                <a16:creationId xmlns:a16="http://schemas.microsoft.com/office/drawing/2014/main" id="{6536CE8E-BFEF-4611-AC37-EB9B68E7AE42}"/>
+                <a16:creationId xmlns="" xmlns:a16="http://schemas.microsoft.com/office/drawing/2014/main" id="{6536CE8E-BFEF-4611-AC37-EB9B68E7AE42}"/>
               </a:ext>
             </a:extLst>
           </p:cNvPr>
@@ -2012,7 +2013,7 @@
           <p:cNvPr id="5" name="Foliennummernplatzhalter 4">
             <a:extLst>
               <a:ext uri="{FF2B5EF4-FFF2-40B4-BE49-F238E27FC236}">
-                <a16:creationId xmlns:a16="http://schemas.microsoft.com/office/drawing/2014/main" id="{9A313A11-CA7B-49B8-96BF-D18BC4ED5C30}"/>
+                <a16:creationId xmlns="" xmlns:a16="http://schemas.microsoft.com/office/drawing/2014/main" id="{9A313A11-CA7B-49B8-96BF-D18BC4ED5C30}"/>
               </a:ext>
             </a:extLst>
           </p:cNvPr>
@@ -2071,7 +2072,7 @@
           <p:cNvPr id="2" name="Datumsplatzhalter 1">
             <a:extLst>
               <a:ext uri="{FF2B5EF4-FFF2-40B4-BE49-F238E27FC236}">
-                <a16:creationId xmlns:a16="http://schemas.microsoft.com/office/drawing/2014/main" id="{9DAAD167-B6B9-4800-B5F3-784351543379}"/>
+                <a16:creationId xmlns="" xmlns:a16="http://schemas.microsoft.com/office/drawing/2014/main" id="{9DAAD167-B6B9-4800-B5F3-784351543379}"/>
               </a:ext>
             </a:extLst>
           </p:cNvPr>
@@ -2089,7 +2090,7 @@
           <a:p>
             <a:fld id="{A97C7722-F581-4FF4-98F6-314E0F8DD03D}" type="datetimeFigureOut">
               <a:rPr lang="de-DE" smtClean="0"/>
-              <a:t>20.01.2019</a:t>
+              <a:t>21.01.2019</a:t>
             </a:fld>
             <a:endParaRPr lang="de-DE"/>
           </a:p>
@@ -2100,7 +2101,7 @@
           <p:cNvPr id="3" name="Fußzeilenplatzhalter 2">
             <a:extLst>
               <a:ext uri="{FF2B5EF4-FFF2-40B4-BE49-F238E27FC236}">
-                <a16:creationId xmlns:a16="http://schemas.microsoft.com/office/drawing/2014/main" id="{68437D65-F5EA-44B2-AD8E-CA48AEA38A63}"/>
+                <a16:creationId xmlns="" xmlns:a16="http://schemas.microsoft.com/office/drawing/2014/main" id="{68437D65-F5EA-44B2-AD8E-CA48AEA38A63}"/>
               </a:ext>
             </a:extLst>
           </p:cNvPr>
@@ -2125,7 +2126,7 @@
           <p:cNvPr id="4" name="Foliennummernplatzhalter 3">
             <a:extLst>
               <a:ext uri="{FF2B5EF4-FFF2-40B4-BE49-F238E27FC236}">
-                <a16:creationId xmlns:a16="http://schemas.microsoft.com/office/drawing/2014/main" id="{DB1EFC09-7A1B-4248-8437-05816470AF19}"/>
+                <a16:creationId xmlns="" xmlns:a16="http://schemas.microsoft.com/office/drawing/2014/main" id="{DB1EFC09-7A1B-4248-8437-05816470AF19}"/>
               </a:ext>
             </a:extLst>
           </p:cNvPr>
@@ -2184,7 +2185,7 @@
           <p:cNvPr id="2" name="Titel 1">
             <a:extLst>
               <a:ext uri="{FF2B5EF4-FFF2-40B4-BE49-F238E27FC236}">
-                <a16:creationId xmlns:a16="http://schemas.microsoft.com/office/drawing/2014/main" id="{BDBD8E93-4551-4117-B89A-7FF8102F57C3}"/>
+                <a16:creationId xmlns="" xmlns:a16="http://schemas.microsoft.com/office/drawing/2014/main" id="{BDBD8E93-4551-4117-B89A-7FF8102F57C3}"/>
               </a:ext>
             </a:extLst>
           </p:cNvPr>
@@ -2221,7 +2222,7 @@
           <p:cNvPr id="3" name="Inhaltsplatzhalter 2">
             <a:extLst>
               <a:ext uri="{FF2B5EF4-FFF2-40B4-BE49-F238E27FC236}">
-                <a16:creationId xmlns:a16="http://schemas.microsoft.com/office/drawing/2014/main" id="{B4B29FB4-C247-4FE8-9EFB-1D65856A449A}"/>
+                <a16:creationId xmlns="" xmlns:a16="http://schemas.microsoft.com/office/drawing/2014/main" id="{B4B29FB4-C247-4FE8-9EFB-1D65856A449A}"/>
               </a:ext>
             </a:extLst>
           </p:cNvPr>
@@ -2311,7 +2312,7 @@
           <p:cNvPr id="4" name="Textplatzhalter 3">
             <a:extLst>
               <a:ext uri="{FF2B5EF4-FFF2-40B4-BE49-F238E27FC236}">
-                <a16:creationId xmlns:a16="http://schemas.microsoft.com/office/drawing/2014/main" id="{9ADD535D-4CD6-4F0B-82E4-540CE644FFD8}"/>
+                <a16:creationId xmlns="" xmlns:a16="http://schemas.microsoft.com/office/drawing/2014/main" id="{9ADD535D-4CD6-4F0B-82E4-540CE644FFD8}"/>
               </a:ext>
             </a:extLst>
           </p:cNvPr>
@@ -2382,7 +2383,7 @@
           <p:cNvPr id="5" name="Datumsplatzhalter 4">
             <a:extLst>
               <a:ext uri="{FF2B5EF4-FFF2-40B4-BE49-F238E27FC236}">
-                <a16:creationId xmlns:a16="http://schemas.microsoft.com/office/drawing/2014/main" id="{1474C9E0-8B7B-4D07-A9FF-2DFCEA5FBC14}"/>
+                <a16:creationId xmlns="" xmlns:a16="http://schemas.microsoft.com/office/drawing/2014/main" id="{1474C9E0-8B7B-4D07-A9FF-2DFCEA5FBC14}"/>
               </a:ext>
             </a:extLst>
           </p:cNvPr>
@@ -2400,7 +2401,7 @@
           <a:p>
             <a:fld id="{A97C7722-F581-4FF4-98F6-314E0F8DD03D}" type="datetimeFigureOut">
               <a:rPr lang="de-DE" smtClean="0"/>
-              <a:t>20.01.2019</a:t>
+              <a:t>21.01.2019</a:t>
             </a:fld>
             <a:endParaRPr lang="de-DE"/>
           </a:p>
@@ -2411,7 +2412,7 @@
           <p:cNvPr id="6" name="Fußzeilenplatzhalter 5">
             <a:extLst>
               <a:ext uri="{FF2B5EF4-FFF2-40B4-BE49-F238E27FC236}">
-                <a16:creationId xmlns:a16="http://schemas.microsoft.com/office/drawing/2014/main" id="{7B0C67BD-6534-4D1C-B584-BAE48C1975F5}"/>
+                <a16:creationId xmlns="" xmlns:a16="http://schemas.microsoft.com/office/drawing/2014/main" id="{7B0C67BD-6534-4D1C-B584-BAE48C1975F5}"/>
               </a:ext>
             </a:extLst>
           </p:cNvPr>
@@ -2436,7 +2437,7 @@
           <p:cNvPr id="7" name="Foliennummernplatzhalter 6">
             <a:extLst>
               <a:ext uri="{FF2B5EF4-FFF2-40B4-BE49-F238E27FC236}">
-                <a16:creationId xmlns:a16="http://schemas.microsoft.com/office/drawing/2014/main" id="{484BD235-3B9D-43D0-B27C-8CF1301B94D7}"/>
+                <a16:creationId xmlns="" xmlns:a16="http://schemas.microsoft.com/office/drawing/2014/main" id="{484BD235-3B9D-43D0-B27C-8CF1301B94D7}"/>
               </a:ext>
             </a:extLst>
           </p:cNvPr>
@@ -2495,7 +2496,7 @@
           <p:cNvPr id="2" name="Titel 1">
             <a:extLst>
               <a:ext uri="{FF2B5EF4-FFF2-40B4-BE49-F238E27FC236}">
-                <a16:creationId xmlns:a16="http://schemas.microsoft.com/office/drawing/2014/main" id="{B6C3A1D9-C66B-493C-8723-43753193C72E}"/>
+                <a16:creationId xmlns="" xmlns:a16="http://schemas.microsoft.com/office/drawing/2014/main" id="{B6C3A1D9-C66B-493C-8723-43753193C72E}"/>
               </a:ext>
             </a:extLst>
           </p:cNvPr>
@@ -2532,7 +2533,7 @@
           <p:cNvPr id="3" name="Bildplatzhalter 2">
             <a:extLst>
               <a:ext uri="{FF2B5EF4-FFF2-40B4-BE49-F238E27FC236}">
-                <a16:creationId xmlns:a16="http://schemas.microsoft.com/office/drawing/2014/main" id="{BBDEDE33-8C29-4F32-9072-870FF56B7A30}"/>
+                <a16:creationId xmlns="" xmlns:a16="http://schemas.microsoft.com/office/drawing/2014/main" id="{BBDEDE33-8C29-4F32-9072-870FF56B7A30}"/>
               </a:ext>
             </a:extLst>
           </p:cNvPr>
@@ -2599,7 +2600,7 @@
           <p:cNvPr id="4" name="Textplatzhalter 3">
             <a:extLst>
               <a:ext uri="{FF2B5EF4-FFF2-40B4-BE49-F238E27FC236}">
-                <a16:creationId xmlns:a16="http://schemas.microsoft.com/office/drawing/2014/main" id="{173D6040-4151-44A4-8E90-D86A50559A3D}"/>
+                <a16:creationId xmlns="" xmlns:a16="http://schemas.microsoft.com/office/drawing/2014/main" id="{173D6040-4151-44A4-8E90-D86A50559A3D}"/>
               </a:ext>
             </a:extLst>
           </p:cNvPr>
@@ -2670,7 +2671,7 @@
           <p:cNvPr id="5" name="Datumsplatzhalter 4">
             <a:extLst>
               <a:ext uri="{FF2B5EF4-FFF2-40B4-BE49-F238E27FC236}">
-                <a16:creationId xmlns:a16="http://schemas.microsoft.com/office/drawing/2014/main" id="{77F449BC-7F2D-4E14-9FBF-B6D018209F7F}"/>
+                <a16:creationId xmlns="" xmlns:a16="http://schemas.microsoft.com/office/drawing/2014/main" id="{77F449BC-7F2D-4E14-9FBF-B6D018209F7F}"/>
               </a:ext>
             </a:extLst>
           </p:cNvPr>
@@ -2688,7 +2689,7 @@
           <a:p>
             <a:fld id="{A97C7722-F581-4FF4-98F6-314E0F8DD03D}" type="datetimeFigureOut">
               <a:rPr lang="de-DE" smtClean="0"/>
-              <a:t>20.01.2019</a:t>
+              <a:t>21.01.2019</a:t>
             </a:fld>
             <a:endParaRPr lang="de-DE"/>
           </a:p>
@@ -2699,7 +2700,7 @@
           <p:cNvPr id="6" name="Fußzeilenplatzhalter 5">
             <a:extLst>
               <a:ext uri="{FF2B5EF4-FFF2-40B4-BE49-F238E27FC236}">
-                <a16:creationId xmlns:a16="http://schemas.microsoft.com/office/drawing/2014/main" id="{BBFB19E3-BBCB-4887-866C-755978CB51AE}"/>
+                <a16:creationId xmlns="" xmlns:a16="http://schemas.microsoft.com/office/drawing/2014/main" id="{BBFB19E3-BBCB-4887-866C-755978CB51AE}"/>
               </a:ext>
             </a:extLst>
           </p:cNvPr>
@@ -2724,7 +2725,7 @@
           <p:cNvPr id="7" name="Foliennummernplatzhalter 6">
             <a:extLst>
               <a:ext uri="{FF2B5EF4-FFF2-40B4-BE49-F238E27FC236}">
-                <a16:creationId xmlns:a16="http://schemas.microsoft.com/office/drawing/2014/main" id="{81CA07D5-3FF3-4B03-BC33-B7333F5C81C8}"/>
+                <a16:creationId xmlns="" xmlns:a16="http://schemas.microsoft.com/office/drawing/2014/main" id="{81CA07D5-3FF3-4B03-BC33-B7333F5C81C8}"/>
               </a:ext>
             </a:extLst>
           </p:cNvPr>
@@ -2788,7 +2789,7 @@
           <p:cNvPr id="2" name="Titelplatzhalter 1">
             <a:extLst>
               <a:ext uri="{FF2B5EF4-FFF2-40B4-BE49-F238E27FC236}">
-                <a16:creationId xmlns:a16="http://schemas.microsoft.com/office/drawing/2014/main" id="{F9671743-B607-45C7-A59B-EE213493F939}"/>
+                <a16:creationId xmlns="" xmlns:a16="http://schemas.microsoft.com/office/drawing/2014/main" id="{F9671743-B607-45C7-A59B-EE213493F939}"/>
               </a:ext>
             </a:extLst>
           </p:cNvPr>
@@ -2826,7 +2827,7 @@
           <p:cNvPr id="3" name="Textplatzhalter 2">
             <a:extLst>
               <a:ext uri="{FF2B5EF4-FFF2-40B4-BE49-F238E27FC236}">
-                <a16:creationId xmlns:a16="http://schemas.microsoft.com/office/drawing/2014/main" id="{8B942FCE-F3D2-4FD8-9A0B-BE4CE0909BA3}"/>
+                <a16:creationId xmlns="" xmlns:a16="http://schemas.microsoft.com/office/drawing/2014/main" id="{8B942FCE-F3D2-4FD8-9A0B-BE4CE0909BA3}"/>
               </a:ext>
             </a:extLst>
           </p:cNvPr>
@@ -2893,7 +2894,7 @@
           <p:cNvPr id="4" name="Datumsplatzhalter 3">
             <a:extLst>
               <a:ext uri="{FF2B5EF4-FFF2-40B4-BE49-F238E27FC236}">
-                <a16:creationId xmlns:a16="http://schemas.microsoft.com/office/drawing/2014/main" id="{1DCB7404-17FB-406A-B5A0-D9B17B36E908}"/>
+                <a16:creationId xmlns="" xmlns:a16="http://schemas.microsoft.com/office/drawing/2014/main" id="{1DCB7404-17FB-406A-B5A0-D9B17B36E908}"/>
               </a:ext>
             </a:extLst>
           </p:cNvPr>
@@ -2929,7 +2930,7 @@
           <a:p>
             <a:fld id="{A97C7722-F581-4FF4-98F6-314E0F8DD03D}" type="datetimeFigureOut">
               <a:rPr lang="de-DE" smtClean="0"/>
-              <a:t>20.01.2019</a:t>
+              <a:t>21.01.2019</a:t>
             </a:fld>
             <a:endParaRPr lang="de-DE"/>
           </a:p>
@@ -2940,7 +2941,7 @@
           <p:cNvPr id="5" name="Fußzeilenplatzhalter 4">
             <a:extLst>
               <a:ext uri="{FF2B5EF4-FFF2-40B4-BE49-F238E27FC236}">
-                <a16:creationId xmlns:a16="http://schemas.microsoft.com/office/drawing/2014/main" id="{0DAE4BA2-2C2F-471D-A6AC-9A20C617E2E8}"/>
+                <a16:creationId xmlns="" xmlns:a16="http://schemas.microsoft.com/office/drawing/2014/main" id="{0DAE4BA2-2C2F-471D-A6AC-9A20C617E2E8}"/>
               </a:ext>
             </a:extLst>
           </p:cNvPr>
@@ -2983,7 +2984,7 @@
           <p:cNvPr id="6" name="Foliennummernplatzhalter 5">
             <a:extLst>
               <a:ext uri="{FF2B5EF4-FFF2-40B4-BE49-F238E27FC236}">
-                <a16:creationId xmlns:a16="http://schemas.microsoft.com/office/drawing/2014/main" id="{61769F94-09FF-4693-B163-03A8E79BC295}"/>
+                <a16:creationId xmlns="" xmlns:a16="http://schemas.microsoft.com/office/drawing/2014/main" id="{61769F94-09FF-4693-B163-03A8E79BC295}"/>
               </a:ext>
             </a:extLst>
           </p:cNvPr>
@@ -3351,7 +3352,7 @@
           <p:cNvPr id="3" name="Untertitel 2">
             <a:extLst>
               <a:ext uri="{FF2B5EF4-FFF2-40B4-BE49-F238E27FC236}">
-                <a16:creationId xmlns:a16="http://schemas.microsoft.com/office/drawing/2014/main" id="{A2320168-B360-4EB7-9A9D-89200864A043}"/>
+                <a16:creationId xmlns="" xmlns:a16="http://schemas.microsoft.com/office/drawing/2014/main" id="{A2320168-B360-4EB7-9A9D-89200864A043}"/>
               </a:ext>
             </a:extLst>
           </p:cNvPr>
@@ -3597,7 +3598,7 @@
           <p:cNvPr id="7" name="Titel 1">
             <a:extLst>
               <a:ext uri="{FF2B5EF4-FFF2-40B4-BE49-F238E27FC236}">
-                <a16:creationId xmlns:a16="http://schemas.microsoft.com/office/drawing/2014/main" id="{363E5469-058A-4438-AA03-EEEFDD1B106B}"/>
+                <a16:creationId xmlns="" xmlns:a16="http://schemas.microsoft.com/office/drawing/2014/main" id="{363E5469-058A-4438-AA03-EEEFDD1B106B}"/>
               </a:ext>
             </a:extLst>
           </p:cNvPr>
@@ -3682,7 +3683,7 @@
           <p:cNvPr id="2" name="Titel 1">
             <a:extLst>
               <a:ext uri="{FF2B5EF4-FFF2-40B4-BE49-F238E27FC236}">
-                <a16:creationId xmlns:a16="http://schemas.microsoft.com/office/drawing/2014/main" id="{8540D060-8817-4429-8800-FFC613CA5B8F}"/>
+                <a16:creationId xmlns="" xmlns:a16="http://schemas.microsoft.com/office/drawing/2014/main" id="{8540D060-8817-4429-8800-FFC613CA5B8F}"/>
               </a:ext>
             </a:extLst>
           </p:cNvPr>
@@ -3710,7 +3711,7 @@
           <p:cNvPr id="3" name="Inhaltsplatzhalter 2">
             <a:extLst>
               <a:ext uri="{FF2B5EF4-FFF2-40B4-BE49-F238E27FC236}">
-                <a16:creationId xmlns:a16="http://schemas.microsoft.com/office/drawing/2014/main" id="{3A4BDF82-734B-471F-B07F-EC43378533DC}"/>
+                <a16:creationId xmlns="" xmlns:a16="http://schemas.microsoft.com/office/drawing/2014/main" id="{3A4BDF82-734B-471F-B07F-EC43378533DC}"/>
               </a:ext>
             </a:extLst>
           </p:cNvPr>
@@ -3794,7 +3795,7 @@
           <p:cNvPr id="2" name="Titel 1">
             <a:extLst>
               <a:ext uri="{FF2B5EF4-FFF2-40B4-BE49-F238E27FC236}">
-                <a16:creationId xmlns:a16="http://schemas.microsoft.com/office/drawing/2014/main" id="{8540D060-8817-4429-8800-FFC613CA5B8F}"/>
+                <a16:creationId xmlns="" xmlns:a16="http://schemas.microsoft.com/office/drawing/2014/main" id="{8540D060-8817-4429-8800-FFC613CA5B8F}"/>
               </a:ext>
             </a:extLst>
           </p:cNvPr>
@@ -3823,7 +3824,7 @@
           <p:cNvPr id="3" name="Inhaltsplatzhalter 2">
             <a:extLst>
               <a:ext uri="{FF2B5EF4-FFF2-40B4-BE49-F238E27FC236}">
-                <a16:creationId xmlns:a16="http://schemas.microsoft.com/office/drawing/2014/main" id="{455420F9-5E12-43CA-8209-4006AC679609}"/>
+                <a16:creationId xmlns="" xmlns:a16="http://schemas.microsoft.com/office/drawing/2014/main" id="{455420F9-5E12-43CA-8209-4006AC679609}"/>
               </a:ext>
             </a:extLst>
           </p:cNvPr>
@@ -3895,7 +3896,7 @@
           <p:cNvPr id="2" name="Titel 1">
             <a:extLst>
               <a:ext uri="{FF2B5EF4-FFF2-40B4-BE49-F238E27FC236}">
-                <a16:creationId xmlns:a16="http://schemas.microsoft.com/office/drawing/2014/main" id="{8540D060-8817-4429-8800-FFC613CA5B8F}"/>
+                <a16:creationId xmlns="" xmlns:a16="http://schemas.microsoft.com/office/drawing/2014/main" id="{8540D060-8817-4429-8800-FFC613CA5B8F}"/>
               </a:ext>
             </a:extLst>
           </p:cNvPr>
@@ -3926,6 +3927,10 @@
             <a:r>
               <a:rPr lang="de-DE" sz="5400" dirty="0" err="1"/>
               <a:t>ViewModel</a:t>
+            </a:r>
+            <a:r>
+              <a:rPr lang="de-DE" sz="5400" dirty="0"/>
+              <a:t/>
             </a:r>
             <a:br>
               <a:rPr lang="de-DE" sz="5400" dirty="0"/>
@@ -3972,7 +3977,7 @@
           <p:cNvPr id="2" name="Titel 1">
             <a:extLst>
               <a:ext uri="{FF2B5EF4-FFF2-40B4-BE49-F238E27FC236}">
-                <a16:creationId xmlns:a16="http://schemas.microsoft.com/office/drawing/2014/main" id="{1F89CF23-241D-4F08-93ED-6FBC5FDD6662}"/>
+                <a16:creationId xmlns="" xmlns:a16="http://schemas.microsoft.com/office/drawing/2014/main" id="{1F89CF23-241D-4F08-93ED-6FBC5FDD6662}"/>
               </a:ext>
             </a:extLst>
           </p:cNvPr>
@@ -4000,7 +4005,7 @@
           <p:cNvPr id="3" name="Inhaltsplatzhalter 2">
             <a:extLst>
               <a:ext uri="{FF2B5EF4-FFF2-40B4-BE49-F238E27FC236}">
-                <a16:creationId xmlns:a16="http://schemas.microsoft.com/office/drawing/2014/main" id="{8A9D8746-323A-4EE8-956D-CC088FE745B1}"/>
+                <a16:creationId xmlns="" xmlns:a16="http://schemas.microsoft.com/office/drawing/2014/main" id="{8A9D8746-323A-4EE8-956D-CC088FE745B1}"/>
               </a:ext>
             </a:extLst>
           </p:cNvPr>
@@ -4075,7 +4080,7 @@
           <p:cNvPr id="2" name="Titel 1">
             <a:extLst>
               <a:ext uri="{FF2B5EF4-FFF2-40B4-BE49-F238E27FC236}">
-                <a16:creationId xmlns:a16="http://schemas.microsoft.com/office/drawing/2014/main" id="{1F89CF23-241D-4F08-93ED-6FBC5FDD6662}"/>
+                <a16:creationId xmlns="" xmlns:a16="http://schemas.microsoft.com/office/drawing/2014/main" id="{1F89CF23-241D-4F08-93ED-6FBC5FDD6662}"/>
               </a:ext>
             </a:extLst>
           </p:cNvPr>
@@ -4103,7 +4108,7 @@
           <p:cNvPr id="3" name="Inhaltsplatzhalter 2">
             <a:extLst>
               <a:ext uri="{FF2B5EF4-FFF2-40B4-BE49-F238E27FC236}">
-                <a16:creationId xmlns:a16="http://schemas.microsoft.com/office/drawing/2014/main" id="{8A9D8746-323A-4EE8-956D-CC088FE745B1}"/>
+                <a16:creationId xmlns="" xmlns:a16="http://schemas.microsoft.com/office/drawing/2014/main" id="{8A9D8746-323A-4EE8-956D-CC088FE745B1}"/>
               </a:ext>
             </a:extLst>
           </p:cNvPr>
@@ -4192,7 +4197,7 @@
           <p:cNvPr id="2" name="Titel 1">
             <a:extLst>
               <a:ext uri="{FF2B5EF4-FFF2-40B4-BE49-F238E27FC236}">
-                <a16:creationId xmlns:a16="http://schemas.microsoft.com/office/drawing/2014/main" id="{1F89CF23-241D-4F08-93ED-6FBC5FDD6662}"/>
+                <a16:creationId xmlns="" xmlns:a16="http://schemas.microsoft.com/office/drawing/2014/main" id="{1F89CF23-241D-4F08-93ED-6FBC5FDD6662}"/>
               </a:ext>
             </a:extLst>
           </p:cNvPr>
@@ -4221,7 +4226,7 @@
           <p:cNvPr id="3" name="Inhaltsplatzhalter 2">
             <a:extLst>
               <a:ext uri="{FF2B5EF4-FFF2-40B4-BE49-F238E27FC236}">
-                <a16:creationId xmlns:a16="http://schemas.microsoft.com/office/drawing/2014/main" id="{8A9D8746-323A-4EE8-956D-CC088FE745B1}"/>
+                <a16:creationId xmlns="" xmlns:a16="http://schemas.microsoft.com/office/drawing/2014/main" id="{8A9D8746-323A-4EE8-956D-CC088FE745B1}"/>
               </a:ext>
             </a:extLst>
           </p:cNvPr>
@@ -4318,7 +4323,7 @@
           <p:cNvPr id="4" name="Grafik 3" descr="https://cdn-images-1.medium.com/max/1600/1*8KprSpqqPtSuYObjOFPt2g.png">
             <a:extLst>
               <a:ext uri="{FF2B5EF4-FFF2-40B4-BE49-F238E27FC236}">
-                <a16:creationId xmlns:a16="http://schemas.microsoft.com/office/drawing/2014/main" id="{042DA072-6724-43AF-BD50-12037271DB07}"/>
+                <a16:creationId xmlns="" xmlns:a16="http://schemas.microsoft.com/office/drawing/2014/main" id="{042DA072-6724-43AF-BD50-12037271DB07}"/>
               </a:ext>
             </a:extLst>
           </p:cNvPr>
@@ -4382,81 +4387,51 @@
           <a:chExt cx="0" cy="0"/>
         </a:xfrm>
       </p:grpSpPr>
-      <p:sp>
-        <p:nvSpPr>
-          <p:cNvPr id="2" name="Titel 1">
-            <a:extLst>
-              <a:ext uri="{FF2B5EF4-FFF2-40B4-BE49-F238E27FC236}">
-                <a16:creationId xmlns:a16="http://schemas.microsoft.com/office/drawing/2014/main" id="{1F89CF23-241D-4F08-93ED-6FBC5FDD6662}"/>
-              </a:ext>
-            </a:extLst>
-          </p:cNvPr>
-          <p:cNvSpPr>
-            <a:spLocks noGrp="1"/>
-          </p:cNvSpPr>
-          <p:nvPr>
-            <p:ph type="title"/>
-          </p:nvPr>
-        </p:nvSpPr>
-        <p:spPr/>
-        <p:txBody>
-          <a:bodyPr/>
-          <a:lstStyle/>
-          <a:p>
-            <a:r>
-              <a:rPr lang="de-DE" dirty="0" err="1"/>
-              <a:t>INotifyPropertyChanged</a:t>
-            </a:r>
-            <a:endParaRPr lang="de-DE" dirty="0"/>
-          </a:p>
-        </p:txBody>
-      </p:sp>
-      <p:sp>
-        <p:nvSpPr>
-          <p:cNvPr id="3" name="Inhaltsplatzhalter 2">
-            <a:extLst>
-              <a:ext uri="{FF2B5EF4-FFF2-40B4-BE49-F238E27FC236}">
-                <a16:creationId xmlns:a16="http://schemas.microsoft.com/office/drawing/2014/main" id="{B335868C-E813-4361-AACA-DD90BA8E2E05}"/>
-              </a:ext>
-            </a:extLst>
-          </p:cNvPr>
-          <p:cNvSpPr>
-            <a:spLocks noGrp="1"/>
-          </p:cNvSpPr>
-          <p:nvPr>
-            <p:ph idx="1"/>
-          </p:nvPr>
-        </p:nvSpPr>
-        <p:spPr>
+      <p:pic>
+        <p:nvPicPr>
+          <p:cNvPr id="1026" name="Picture 2" descr="https://prismlibrary.github.io/docs/wpf/images/Ch5MvvmFig1.png"/>
+          <p:cNvPicPr>
+            <a:picLocks noChangeAspect="1" noChangeArrowheads="1"/>
+          </p:cNvPicPr>
+          <p:nvPr/>
+        </p:nvPicPr>
+        <p:blipFill>
+          <a:blip r:embed="rId2">
+            <a:extLst>
+              <a:ext uri="{28A0092B-C50C-407E-A947-70E740481C1C}">
+                <a14:useLocalDpi xmlns:a14="http://schemas.microsoft.com/office/drawing/2010/main" val="0"/>
+              </a:ext>
+            </a:extLst>
+          </a:blip>
+          <a:srcRect/>
+          <a:stretch>
+            <a:fillRect/>
+          </a:stretch>
+        </p:blipFill>
+        <p:spPr bwMode="auto">
           <a:xfrm>
-            <a:off x="838200" y="1825625"/>
-            <a:ext cx="10515600" cy="4351338"/>
+            <a:off x="2537138" y="2052526"/>
+            <a:ext cx="7493313" cy="2198038"/>
           </a:xfrm>
+          <a:prstGeom prst="rect">
+            <a:avLst/>
+          </a:prstGeom>
+          <a:noFill/>
+          <a:extLst>
+            <a:ext uri="{909E8E84-426E-40DD-AFC4-6F175D3DCCD1}">
+              <a14:hiddenFill xmlns:a14="http://schemas.microsoft.com/office/drawing/2010/main">
+                <a:solidFill>
+                  <a:srgbClr val="FFFFFF"/>
+                </a:solidFill>
+              </a14:hiddenFill>
+            </a:ext>
+          </a:extLst>
         </p:spPr>
-        <p:txBody>
-          <a:bodyPr/>
-          <a:lstStyle/>
-          <a:p>
-            <a:r>
-              <a:rPr lang="de-DE" dirty="0"/>
-              <a:t>Informiert ein Binding, dass sich die Eigenschaft verändert hat</a:t>
-            </a:r>
-          </a:p>
-          <a:p>
-            <a:r>
-              <a:rPr lang="de-DE" dirty="0"/>
-              <a:t>Verschiedene Implementationen</a:t>
-            </a:r>
-          </a:p>
-          <a:p>
-            <a:endParaRPr lang="de-DE" dirty="0"/>
-          </a:p>
-        </p:txBody>
-      </p:sp>
+      </p:pic>
     </p:spTree>
     <p:extLst>
       <p:ext uri="{BB962C8B-B14F-4D97-AF65-F5344CB8AC3E}">
-        <p14:creationId xmlns:p14="http://schemas.microsoft.com/office/powerpoint/2010/main" val="3363733515"/>
+        <p14:creationId xmlns:p14="http://schemas.microsoft.com/office/powerpoint/2010/main" val="1240601466"/>
       </p:ext>
     </p:extLst>
   </p:cSld>
@@ -4488,7 +4463,108 @@
           <p:cNvPr id="2" name="Titel 1">
             <a:extLst>
               <a:ext uri="{FF2B5EF4-FFF2-40B4-BE49-F238E27FC236}">
-                <a16:creationId xmlns:a16="http://schemas.microsoft.com/office/drawing/2014/main" id="{1F89CF23-241D-4F08-93ED-6FBC5FDD6662}"/>
+                <a16:creationId xmlns="" xmlns:a16="http://schemas.microsoft.com/office/drawing/2014/main" id="{1F89CF23-241D-4F08-93ED-6FBC5FDD6662}"/>
+              </a:ext>
+            </a:extLst>
+          </p:cNvPr>
+          <p:cNvSpPr>
+            <a:spLocks noGrp="1"/>
+          </p:cNvSpPr>
+          <p:nvPr>
+            <p:ph type="title"/>
+          </p:nvPr>
+        </p:nvSpPr>
+        <p:spPr/>
+        <p:txBody>
+          <a:bodyPr/>
+          <a:lstStyle/>
+          <a:p>
+            <a:r>
+              <a:rPr lang="de-DE" dirty="0" err="1"/>
+              <a:t>INotifyPropertyChanged</a:t>
+            </a:r>
+            <a:endParaRPr lang="de-DE" dirty="0"/>
+          </a:p>
+        </p:txBody>
+      </p:sp>
+      <p:sp>
+        <p:nvSpPr>
+          <p:cNvPr id="3" name="Inhaltsplatzhalter 2">
+            <a:extLst>
+              <a:ext uri="{FF2B5EF4-FFF2-40B4-BE49-F238E27FC236}">
+                <a16:creationId xmlns="" xmlns:a16="http://schemas.microsoft.com/office/drawing/2014/main" id="{B335868C-E813-4361-AACA-DD90BA8E2E05}"/>
+              </a:ext>
+            </a:extLst>
+          </p:cNvPr>
+          <p:cNvSpPr>
+            <a:spLocks noGrp="1"/>
+          </p:cNvSpPr>
+          <p:nvPr>
+            <p:ph idx="1"/>
+          </p:nvPr>
+        </p:nvSpPr>
+        <p:spPr>
+          <a:xfrm>
+            <a:off x="838200" y="1825625"/>
+            <a:ext cx="10515600" cy="4351338"/>
+          </a:xfrm>
+        </p:spPr>
+        <p:txBody>
+          <a:bodyPr/>
+          <a:lstStyle/>
+          <a:p>
+            <a:r>
+              <a:rPr lang="de-DE" dirty="0"/>
+              <a:t>Informiert ein Binding, dass sich die Eigenschaft verändert hat</a:t>
+            </a:r>
+          </a:p>
+          <a:p>
+            <a:r>
+              <a:rPr lang="de-DE" dirty="0"/>
+              <a:t>Verschiedene Implementationen</a:t>
+            </a:r>
+          </a:p>
+          <a:p>
+            <a:endParaRPr lang="de-DE" dirty="0"/>
+          </a:p>
+        </p:txBody>
+      </p:sp>
+    </p:spTree>
+    <p:extLst>
+      <p:ext uri="{BB962C8B-B14F-4D97-AF65-F5344CB8AC3E}">
+        <p14:creationId xmlns:p14="http://schemas.microsoft.com/office/powerpoint/2010/main" val="3363733515"/>
+      </p:ext>
+    </p:extLst>
+  </p:cSld>
+  <p:clrMapOvr>
+    <a:masterClrMapping/>
+  </p:clrMapOvr>
+</p:sld>
+</file>
+
+<file path=ppt/slides/slide19.xml><?xml version="1.0" encoding="utf-8"?>
+<p:sld xmlns:a="http://schemas.openxmlformats.org/drawingml/2006/main" xmlns:r="http://schemas.openxmlformats.org/officeDocument/2006/relationships" xmlns:p="http://schemas.openxmlformats.org/presentationml/2006/main">
+  <p:cSld>
+    <p:spTree>
+      <p:nvGrpSpPr>
+        <p:cNvPr id="1" name=""/>
+        <p:cNvGrpSpPr/>
+        <p:nvPr/>
+      </p:nvGrpSpPr>
+      <p:grpSpPr>
+        <a:xfrm>
+          <a:off x="0" y="0"/>
+          <a:ext cx="0" cy="0"/>
+          <a:chOff x="0" y="0"/>
+          <a:chExt cx="0" cy="0"/>
+        </a:xfrm>
+      </p:grpSpPr>
+      <p:sp>
+        <p:nvSpPr>
+          <p:cNvPr id="2" name="Titel 1">
+            <a:extLst>
+              <a:ext uri="{FF2B5EF4-FFF2-40B4-BE49-F238E27FC236}">
+                <a16:creationId xmlns="" xmlns:a16="http://schemas.microsoft.com/office/drawing/2014/main" id="{1F89CF23-241D-4F08-93ED-6FBC5FDD6662}"/>
               </a:ext>
             </a:extLst>
           </p:cNvPr>
@@ -4520,7 +4596,7 @@
           <p:cNvPr id="2050" name="Picture 2" descr="https://www.devexpress.com/Content/Core/facebook-share-icon.png">
             <a:extLst>
               <a:ext uri="{FF2B5EF4-FFF2-40B4-BE49-F238E27FC236}">
-                <a16:creationId xmlns:a16="http://schemas.microsoft.com/office/drawing/2014/main" id="{3A2E89D7-BF88-44EE-AB8F-BB894CFC5B6D}"/>
+                <a16:creationId xmlns="" xmlns:a16="http://schemas.microsoft.com/office/drawing/2014/main" id="{3A2E89D7-BF88-44EE-AB8F-BB894CFC5B6D}"/>
               </a:ext>
             </a:extLst>
           </p:cNvPr>
@@ -4575,187 +4651,6 @@
 </p:sld>
 </file>
 
-<file path=ppt/slides/slide19.xml><?xml version="1.0" encoding="utf-8"?>
-<p:sld xmlns:a="http://schemas.openxmlformats.org/drawingml/2006/main" xmlns:r="http://schemas.openxmlformats.org/officeDocument/2006/relationships" xmlns:p="http://schemas.openxmlformats.org/presentationml/2006/main">
-  <p:cSld>
-    <p:spTree>
-      <p:nvGrpSpPr>
-        <p:cNvPr id="1" name=""/>
-        <p:cNvGrpSpPr/>
-        <p:nvPr/>
-      </p:nvGrpSpPr>
-      <p:grpSpPr>
-        <a:xfrm>
-          <a:off x="0" y="0"/>
-          <a:ext cx="0" cy="0"/>
-          <a:chOff x="0" y="0"/>
-          <a:chExt cx="0" cy="0"/>
-        </a:xfrm>
-      </p:grpSpPr>
-      <p:sp>
-        <p:nvSpPr>
-          <p:cNvPr id="2" name="Titel 1">
-            <a:extLst>
-              <a:ext uri="{FF2B5EF4-FFF2-40B4-BE49-F238E27FC236}">
-                <a16:creationId xmlns:a16="http://schemas.microsoft.com/office/drawing/2014/main" id="{1F89CF23-241D-4F08-93ED-6FBC5FDD6662}"/>
-              </a:ext>
-            </a:extLst>
-          </p:cNvPr>
-          <p:cNvSpPr>
-            <a:spLocks noGrp="1"/>
-          </p:cNvSpPr>
-          <p:nvPr>
-            <p:ph type="title"/>
-          </p:nvPr>
-        </p:nvSpPr>
-        <p:spPr/>
-        <p:txBody>
-          <a:bodyPr/>
-          <a:lstStyle/>
-          <a:p>
-            <a:r>
-              <a:rPr lang="de-DE" dirty="0" err="1"/>
-              <a:t>BindableBase</a:t>
-            </a:r>
-            <a:endParaRPr lang="de-DE" dirty="0"/>
-          </a:p>
-        </p:txBody>
-      </p:sp>
-      <p:sp>
-        <p:nvSpPr>
-          <p:cNvPr id="3" name="Inhaltsplatzhalter 2">
-            <a:extLst>
-              <a:ext uri="{FF2B5EF4-FFF2-40B4-BE49-F238E27FC236}">
-                <a16:creationId xmlns:a16="http://schemas.microsoft.com/office/drawing/2014/main" id="{531115D2-2B53-4B46-A368-E8B07937A585}"/>
-              </a:ext>
-            </a:extLst>
-          </p:cNvPr>
-          <p:cNvSpPr>
-            <a:spLocks noGrp="1"/>
-          </p:cNvSpPr>
-          <p:nvPr>
-            <p:ph idx="1"/>
-          </p:nvPr>
-        </p:nvSpPr>
-        <p:spPr>
-          <a:xfrm>
-            <a:off x="838200" y="1825625"/>
-            <a:ext cx="10515600" cy="1032985"/>
-          </a:xfrm>
-        </p:spPr>
-        <p:txBody>
-          <a:bodyPr/>
-          <a:lstStyle/>
-          <a:p>
-            <a:r>
-              <a:rPr lang="de-DE" dirty="0"/>
-              <a:t>Implementiert </a:t>
-            </a:r>
-            <a:r>
-              <a:rPr lang="de-DE" dirty="0" err="1"/>
-              <a:t>INotifyPropertyChanged</a:t>
-            </a:r>
-            <a:endParaRPr lang="de-DE" dirty="0"/>
-          </a:p>
-          <a:p>
-            <a:r>
-              <a:rPr lang="de-DE" dirty="0" err="1"/>
-              <a:t>SetProperty</a:t>
-            </a:r>
-            <a:r>
-              <a:rPr lang="de-DE" dirty="0"/>
-              <a:t>() und </a:t>
-            </a:r>
-            <a:r>
-              <a:rPr lang="de-DE" dirty="0" err="1"/>
-              <a:t>GetProperty</a:t>
-            </a:r>
-            <a:r>
-              <a:rPr lang="de-DE" dirty="0"/>
-              <a:t>()</a:t>
-            </a:r>
-          </a:p>
-          <a:p>
-            <a:pPr marL="0" indent="0">
-              <a:buNone/>
-            </a:pPr>
-            <a:endParaRPr lang="de-DE" dirty="0"/>
-          </a:p>
-        </p:txBody>
-      </p:sp>
-      <p:pic>
-        <p:nvPicPr>
-          <p:cNvPr id="4" name="Grafik 3">
-            <a:extLst>
-              <a:ext uri="{FF2B5EF4-FFF2-40B4-BE49-F238E27FC236}">
-                <a16:creationId xmlns:a16="http://schemas.microsoft.com/office/drawing/2014/main" id="{59225B68-EB18-4AB0-BE53-0F5842A0D1C4}"/>
-              </a:ext>
-            </a:extLst>
-          </p:cNvPr>
-          <p:cNvPicPr>
-            <a:picLocks noChangeAspect="1"/>
-          </p:cNvPicPr>
-          <p:nvPr/>
-        </p:nvPicPr>
-        <p:blipFill>
-          <a:blip r:embed="rId2"/>
-          <a:stretch>
-            <a:fillRect/>
-          </a:stretch>
-        </p:blipFill>
-        <p:spPr>
-          <a:xfrm>
-            <a:off x="838200" y="3548228"/>
-            <a:ext cx="6047684" cy="1991438"/>
-          </a:xfrm>
-          <a:prstGeom prst="rect">
-            <a:avLst/>
-          </a:prstGeom>
-        </p:spPr>
-      </p:pic>
-      <p:pic>
-        <p:nvPicPr>
-          <p:cNvPr id="5" name="Grafik 4">
-            <a:extLst>
-              <a:ext uri="{FF2B5EF4-FFF2-40B4-BE49-F238E27FC236}">
-                <a16:creationId xmlns:a16="http://schemas.microsoft.com/office/drawing/2014/main" id="{12E09BFE-B9F0-4302-A36F-3DDDF2F08FA5}"/>
-              </a:ext>
-            </a:extLst>
-          </p:cNvPr>
-          <p:cNvPicPr>
-            <a:picLocks noChangeAspect="1"/>
-          </p:cNvPicPr>
-          <p:nvPr/>
-        </p:nvPicPr>
-        <p:blipFill>
-          <a:blip r:embed="rId3"/>
-          <a:stretch>
-            <a:fillRect/>
-          </a:stretch>
-        </p:blipFill>
-        <p:spPr>
-          <a:xfrm>
-            <a:off x="3686489" y="3031277"/>
-            <a:ext cx="7868879" cy="2925496"/>
-          </a:xfrm>
-          <a:prstGeom prst="rect">
-            <a:avLst/>
-          </a:prstGeom>
-        </p:spPr>
-      </p:pic>
-    </p:spTree>
-    <p:extLst>
-      <p:ext uri="{BB962C8B-B14F-4D97-AF65-F5344CB8AC3E}">
-        <p14:creationId xmlns:p14="http://schemas.microsoft.com/office/powerpoint/2010/main" val="656638005"/>
-      </p:ext>
-    </p:extLst>
-  </p:cSld>
-  <p:clrMapOvr>
-    <a:masterClrMapping/>
-  </p:clrMapOvr>
-</p:sld>
-</file>
-
 <file path=ppt/slides/slide2.xml><?xml version="1.0" encoding="utf-8"?>
 <p:sld xmlns:a="http://schemas.openxmlformats.org/drawingml/2006/main" xmlns:r="http://schemas.openxmlformats.org/officeDocument/2006/relationships" xmlns:p="http://schemas.openxmlformats.org/presentationml/2006/main">
   <p:cSld>
@@ -4778,7 +4673,7 @@
           <p:cNvPr id="3" name="Untertitel 2">
             <a:extLst>
               <a:ext uri="{FF2B5EF4-FFF2-40B4-BE49-F238E27FC236}">
-                <a16:creationId xmlns:a16="http://schemas.microsoft.com/office/drawing/2014/main" id="{A2320168-B360-4EB7-9A9D-89200864A043}"/>
+                <a16:creationId xmlns="" xmlns:a16="http://schemas.microsoft.com/office/drawing/2014/main" id="{A2320168-B360-4EB7-9A9D-89200864A043}"/>
               </a:ext>
             </a:extLst>
           </p:cNvPr>
@@ -5155,7 +5050,7 @@
           <p:cNvPr id="7" name="Titel 1">
             <a:extLst>
               <a:ext uri="{FF2B5EF4-FFF2-40B4-BE49-F238E27FC236}">
-                <a16:creationId xmlns:a16="http://schemas.microsoft.com/office/drawing/2014/main" id="{363E5469-058A-4438-AA03-EEEFDD1B106B}"/>
+                <a16:creationId xmlns="" xmlns:a16="http://schemas.microsoft.com/office/drawing/2014/main" id="{363E5469-058A-4438-AA03-EEEFDD1B106B}"/>
               </a:ext>
             </a:extLst>
           </p:cNvPr>
@@ -5240,7 +5135,188 @@
           <p:cNvPr id="2" name="Titel 1">
             <a:extLst>
               <a:ext uri="{FF2B5EF4-FFF2-40B4-BE49-F238E27FC236}">
-                <a16:creationId xmlns:a16="http://schemas.microsoft.com/office/drawing/2014/main" id="{1F89CF23-241D-4F08-93ED-6FBC5FDD6662}"/>
+                <a16:creationId xmlns="" xmlns:a16="http://schemas.microsoft.com/office/drawing/2014/main" id="{1F89CF23-241D-4F08-93ED-6FBC5FDD6662}"/>
+              </a:ext>
+            </a:extLst>
+          </p:cNvPr>
+          <p:cNvSpPr>
+            <a:spLocks noGrp="1"/>
+          </p:cNvSpPr>
+          <p:nvPr>
+            <p:ph type="title"/>
+          </p:nvPr>
+        </p:nvSpPr>
+        <p:spPr/>
+        <p:txBody>
+          <a:bodyPr/>
+          <a:lstStyle/>
+          <a:p>
+            <a:r>
+              <a:rPr lang="de-DE" dirty="0" err="1"/>
+              <a:t>BindableBase</a:t>
+            </a:r>
+            <a:endParaRPr lang="de-DE" dirty="0"/>
+          </a:p>
+        </p:txBody>
+      </p:sp>
+      <p:sp>
+        <p:nvSpPr>
+          <p:cNvPr id="3" name="Inhaltsplatzhalter 2">
+            <a:extLst>
+              <a:ext uri="{FF2B5EF4-FFF2-40B4-BE49-F238E27FC236}">
+                <a16:creationId xmlns="" xmlns:a16="http://schemas.microsoft.com/office/drawing/2014/main" id="{531115D2-2B53-4B46-A368-E8B07937A585}"/>
+              </a:ext>
+            </a:extLst>
+          </p:cNvPr>
+          <p:cNvSpPr>
+            <a:spLocks noGrp="1"/>
+          </p:cNvSpPr>
+          <p:nvPr>
+            <p:ph idx="1"/>
+          </p:nvPr>
+        </p:nvSpPr>
+        <p:spPr>
+          <a:xfrm>
+            <a:off x="838200" y="1825625"/>
+            <a:ext cx="10515600" cy="1032985"/>
+          </a:xfrm>
+        </p:spPr>
+        <p:txBody>
+          <a:bodyPr/>
+          <a:lstStyle/>
+          <a:p>
+            <a:r>
+              <a:rPr lang="de-DE" dirty="0"/>
+              <a:t>Implementiert </a:t>
+            </a:r>
+            <a:r>
+              <a:rPr lang="de-DE" dirty="0" err="1"/>
+              <a:t>INotifyPropertyChanged</a:t>
+            </a:r>
+            <a:endParaRPr lang="de-DE" dirty="0"/>
+          </a:p>
+          <a:p>
+            <a:r>
+              <a:rPr lang="de-DE" dirty="0" err="1"/>
+              <a:t>SetProperty</a:t>
+            </a:r>
+            <a:r>
+              <a:rPr lang="de-DE" dirty="0"/>
+              <a:t>() und </a:t>
+            </a:r>
+            <a:r>
+              <a:rPr lang="de-DE" dirty="0" err="1"/>
+              <a:t>GetProperty</a:t>
+            </a:r>
+            <a:r>
+              <a:rPr lang="de-DE" dirty="0"/>
+              <a:t>()</a:t>
+            </a:r>
+          </a:p>
+          <a:p>
+            <a:pPr marL="0" indent="0">
+              <a:buNone/>
+            </a:pPr>
+            <a:endParaRPr lang="de-DE" dirty="0"/>
+          </a:p>
+        </p:txBody>
+      </p:sp>
+      <p:pic>
+        <p:nvPicPr>
+          <p:cNvPr id="4" name="Grafik 3">
+            <a:extLst>
+              <a:ext uri="{FF2B5EF4-FFF2-40B4-BE49-F238E27FC236}">
+                <a16:creationId xmlns="" xmlns:a16="http://schemas.microsoft.com/office/drawing/2014/main" id="{59225B68-EB18-4AB0-BE53-0F5842A0D1C4}"/>
+              </a:ext>
+            </a:extLst>
+          </p:cNvPr>
+          <p:cNvPicPr>
+            <a:picLocks noChangeAspect="1"/>
+          </p:cNvPicPr>
+          <p:nvPr/>
+        </p:nvPicPr>
+        <p:blipFill>
+          <a:blip r:embed="rId2"/>
+          <a:stretch>
+            <a:fillRect/>
+          </a:stretch>
+        </p:blipFill>
+        <p:spPr>
+          <a:xfrm>
+            <a:off x="838200" y="3548228"/>
+            <a:ext cx="6047684" cy="1991438"/>
+          </a:xfrm>
+          <a:prstGeom prst="rect">
+            <a:avLst/>
+          </a:prstGeom>
+        </p:spPr>
+      </p:pic>
+      <p:pic>
+        <p:nvPicPr>
+          <p:cNvPr id="5" name="Grafik 4">
+            <a:extLst>
+              <a:ext uri="{FF2B5EF4-FFF2-40B4-BE49-F238E27FC236}">
+                <a16:creationId xmlns="" xmlns:a16="http://schemas.microsoft.com/office/drawing/2014/main" id="{12E09BFE-B9F0-4302-A36F-3DDDF2F08FA5}"/>
+              </a:ext>
+            </a:extLst>
+          </p:cNvPr>
+          <p:cNvPicPr>
+            <a:picLocks noChangeAspect="1"/>
+          </p:cNvPicPr>
+          <p:nvPr/>
+        </p:nvPicPr>
+        <p:blipFill>
+          <a:blip r:embed="rId3"/>
+          <a:stretch>
+            <a:fillRect/>
+          </a:stretch>
+        </p:blipFill>
+        <p:spPr>
+          <a:xfrm>
+            <a:off x="3738004" y="3301733"/>
+            <a:ext cx="7868879" cy="2925496"/>
+          </a:xfrm>
+          <a:prstGeom prst="rect">
+            <a:avLst/>
+          </a:prstGeom>
+        </p:spPr>
+      </p:pic>
+    </p:spTree>
+    <p:extLst>
+      <p:ext uri="{BB962C8B-B14F-4D97-AF65-F5344CB8AC3E}">
+        <p14:creationId xmlns:p14="http://schemas.microsoft.com/office/powerpoint/2010/main" val="656638005"/>
+      </p:ext>
+    </p:extLst>
+  </p:cSld>
+  <p:clrMapOvr>
+    <a:masterClrMapping/>
+  </p:clrMapOvr>
+</p:sld>
+</file>
+
+<file path=ppt/slides/slide21.xml><?xml version="1.0" encoding="utf-8"?>
+<p:sld xmlns:a="http://schemas.openxmlformats.org/drawingml/2006/main" xmlns:r="http://schemas.openxmlformats.org/officeDocument/2006/relationships" xmlns:p="http://schemas.openxmlformats.org/presentationml/2006/main">
+  <p:cSld>
+    <p:spTree>
+      <p:nvGrpSpPr>
+        <p:cNvPr id="1" name=""/>
+        <p:cNvGrpSpPr/>
+        <p:nvPr/>
+      </p:nvGrpSpPr>
+      <p:grpSpPr>
+        <a:xfrm>
+          <a:off x="0" y="0"/>
+          <a:ext cx="0" cy="0"/>
+          <a:chOff x="0" y="0"/>
+          <a:chExt cx="0" cy="0"/>
+        </a:xfrm>
+      </p:grpSpPr>
+      <p:sp>
+        <p:nvSpPr>
+          <p:cNvPr id="2" name="Titel 1">
+            <a:extLst>
+              <a:ext uri="{FF2B5EF4-FFF2-40B4-BE49-F238E27FC236}">
+                <a16:creationId xmlns="" xmlns:a16="http://schemas.microsoft.com/office/drawing/2014/main" id="{1F89CF23-241D-4F08-93ED-6FBC5FDD6662}"/>
               </a:ext>
             </a:extLst>
           </p:cNvPr>
@@ -5259,6 +5335,10 @@
             <a:r>
               <a:rPr lang="de-DE" dirty="0" err="1"/>
               <a:t>ViewModelBase</a:t>
+            </a:r>
+            <a:r>
+              <a:rPr lang="de-DE" dirty="0"/>
+              <a:t/>
             </a:r>
             <a:br>
               <a:rPr lang="de-DE" dirty="0"/>
@@ -5272,7 +5352,7 @@
           <p:cNvPr id="3" name="Inhaltsplatzhalter 2">
             <a:extLst>
               <a:ext uri="{FF2B5EF4-FFF2-40B4-BE49-F238E27FC236}">
-                <a16:creationId xmlns:a16="http://schemas.microsoft.com/office/drawing/2014/main" id="{531115D2-2B53-4B46-A368-E8B07937A585}"/>
+                <a16:creationId xmlns="" xmlns:a16="http://schemas.microsoft.com/office/drawing/2014/main" id="{531115D2-2B53-4B46-A368-E8B07937A585}"/>
               </a:ext>
             </a:extLst>
           </p:cNvPr>
@@ -5336,7 +5416,7 @@
           <p:cNvPr id="6" name="Grafik 5">
             <a:extLst>
               <a:ext uri="{FF2B5EF4-FFF2-40B4-BE49-F238E27FC236}">
-                <a16:creationId xmlns:a16="http://schemas.microsoft.com/office/drawing/2014/main" id="{F6367B95-A3F4-4410-A8C4-C0EEF7093429}"/>
+                <a16:creationId xmlns="" xmlns:a16="http://schemas.microsoft.com/office/drawing/2014/main" id="{F6367B95-A3F4-4410-A8C4-C0EEF7093429}"/>
               </a:ext>
             </a:extLst>
           </p:cNvPr>
@@ -5374,7 +5454,7 @@
 </p:sld>
 </file>
 
-<file path=ppt/slides/slide21.xml><?xml version="1.0" encoding="utf-8"?>
+<file path=ppt/slides/slide22.xml><?xml version="1.0" encoding="utf-8"?>
 <p:sld xmlns:a="http://schemas.openxmlformats.org/drawingml/2006/main" xmlns:r="http://schemas.openxmlformats.org/officeDocument/2006/relationships" xmlns:p="http://schemas.openxmlformats.org/presentationml/2006/main">
   <p:cSld>
     <p:spTree>
@@ -5396,7 +5476,7 @@
           <p:cNvPr id="2" name="Titel 1">
             <a:extLst>
               <a:ext uri="{FF2B5EF4-FFF2-40B4-BE49-F238E27FC236}">
-                <a16:creationId xmlns:a16="http://schemas.microsoft.com/office/drawing/2014/main" id="{1F89CF23-241D-4F08-93ED-6FBC5FDD6662}"/>
+                <a16:creationId xmlns="" xmlns:a16="http://schemas.microsoft.com/office/drawing/2014/main" id="{1F89CF23-241D-4F08-93ED-6FBC5FDD6662}"/>
               </a:ext>
             </a:extLst>
           </p:cNvPr>
@@ -5430,7 +5510,7 @@
           <p:cNvPr id="3" name="Inhaltsplatzhalter 2">
             <a:extLst>
               <a:ext uri="{FF2B5EF4-FFF2-40B4-BE49-F238E27FC236}">
-                <a16:creationId xmlns:a16="http://schemas.microsoft.com/office/drawing/2014/main" id="{531115D2-2B53-4B46-A368-E8B07937A585}"/>
+                <a16:creationId xmlns="" xmlns:a16="http://schemas.microsoft.com/office/drawing/2014/main" id="{531115D2-2B53-4B46-A368-E8B07937A585}"/>
               </a:ext>
             </a:extLst>
           </p:cNvPr>
@@ -5483,7 +5563,7 @@
           <p:cNvPr id="8" name="Grafik 7">
             <a:extLst>
               <a:ext uri="{FF2B5EF4-FFF2-40B4-BE49-F238E27FC236}">
-                <a16:creationId xmlns:a16="http://schemas.microsoft.com/office/drawing/2014/main" id="{FFC2D21F-BDD6-46A8-A9C0-FFA95E32F9CD}"/>
+                <a16:creationId xmlns="" xmlns:a16="http://schemas.microsoft.com/office/drawing/2014/main" id="{FFC2D21F-BDD6-46A8-A9C0-FFA95E32F9CD}"/>
               </a:ext>
             </a:extLst>
           </p:cNvPr>
@@ -5500,8 +5580,32 @@
         </p:blipFill>
         <p:spPr>
           <a:xfrm>
-            <a:off x="3524152" y="3151188"/>
+            <a:off x="5288557" y="3151188"/>
             <a:ext cx="5143695" cy="3050121"/>
+          </a:xfrm>
+          <a:prstGeom prst="rect">
+            <a:avLst/>
+          </a:prstGeom>
+        </p:spPr>
+      </p:pic>
+      <p:pic>
+        <p:nvPicPr>
+          <p:cNvPr id="4" name="Grafik 3"/>
+          <p:cNvPicPr>
+            <a:picLocks noChangeAspect="1"/>
+          </p:cNvPicPr>
+          <p:nvPr/>
+        </p:nvPicPr>
+        <p:blipFill>
+          <a:blip r:embed="rId3"/>
+          <a:stretch>
+            <a:fillRect/>
+          </a:stretch>
+        </p:blipFill>
+        <p:spPr>
+          <a:xfrm>
+            <a:off x="838200" y="3151188"/>
+            <a:ext cx="3748979" cy="2412485"/>
           </a:xfrm>
           <a:prstGeom prst="rect">
             <a:avLst/>
@@ -5543,7 +5647,7 @@
           <p:cNvPr id="1026" name="Picture 2" descr="Bildergebnis fÃ¼r C#">
             <a:extLst>
               <a:ext uri="{FF2B5EF4-FFF2-40B4-BE49-F238E27FC236}">
-                <a16:creationId xmlns:a16="http://schemas.microsoft.com/office/drawing/2014/main" id="{67EA6A19-5CA6-48EB-A962-105E15A2BF35}"/>
+                <a16:creationId xmlns="" xmlns:a16="http://schemas.microsoft.com/office/drawing/2014/main" id="{67EA6A19-5CA6-48EB-A962-105E15A2BF35}"/>
               </a:ext>
             </a:extLst>
           </p:cNvPr>
@@ -5620,7 +5724,7 @@
           <p:cNvPr id="2" name="Titel 1">
             <a:extLst>
               <a:ext uri="{FF2B5EF4-FFF2-40B4-BE49-F238E27FC236}">
-                <a16:creationId xmlns:a16="http://schemas.microsoft.com/office/drawing/2014/main" id="{5EBE39BD-4480-4BF1-B281-FF491100CC70}"/>
+                <a16:creationId xmlns="" xmlns:a16="http://schemas.microsoft.com/office/drawing/2014/main" id="{5EBE39BD-4480-4BF1-B281-FF491100CC70}"/>
               </a:ext>
             </a:extLst>
           </p:cNvPr>
@@ -5648,7 +5752,7 @@
           <p:cNvPr id="3" name="Inhaltsplatzhalter 2">
             <a:extLst>
               <a:ext uri="{FF2B5EF4-FFF2-40B4-BE49-F238E27FC236}">
-                <a16:creationId xmlns:a16="http://schemas.microsoft.com/office/drawing/2014/main" id="{C6F5B1C1-46DE-4D91-9FFB-9468C0065E6B}"/>
+                <a16:creationId xmlns="" xmlns:a16="http://schemas.microsoft.com/office/drawing/2014/main" id="{C6F5B1C1-46DE-4D91-9FFB-9468C0065E6B}"/>
               </a:ext>
             </a:extLst>
           </p:cNvPr>
@@ -5741,7 +5845,7 @@
           <p:cNvPr id="2" name="Titel 1">
             <a:extLst>
               <a:ext uri="{FF2B5EF4-FFF2-40B4-BE49-F238E27FC236}">
-                <a16:creationId xmlns:a16="http://schemas.microsoft.com/office/drawing/2014/main" id="{8540D060-8817-4429-8800-FFC613CA5B8F}"/>
+                <a16:creationId xmlns="" xmlns:a16="http://schemas.microsoft.com/office/drawing/2014/main" id="{8540D060-8817-4429-8800-FFC613CA5B8F}"/>
               </a:ext>
             </a:extLst>
           </p:cNvPr>
@@ -5820,7 +5924,7 @@
           <p:cNvPr id="2" name="Titel 1">
             <a:extLst>
               <a:ext uri="{FF2B5EF4-FFF2-40B4-BE49-F238E27FC236}">
-                <a16:creationId xmlns:a16="http://schemas.microsoft.com/office/drawing/2014/main" id="{8540D060-8817-4429-8800-FFC613CA5B8F}"/>
+                <a16:creationId xmlns="" xmlns:a16="http://schemas.microsoft.com/office/drawing/2014/main" id="{8540D060-8817-4429-8800-FFC613CA5B8F}"/>
               </a:ext>
             </a:extLst>
           </p:cNvPr>
@@ -5854,7 +5958,7 @@
           <p:cNvPr id="6" name="Inhaltsplatzhalter 2">
             <a:extLst>
               <a:ext uri="{FF2B5EF4-FFF2-40B4-BE49-F238E27FC236}">
-                <a16:creationId xmlns:a16="http://schemas.microsoft.com/office/drawing/2014/main" id="{78023648-850B-47EB-A4D2-20B5FFEB274A}"/>
+                <a16:creationId xmlns="" xmlns:a16="http://schemas.microsoft.com/office/drawing/2014/main" id="{78023648-850B-47EB-A4D2-20B5FFEB274A}"/>
               </a:ext>
             </a:extLst>
           </p:cNvPr>
@@ -5931,7 +6035,7 @@
           <p:cNvPr id="2" name="Titel 1">
             <a:extLst>
               <a:ext uri="{FF2B5EF4-FFF2-40B4-BE49-F238E27FC236}">
-                <a16:creationId xmlns:a16="http://schemas.microsoft.com/office/drawing/2014/main" id="{8540D060-8817-4429-8800-FFC613CA5B8F}"/>
+                <a16:creationId xmlns="" xmlns:a16="http://schemas.microsoft.com/office/drawing/2014/main" id="{8540D060-8817-4429-8800-FFC613CA5B8F}"/>
               </a:ext>
             </a:extLst>
           </p:cNvPr>
@@ -5959,7 +6063,7 @@
           <p:cNvPr id="3" name="Inhaltsplatzhalter 2">
             <a:extLst>
               <a:ext uri="{FF2B5EF4-FFF2-40B4-BE49-F238E27FC236}">
-                <a16:creationId xmlns:a16="http://schemas.microsoft.com/office/drawing/2014/main" id="{7AD608DC-C256-4E27-8516-D5CB84FAA864}"/>
+                <a16:creationId xmlns="" xmlns:a16="http://schemas.microsoft.com/office/drawing/2014/main" id="{7AD608DC-C256-4E27-8516-D5CB84FAA864}"/>
               </a:ext>
             </a:extLst>
           </p:cNvPr>
@@ -6055,7 +6159,7 @@
           <p:cNvPr id="2" name="Titel 1">
             <a:extLst>
               <a:ext uri="{FF2B5EF4-FFF2-40B4-BE49-F238E27FC236}">
-                <a16:creationId xmlns:a16="http://schemas.microsoft.com/office/drawing/2014/main" id="{8540D060-8817-4429-8800-FFC613CA5B8F}"/>
+                <a16:creationId xmlns="" xmlns:a16="http://schemas.microsoft.com/office/drawing/2014/main" id="{8540D060-8817-4429-8800-FFC613CA5B8F}"/>
               </a:ext>
             </a:extLst>
           </p:cNvPr>
@@ -6083,7 +6187,7 @@
           <p:cNvPr id="3" name="Inhaltsplatzhalter 2">
             <a:extLst>
               <a:ext uri="{FF2B5EF4-FFF2-40B4-BE49-F238E27FC236}">
-                <a16:creationId xmlns:a16="http://schemas.microsoft.com/office/drawing/2014/main" id="{20E9F529-D27A-40D5-AB74-59456F60E3B4}"/>
+                <a16:creationId xmlns="" xmlns:a16="http://schemas.microsoft.com/office/drawing/2014/main" id="{20E9F529-D27A-40D5-AB74-59456F60E3B4}"/>
               </a:ext>
             </a:extLst>
           </p:cNvPr>
@@ -6167,7 +6271,7 @@
           <p:cNvPr id="2" name="Titel 1">
             <a:extLst>
               <a:ext uri="{FF2B5EF4-FFF2-40B4-BE49-F238E27FC236}">
-                <a16:creationId xmlns:a16="http://schemas.microsoft.com/office/drawing/2014/main" id="{8540D060-8817-4429-8800-FFC613CA5B8F}"/>
+                <a16:creationId xmlns="" xmlns:a16="http://schemas.microsoft.com/office/drawing/2014/main" id="{8540D060-8817-4429-8800-FFC613CA5B8F}"/>
               </a:ext>
             </a:extLst>
           </p:cNvPr>
@@ -6195,7 +6299,7 @@
           <p:cNvPr id="3" name="Inhaltsplatzhalter 2">
             <a:extLst>
               <a:ext uri="{FF2B5EF4-FFF2-40B4-BE49-F238E27FC236}">
-                <a16:creationId xmlns:a16="http://schemas.microsoft.com/office/drawing/2014/main" id="{186DE386-DDF7-4254-8E3D-DB0D2FDEADF3}"/>
+                <a16:creationId xmlns="" xmlns:a16="http://schemas.microsoft.com/office/drawing/2014/main" id="{186DE386-DDF7-4254-8E3D-DB0D2FDEADF3}"/>
               </a:ext>
             </a:extLst>
           </p:cNvPr>

--- a/Präsentation_Steffen.pptx
+++ b/Präsentation_Steffen.pptx
@@ -12,21 +12,18 @@
     <p:sldId id="259" r:id="rId6"/>
     <p:sldId id="271" r:id="rId7"/>
     <p:sldId id="276" r:id="rId8"/>
-    <p:sldId id="277" r:id="rId9"/>
-    <p:sldId id="278" r:id="rId10"/>
-    <p:sldId id="279" r:id="rId11"/>
-    <p:sldId id="280" r:id="rId12"/>
-    <p:sldId id="281" r:id="rId13"/>
-    <p:sldId id="261" r:id="rId14"/>
-    <p:sldId id="283" r:id="rId15"/>
-    <p:sldId id="284" r:id="rId16"/>
-    <p:sldId id="282" r:id="rId17"/>
-    <p:sldId id="288" r:id="rId18"/>
-    <p:sldId id="264" r:id="rId19"/>
-    <p:sldId id="285" r:id="rId20"/>
-    <p:sldId id="265" r:id="rId21"/>
-    <p:sldId id="286" r:id="rId22"/>
-    <p:sldId id="287" r:id="rId23"/>
+    <p:sldId id="289" r:id="rId9"/>
+    <p:sldId id="281" r:id="rId10"/>
+    <p:sldId id="261" r:id="rId11"/>
+    <p:sldId id="283" r:id="rId12"/>
+    <p:sldId id="284" r:id="rId13"/>
+    <p:sldId id="282" r:id="rId14"/>
+    <p:sldId id="288" r:id="rId15"/>
+    <p:sldId id="264" r:id="rId16"/>
+    <p:sldId id="285" r:id="rId17"/>
+    <p:sldId id="265" r:id="rId18"/>
+    <p:sldId id="286" r:id="rId19"/>
+    <p:sldId id="287" r:id="rId20"/>
   </p:sldIdLst>
   <p:sldSz cx="12192000" cy="6858000"/>
   <p:notesSz cx="6858000" cy="9144000"/>
@@ -155,7 +152,7 @@
           <p:cNvPr id="2" name="Titel 1">
             <a:extLst>
               <a:ext uri="{FF2B5EF4-FFF2-40B4-BE49-F238E27FC236}">
-                <a16:creationId xmlns="" xmlns:a16="http://schemas.microsoft.com/office/drawing/2014/main" id="{6AA81410-870F-4DA7-9B12-94BA071EFD00}"/>
+                <a16:creationId xmlns:a16="http://schemas.microsoft.com/office/drawing/2014/main" xmlns="" id="{6AA81410-870F-4DA7-9B12-94BA071EFD00}"/>
               </a:ext>
             </a:extLst>
           </p:cNvPr>
@@ -192,7 +189,7 @@
           <p:cNvPr id="3" name="Untertitel 2">
             <a:extLst>
               <a:ext uri="{FF2B5EF4-FFF2-40B4-BE49-F238E27FC236}">
-                <a16:creationId xmlns="" xmlns:a16="http://schemas.microsoft.com/office/drawing/2014/main" id="{625C5883-11BB-479C-8DD8-F58A8BE1FA2E}"/>
+                <a16:creationId xmlns:a16="http://schemas.microsoft.com/office/drawing/2014/main" xmlns="" id="{625C5883-11BB-479C-8DD8-F58A8BE1FA2E}"/>
               </a:ext>
             </a:extLst>
           </p:cNvPr>
@@ -262,7 +259,7 @@
           <p:cNvPr id="4" name="Datumsplatzhalter 3">
             <a:extLst>
               <a:ext uri="{FF2B5EF4-FFF2-40B4-BE49-F238E27FC236}">
-                <a16:creationId xmlns="" xmlns:a16="http://schemas.microsoft.com/office/drawing/2014/main" id="{3B222930-3936-4886-A36F-18FF6C4A4CDB}"/>
+                <a16:creationId xmlns:a16="http://schemas.microsoft.com/office/drawing/2014/main" xmlns="" id="{3B222930-3936-4886-A36F-18FF6C4A4CDB}"/>
               </a:ext>
             </a:extLst>
           </p:cNvPr>
@@ -291,7 +288,7 @@
           <p:cNvPr id="5" name="Fußzeilenplatzhalter 4">
             <a:extLst>
               <a:ext uri="{FF2B5EF4-FFF2-40B4-BE49-F238E27FC236}">
-                <a16:creationId xmlns="" xmlns:a16="http://schemas.microsoft.com/office/drawing/2014/main" id="{03FC9DC3-F7CC-49B8-BD89-A5B3E0760B21}"/>
+                <a16:creationId xmlns:a16="http://schemas.microsoft.com/office/drawing/2014/main" xmlns="" id="{03FC9DC3-F7CC-49B8-BD89-A5B3E0760B21}"/>
               </a:ext>
             </a:extLst>
           </p:cNvPr>
@@ -316,7 +313,7 @@
           <p:cNvPr id="6" name="Foliennummernplatzhalter 5">
             <a:extLst>
               <a:ext uri="{FF2B5EF4-FFF2-40B4-BE49-F238E27FC236}">
-                <a16:creationId xmlns="" xmlns:a16="http://schemas.microsoft.com/office/drawing/2014/main" id="{449F7575-8A61-4BEC-9923-46BDEBC6F730}"/>
+                <a16:creationId xmlns:a16="http://schemas.microsoft.com/office/drawing/2014/main" xmlns="" id="{449F7575-8A61-4BEC-9923-46BDEBC6F730}"/>
               </a:ext>
             </a:extLst>
           </p:cNvPr>
@@ -375,7 +372,7 @@
           <p:cNvPr id="2" name="Titel 1">
             <a:extLst>
               <a:ext uri="{FF2B5EF4-FFF2-40B4-BE49-F238E27FC236}">
-                <a16:creationId xmlns="" xmlns:a16="http://schemas.microsoft.com/office/drawing/2014/main" id="{F4DF863A-7033-4015-A882-BD8B9C6CCBC9}"/>
+                <a16:creationId xmlns:a16="http://schemas.microsoft.com/office/drawing/2014/main" xmlns="" id="{F4DF863A-7033-4015-A882-BD8B9C6CCBC9}"/>
               </a:ext>
             </a:extLst>
           </p:cNvPr>
@@ -403,7 +400,7 @@
           <p:cNvPr id="3" name="Vertikaler Textplatzhalter 2">
             <a:extLst>
               <a:ext uri="{FF2B5EF4-FFF2-40B4-BE49-F238E27FC236}">
-                <a16:creationId xmlns="" xmlns:a16="http://schemas.microsoft.com/office/drawing/2014/main" id="{C0746A1A-D278-46F9-A33A-6D5706C48AC6}"/>
+                <a16:creationId xmlns:a16="http://schemas.microsoft.com/office/drawing/2014/main" xmlns="" id="{C0746A1A-D278-46F9-A33A-6D5706C48AC6}"/>
               </a:ext>
             </a:extLst>
           </p:cNvPr>
@@ -460,7 +457,7 @@
           <p:cNvPr id="4" name="Datumsplatzhalter 3">
             <a:extLst>
               <a:ext uri="{FF2B5EF4-FFF2-40B4-BE49-F238E27FC236}">
-                <a16:creationId xmlns="" xmlns:a16="http://schemas.microsoft.com/office/drawing/2014/main" id="{6F8A6FE2-7AAF-4E7B-BD51-F40688D51FF1}"/>
+                <a16:creationId xmlns:a16="http://schemas.microsoft.com/office/drawing/2014/main" xmlns="" id="{6F8A6FE2-7AAF-4E7B-BD51-F40688D51FF1}"/>
               </a:ext>
             </a:extLst>
           </p:cNvPr>
@@ -489,7 +486,7 @@
           <p:cNvPr id="5" name="Fußzeilenplatzhalter 4">
             <a:extLst>
               <a:ext uri="{FF2B5EF4-FFF2-40B4-BE49-F238E27FC236}">
-                <a16:creationId xmlns="" xmlns:a16="http://schemas.microsoft.com/office/drawing/2014/main" id="{BB104364-E6E3-4F55-A17E-6B33FF52D16B}"/>
+                <a16:creationId xmlns:a16="http://schemas.microsoft.com/office/drawing/2014/main" xmlns="" id="{BB104364-E6E3-4F55-A17E-6B33FF52D16B}"/>
               </a:ext>
             </a:extLst>
           </p:cNvPr>
@@ -514,7 +511,7 @@
           <p:cNvPr id="6" name="Foliennummernplatzhalter 5">
             <a:extLst>
               <a:ext uri="{FF2B5EF4-FFF2-40B4-BE49-F238E27FC236}">
-                <a16:creationId xmlns="" xmlns:a16="http://schemas.microsoft.com/office/drawing/2014/main" id="{F0B631E8-93BC-41CB-A779-AB269F130D9C}"/>
+                <a16:creationId xmlns:a16="http://schemas.microsoft.com/office/drawing/2014/main" xmlns="" id="{F0B631E8-93BC-41CB-A779-AB269F130D9C}"/>
               </a:ext>
             </a:extLst>
           </p:cNvPr>
@@ -573,7 +570,7 @@
           <p:cNvPr id="2" name="Vertikaler Titel 1">
             <a:extLst>
               <a:ext uri="{FF2B5EF4-FFF2-40B4-BE49-F238E27FC236}">
-                <a16:creationId xmlns="" xmlns:a16="http://schemas.microsoft.com/office/drawing/2014/main" id="{7028C6CD-E234-4CF2-B9C4-8AB86AAFA365}"/>
+                <a16:creationId xmlns:a16="http://schemas.microsoft.com/office/drawing/2014/main" xmlns="" id="{7028C6CD-E234-4CF2-B9C4-8AB86AAFA365}"/>
               </a:ext>
             </a:extLst>
           </p:cNvPr>
@@ -606,7 +603,7 @@
           <p:cNvPr id="3" name="Vertikaler Textplatzhalter 2">
             <a:extLst>
               <a:ext uri="{FF2B5EF4-FFF2-40B4-BE49-F238E27FC236}">
-                <a16:creationId xmlns="" xmlns:a16="http://schemas.microsoft.com/office/drawing/2014/main" id="{7678E3C7-33A3-4674-9DAA-016DB2A2A3EE}"/>
+                <a16:creationId xmlns:a16="http://schemas.microsoft.com/office/drawing/2014/main" xmlns="" id="{7678E3C7-33A3-4674-9DAA-016DB2A2A3EE}"/>
               </a:ext>
             </a:extLst>
           </p:cNvPr>
@@ -668,7 +665,7 @@
           <p:cNvPr id="4" name="Datumsplatzhalter 3">
             <a:extLst>
               <a:ext uri="{FF2B5EF4-FFF2-40B4-BE49-F238E27FC236}">
-                <a16:creationId xmlns="" xmlns:a16="http://schemas.microsoft.com/office/drawing/2014/main" id="{ED74217A-32C9-4C5C-9A94-A9390B07EE15}"/>
+                <a16:creationId xmlns:a16="http://schemas.microsoft.com/office/drawing/2014/main" xmlns="" id="{ED74217A-32C9-4C5C-9A94-A9390B07EE15}"/>
               </a:ext>
             </a:extLst>
           </p:cNvPr>
@@ -697,7 +694,7 @@
           <p:cNvPr id="5" name="Fußzeilenplatzhalter 4">
             <a:extLst>
               <a:ext uri="{FF2B5EF4-FFF2-40B4-BE49-F238E27FC236}">
-                <a16:creationId xmlns="" xmlns:a16="http://schemas.microsoft.com/office/drawing/2014/main" id="{6560C1FC-33E8-4920-99FF-27347DE776B0}"/>
+                <a16:creationId xmlns:a16="http://schemas.microsoft.com/office/drawing/2014/main" xmlns="" id="{6560C1FC-33E8-4920-99FF-27347DE776B0}"/>
               </a:ext>
             </a:extLst>
           </p:cNvPr>
@@ -722,7 +719,7 @@
           <p:cNvPr id="6" name="Foliennummernplatzhalter 5">
             <a:extLst>
               <a:ext uri="{FF2B5EF4-FFF2-40B4-BE49-F238E27FC236}">
-                <a16:creationId xmlns="" xmlns:a16="http://schemas.microsoft.com/office/drawing/2014/main" id="{A8F0576C-3FFC-437E-BD9B-92EBE4D20832}"/>
+                <a16:creationId xmlns:a16="http://schemas.microsoft.com/office/drawing/2014/main" xmlns="" id="{A8F0576C-3FFC-437E-BD9B-92EBE4D20832}"/>
               </a:ext>
             </a:extLst>
           </p:cNvPr>
@@ -781,7 +778,7 @@
           <p:cNvPr id="2" name="Titel 1">
             <a:extLst>
               <a:ext uri="{FF2B5EF4-FFF2-40B4-BE49-F238E27FC236}">
-                <a16:creationId xmlns="" xmlns:a16="http://schemas.microsoft.com/office/drawing/2014/main" id="{9EE7C8DC-9904-4B78-AB4C-AD98F977A63C}"/>
+                <a16:creationId xmlns:a16="http://schemas.microsoft.com/office/drawing/2014/main" xmlns="" id="{9EE7C8DC-9904-4B78-AB4C-AD98F977A63C}"/>
               </a:ext>
             </a:extLst>
           </p:cNvPr>
@@ -809,7 +806,7 @@
           <p:cNvPr id="3" name="Inhaltsplatzhalter 2">
             <a:extLst>
               <a:ext uri="{FF2B5EF4-FFF2-40B4-BE49-F238E27FC236}">
-                <a16:creationId xmlns="" xmlns:a16="http://schemas.microsoft.com/office/drawing/2014/main" id="{5A9500F2-658D-4895-9192-8DEBB66275E5}"/>
+                <a16:creationId xmlns:a16="http://schemas.microsoft.com/office/drawing/2014/main" xmlns="" id="{5A9500F2-658D-4895-9192-8DEBB66275E5}"/>
               </a:ext>
             </a:extLst>
           </p:cNvPr>
@@ -866,7 +863,7 @@
           <p:cNvPr id="4" name="Datumsplatzhalter 3">
             <a:extLst>
               <a:ext uri="{FF2B5EF4-FFF2-40B4-BE49-F238E27FC236}">
-                <a16:creationId xmlns="" xmlns:a16="http://schemas.microsoft.com/office/drawing/2014/main" id="{EBD7F105-D0D0-4D0F-A357-DEF33B12AA63}"/>
+                <a16:creationId xmlns:a16="http://schemas.microsoft.com/office/drawing/2014/main" xmlns="" id="{EBD7F105-D0D0-4D0F-A357-DEF33B12AA63}"/>
               </a:ext>
             </a:extLst>
           </p:cNvPr>
@@ -895,7 +892,7 @@
           <p:cNvPr id="5" name="Fußzeilenplatzhalter 4">
             <a:extLst>
               <a:ext uri="{FF2B5EF4-FFF2-40B4-BE49-F238E27FC236}">
-                <a16:creationId xmlns="" xmlns:a16="http://schemas.microsoft.com/office/drawing/2014/main" id="{B5464BFB-1666-4F71-B135-3B0A2CD7C7E7}"/>
+                <a16:creationId xmlns:a16="http://schemas.microsoft.com/office/drawing/2014/main" xmlns="" id="{B5464BFB-1666-4F71-B135-3B0A2CD7C7E7}"/>
               </a:ext>
             </a:extLst>
           </p:cNvPr>
@@ -920,7 +917,7 @@
           <p:cNvPr id="6" name="Foliennummernplatzhalter 5">
             <a:extLst>
               <a:ext uri="{FF2B5EF4-FFF2-40B4-BE49-F238E27FC236}">
-                <a16:creationId xmlns="" xmlns:a16="http://schemas.microsoft.com/office/drawing/2014/main" id="{D38BC77E-3FFB-4088-9A18-32B2B3BEE53A}"/>
+                <a16:creationId xmlns:a16="http://schemas.microsoft.com/office/drawing/2014/main" xmlns="" id="{D38BC77E-3FFB-4088-9A18-32B2B3BEE53A}"/>
               </a:ext>
             </a:extLst>
           </p:cNvPr>
@@ -979,7 +976,7 @@
           <p:cNvPr id="2" name="Titel 1">
             <a:extLst>
               <a:ext uri="{FF2B5EF4-FFF2-40B4-BE49-F238E27FC236}">
-                <a16:creationId xmlns="" xmlns:a16="http://schemas.microsoft.com/office/drawing/2014/main" id="{AAD2374F-A11A-47F6-BE8C-02FB57B01A22}"/>
+                <a16:creationId xmlns:a16="http://schemas.microsoft.com/office/drawing/2014/main" xmlns="" id="{AAD2374F-A11A-47F6-BE8C-02FB57B01A22}"/>
               </a:ext>
             </a:extLst>
           </p:cNvPr>
@@ -1016,7 +1013,7 @@
           <p:cNvPr id="3" name="Textplatzhalter 2">
             <a:extLst>
               <a:ext uri="{FF2B5EF4-FFF2-40B4-BE49-F238E27FC236}">
-                <a16:creationId xmlns="" xmlns:a16="http://schemas.microsoft.com/office/drawing/2014/main" id="{69BA6450-A259-48B9-9D06-D64FE0342158}"/>
+                <a16:creationId xmlns:a16="http://schemas.microsoft.com/office/drawing/2014/main" xmlns="" id="{69BA6450-A259-48B9-9D06-D64FE0342158}"/>
               </a:ext>
             </a:extLst>
           </p:cNvPr>
@@ -1141,7 +1138,7 @@
           <p:cNvPr id="4" name="Datumsplatzhalter 3">
             <a:extLst>
               <a:ext uri="{FF2B5EF4-FFF2-40B4-BE49-F238E27FC236}">
-                <a16:creationId xmlns="" xmlns:a16="http://schemas.microsoft.com/office/drawing/2014/main" id="{A5043AF1-48F8-41A2-88CF-22A9437877D3}"/>
+                <a16:creationId xmlns:a16="http://schemas.microsoft.com/office/drawing/2014/main" xmlns="" id="{A5043AF1-48F8-41A2-88CF-22A9437877D3}"/>
               </a:ext>
             </a:extLst>
           </p:cNvPr>
@@ -1170,7 +1167,7 @@
           <p:cNvPr id="5" name="Fußzeilenplatzhalter 4">
             <a:extLst>
               <a:ext uri="{FF2B5EF4-FFF2-40B4-BE49-F238E27FC236}">
-                <a16:creationId xmlns="" xmlns:a16="http://schemas.microsoft.com/office/drawing/2014/main" id="{915A90D0-BEB0-4371-8E30-1D1BB8549596}"/>
+                <a16:creationId xmlns:a16="http://schemas.microsoft.com/office/drawing/2014/main" xmlns="" id="{915A90D0-BEB0-4371-8E30-1D1BB8549596}"/>
               </a:ext>
             </a:extLst>
           </p:cNvPr>
@@ -1195,7 +1192,7 @@
           <p:cNvPr id="6" name="Foliennummernplatzhalter 5">
             <a:extLst>
               <a:ext uri="{FF2B5EF4-FFF2-40B4-BE49-F238E27FC236}">
-                <a16:creationId xmlns="" xmlns:a16="http://schemas.microsoft.com/office/drawing/2014/main" id="{AB7B7BED-C976-4852-B7FB-2C1B0842975C}"/>
+                <a16:creationId xmlns:a16="http://schemas.microsoft.com/office/drawing/2014/main" xmlns="" id="{AB7B7BED-C976-4852-B7FB-2C1B0842975C}"/>
               </a:ext>
             </a:extLst>
           </p:cNvPr>
@@ -1254,7 +1251,7 @@
           <p:cNvPr id="2" name="Titel 1">
             <a:extLst>
               <a:ext uri="{FF2B5EF4-FFF2-40B4-BE49-F238E27FC236}">
-                <a16:creationId xmlns="" xmlns:a16="http://schemas.microsoft.com/office/drawing/2014/main" id="{D61FE07F-D5C2-4874-8733-9A71F21D3983}"/>
+                <a16:creationId xmlns:a16="http://schemas.microsoft.com/office/drawing/2014/main" xmlns="" id="{D61FE07F-D5C2-4874-8733-9A71F21D3983}"/>
               </a:ext>
             </a:extLst>
           </p:cNvPr>
@@ -1282,7 +1279,7 @@
           <p:cNvPr id="3" name="Inhaltsplatzhalter 2">
             <a:extLst>
               <a:ext uri="{FF2B5EF4-FFF2-40B4-BE49-F238E27FC236}">
-                <a16:creationId xmlns="" xmlns:a16="http://schemas.microsoft.com/office/drawing/2014/main" id="{53C8F914-F011-4274-8522-AF01D08780DA}"/>
+                <a16:creationId xmlns:a16="http://schemas.microsoft.com/office/drawing/2014/main" xmlns="" id="{53C8F914-F011-4274-8522-AF01D08780DA}"/>
               </a:ext>
             </a:extLst>
           </p:cNvPr>
@@ -1344,7 +1341,7 @@
           <p:cNvPr id="4" name="Inhaltsplatzhalter 3">
             <a:extLst>
               <a:ext uri="{FF2B5EF4-FFF2-40B4-BE49-F238E27FC236}">
-                <a16:creationId xmlns="" xmlns:a16="http://schemas.microsoft.com/office/drawing/2014/main" id="{017C409E-98A4-4DBC-8F03-136C878FFE03}"/>
+                <a16:creationId xmlns:a16="http://schemas.microsoft.com/office/drawing/2014/main" xmlns="" id="{017C409E-98A4-4DBC-8F03-136C878FFE03}"/>
               </a:ext>
             </a:extLst>
           </p:cNvPr>
@@ -1406,7 +1403,7 @@
           <p:cNvPr id="5" name="Datumsplatzhalter 4">
             <a:extLst>
               <a:ext uri="{FF2B5EF4-FFF2-40B4-BE49-F238E27FC236}">
-                <a16:creationId xmlns="" xmlns:a16="http://schemas.microsoft.com/office/drawing/2014/main" id="{7927A7A8-9C6E-49C7-8B78-D24B9EE3F87F}"/>
+                <a16:creationId xmlns:a16="http://schemas.microsoft.com/office/drawing/2014/main" xmlns="" id="{7927A7A8-9C6E-49C7-8B78-D24B9EE3F87F}"/>
               </a:ext>
             </a:extLst>
           </p:cNvPr>
@@ -1435,7 +1432,7 @@
           <p:cNvPr id="6" name="Fußzeilenplatzhalter 5">
             <a:extLst>
               <a:ext uri="{FF2B5EF4-FFF2-40B4-BE49-F238E27FC236}">
-                <a16:creationId xmlns="" xmlns:a16="http://schemas.microsoft.com/office/drawing/2014/main" id="{ABC0D8BB-045A-48AB-9280-72A841A731C1}"/>
+                <a16:creationId xmlns:a16="http://schemas.microsoft.com/office/drawing/2014/main" xmlns="" id="{ABC0D8BB-045A-48AB-9280-72A841A731C1}"/>
               </a:ext>
             </a:extLst>
           </p:cNvPr>
@@ -1460,7 +1457,7 @@
           <p:cNvPr id="7" name="Foliennummernplatzhalter 6">
             <a:extLst>
               <a:ext uri="{FF2B5EF4-FFF2-40B4-BE49-F238E27FC236}">
-                <a16:creationId xmlns="" xmlns:a16="http://schemas.microsoft.com/office/drawing/2014/main" id="{B566400C-DDF1-43E2-9060-B9FD32C8BEE3}"/>
+                <a16:creationId xmlns:a16="http://schemas.microsoft.com/office/drawing/2014/main" xmlns="" id="{B566400C-DDF1-43E2-9060-B9FD32C8BEE3}"/>
               </a:ext>
             </a:extLst>
           </p:cNvPr>
@@ -1519,7 +1516,7 @@
           <p:cNvPr id="2" name="Titel 1">
             <a:extLst>
               <a:ext uri="{FF2B5EF4-FFF2-40B4-BE49-F238E27FC236}">
-                <a16:creationId xmlns="" xmlns:a16="http://schemas.microsoft.com/office/drawing/2014/main" id="{3A73864D-0211-40B8-99E9-1198AF126D56}"/>
+                <a16:creationId xmlns:a16="http://schemas.microsoft.com/office/drawing/2014/main" xmlns="" id="{3A73864D-0211-40B8-99E9-1198AF126D56}"/>
               </a:ext>
             </a:extLst>
           </p:cNvPr>
@@ -1552,7 +1549,7 @@
           <p:cNvPr id="3" name="Textplatzhalter 2">
             <a:extLst>
               <a:ext uri="{FF2B5EF4-FFF2-40B4-BE49-F238E27FC236}">
-                <a16:creationId xmlns="" xmlns:a16="http://schemas.microsoft.com/office/drawing/2014/main" id="{34520640-7764-495C-B51A-57F31A6DEDB6}"/>
+                <a16:creationId xmlns:a16="http://schemas.microsoft.com/office/drawing/2014/main" xmlns="" id="{34520640-7764-495C-B51A-57F31A6DEDB6}"/>
               </a:ext>
             </a:extLst>
           </p:cNvPr>
@@ -1623,7 +1620,7 @@
           <p:cNvPr id="4" name="Inhaltsplatzhalter 3">
             <a:extLst>
               <a:ext uri="{FF2B5EF4-FFF2-40B4-BE49-F238E27FC236}">
-                <a16:creationId xmlns="" xmlns:a16="http://schemas.microsoft.com/office/drawing/2014/main" id="{B8FD713A-E899-4D01-903C-9E022A869DDB}"/>
+                <a16:creationId xmlns:a16="http://schemas.microsoft.com/office/drawing/2014/main" xmlns="" id="{B8FD713A-E899-4D01-903C-9E022A869DDB}"/>
               </a:ext>
             </a:extLst>
           </p:cNvPr>
@@ -1685,7 +1682,7 @@
           <p:cNvPr id="5" name="Textplatzhalter 4">
             <a:extLst>
               <a:ext uri="{FF2B5EF4-FFF2-40B4-BE49-F238E27FC236}">
-                <a16:creationId xmlns="" xmlns:a16="http://schemas.microsoft.com/office/drawing/2014/main" id="{C2439893-04F8-497C-AEE6-F1CBA0DEBD99}"/>
+                <a16:creationId xmlns:a16="http://schemas.microsoft.com/office/drawing/2014/main" xmlns="" id="{C2439893-04F8-497C-AEE6-F1CBA0DEBD99}"/>
               </a:ext>
             </a:extLst>
           </p:cNvPr>
@@ -1756,7 +1753,7 @@
           <p:cNvPr id="6" name="Inhaltsplatzhalter 5">
             <a:extLst>
               <a:ext uri="{FF2B5EF4-FFF2-40B4-BE49-F238E27FC236}">
-                <a16:creationId xmlns="" xmlns:a16="http://schemas.microsoft.com/office/drawing/2014/main" id="{70AF88EB-4824-4E57-8129-3F3C6ACCF514}"/>
+                <a16:creationId xmlns:a16="http://schemas.microsoft.com/office/drawing/2014/main" xmlns="" id="{70AF88EB-4824-4E57-8129-3F3C6ACCF514}"/>
               </a:ext>
             </a:extLst>
           </p:cNvPr>
@@ -1818,7 +1815,7 @@
           <p:cNvPr id="7" name="Datumsplatzhalter 6">
             <a:extLst>
               <a:ext uri="{FF2B5EF4-FFF2-40B4-BE49-F238E27FC236}">
-                <a16:creationId xmlns="" xmlns:a16="http://schemas.microsoft.com/office/drawing/2014/main" id="{922013B6-9AB8-42C0-B873-9C37A5DFCA7B}"/>
+                <a16:creationId xmlns:a16="http://schemas.microsoft.com/office/drawing/2014/main" xmlns="" id="{922013B6-9AB8-42C0-B873-9C37A5DFCA7B}"/>
               </a:ext>
             </a:extLst>
           </p:cNvPr>
@@ -1847,7 +1844,7 @@
           <p:cNvPr id="8" name="Fußzeilenplatzhalter 7">
             <a:extLst>
               <a:ext uri="{FF2B5EF4-FFF2-40B4-BE49-F238E27FC236}">
-                <a16:creationId xmlns="" xmlns:a16="http://schemas.microsoft.com/office/drawing/2014/main" id="{67F17E85-F6F5-4348-977A-1317F2CC04C2}"/>
+                <a16:creationId xmlns:a16="http://schemas.microsoft.com/office/drawing/2014/main" xmlns="" id="{67F17E85-F6F5-4348-977A-1317F2CC04C2}"/>
               </a:ext>
             </a:extLst>
           </p:cNvPr>
@@ -1872,7 +1869,7 @@
           <p:cNvPr id="9" name="Foliennummernplatzhalter 8">
             <a:extLst>
               <a:ext uri="{FF2B5EF4-FFF2-40B4-BE49-F238E27FC236}">
-                <a16:creationId xmlns="" xmlns:a16="http://schemas.microsoft.com/office/drawing/2014/main" id="{75D1B8BA-8564-4168-909A-17670D9D5E57}"/>
+                <a16:creationId xmlns:a16="http://schemas.microsoft.com/office/drawing/2014/main" xmlns="" id="{75D1B8BA-8564-4168-909A-17670D9D5E57}"/>
               </a:ext>
             </a:extLst>
           </p:cNvPr>
@@ -1931,7 +1928,7 @@
           <p:cNvPr id="2" name="Titel 1">
             <a:extLst>
               <a:ext uri="{FF2B5EF4-FFF2-40B4-BE49-F238E27FC236}">
-                <a16:creationId xmlns="" xmlns:a16="http://schemas.microsoft.com/office/drawing/2014/main" id="{447272D9-8265-4DAC-9C4D-AE19854BA160}"/>
+                <a16:creationId xmlns:a16="http://schemas.microsoft.com/office/drawing/2014/main" xmlns="" id="{447272D9-8265-4DAC-9C4D-AE19854BA160}"/>
               </a:ext>
             </a:extLst>
           </p:cNvPr>
@@ -1959,7 +1956,7 @@
           <p:cNvPr id="3" name="Datumsplatzhalter 2">
             <a:extLst>
               <a:ext uri="{FF2B5EF4-FFF2-40B4-BE49-F238E27FC236}">
-                <a16:creationId xmlns="" xmlns:a16="http://schemas.microsoft.com/office/drawing/2014/main" id="{12C99F0F-13EC-458B-8F76-2926113ACA98}"/>
+                <a16:creationId xmlns:a16="http://schemas.microsoft.com/office/drawing/2014/main" xmlns="" id="{12C99F0F-13EC-458B-8F76-2926113ACA98}"/>
               </a:ext>
             </a:extLst>
           </p:cNvPr>
@@ -1988,7 +1985,7 @@
           <p:cNvPr id="4" name="Fußzeilenplatzhalter 3">
             <a:extLst>
               <a:ext uri="{FF2B5EF4-FFF2-40B4-BE49-F238E27FC236}">
-                <a16:creationId xmlns="" xmlns:a16="http://schemas.microsoft.com/office/drawing/2014/main" id="{6536CE8E-BFEF-4611-AC37-EB9B68E7AE42}"/>
+                <a16:creationId xmlns:a16="http://schemas.microsoft.com/office/drawing/2014/main" xmlns="" id="{6536CE8E-BFEF-4611-AC37-EB9B68E7AE42}"/>
               </a:ext>
             </a:extLst>
           </p:cNvPr>
@@ -2013,7 +2010,7 @@
           <p:cNvPr id="5" name="Foliennummernplatzhalter 4">
             <a:extLst>
               <a:ext uri="{FF2B5EF4-FFF2-40B4-BE49-F238E27FC236}">
-                <a16:creationId xmlns="" xmlns:a16="http://schemas.microsoft.com/office/drawing/2014/main" id="{9A313A11-CA7B-49B8-96BF-D18BC4ED5C30}"/>
+                <a16:creationId xmlns:a16="http://schemas.microsoft.com/office/drawing/2014/main" xmlns="" id="{9A313A11-CA7B-49B8-96BF-D18BC4ED5C30}"/>
               </a:ext>
             </a:extLst>
           </p:cNvPr>
@@ -2072,7 +2069,7 @@
           <p:cNvPr id="2" name="Datumsplatzhalter 1">
             <a:extLst>
               <a:ext uri="{FF2B5EF4-FFF2-40B4-BE49-F238E27FC236}">
-                <a16:creationId xmlns="" xmlns:a16="http://schemas.microsoft.com/office/drawing/2014/main" id="{9DAAD167-B6B9-4800-B5F3-784351543379}"/>
+                <a16:creationId xmlns:a16="http://schemas.microsoft.com/office/drawing/2014/main" xmlns="" id="{9DAAD167-B6B9-4800-B5F3-784351543379}"/>
               </a:ext>
             </a:extLst>
           </p:cNvPr>
@@ -2101,7 +2098,7 @@
           <p:cNvPr id="3" name="Fußzeilenplatzhalter 2">
             <a:extLst>
               <a:ext uri="{FF2B5EF4-FFF2-40B4-BE49-F238E27FC236}">
-                <a16:creationId xmlns="" xmlns:a16="http://schemas.microsoft.com/office/drawing/2014/main" id="{68437D65-F5EA-44B2-AD8E-CA48AEA38A63}"/>
+                <a16:creationId xmlns:a16="http://schemas.microsoft.com/office/drawing/2014/main" xmlns="" id="{68437D65-F5EA-44B2-AD8E-CA48AEA38A63}"/>
               </a:ext>
             </a:extLst>
           </p:cNvPr>
@@ -2126,7 +2123,7 @@
           <p:cNvPr id="4" name="Foliennummernplatzhalter 3">
             <a:extLst>
               <a:ext uri="{FF2B5EF4-FFF2-40B4-BE49-F238E27FC236}">
-                <a16:creationId xmlns="" xmlns:a16="http://schemas.microsoft.com/office/drawing/2014/main" id="{DB1EFC09-7A1B-4248-8437-05816470AF19}"/>
+                <a16:creationId xmlns:a16="http://schemas.microsoft.com/office/drawing/2014/main" xmlns="" id="{DB1EFC09-7A1B-4248-8437-05816470AF19}"/>
               </a:ext>
             </a:extLst>
           </p:cNvPr>
@@ -2185,7 +2182,7 @@
           <p:cNvPr id="2" name="Titel 1">
             <a:extLst>
               <a:ext uri="{FF2B5EF4-FFF2-40B4-BE49-F238E27FC236}">
-                <a16:creationId xmlns="" xmlns:a16="http://schemas.microsoft.com/office/drawing/2014/main" id="{BDBD8E93-4551-4117-B89A-7FF8102F57C3}"/>
+                <a16:creationId xmlns:a16="http://schemas.microsoft.com/office/drawing/2014/main" xmlns="" id="{BDBD8E93-4551-4117-B89A-7FF8102F57C3}"/>
               </a:ext>
             </a:extLst>
           </p:cNvPr>
@@ -2222,7 +2219,7 @@
           <p:cNvPr id="3" name="Inhaltsplatzhalter 2">
             <a:extLst>
               <a:ext uri="{FF2B5EF4-FFF2-40B4-BE49-F238E27FC236}">
-                <a16:creationId xmlns="" xmlns:a16="http://schemas.microsoft.com/office/drawing/2014/main" id="{B4B29FB4-C247-4FE8-9EFB-1D65856A449A}"/>
+                <a16:creationId xmlns:a16="http://schemas.microsoft.com/office/drawing/2014/main" xmlns="" id="{B4B29FB4-C247-4FE8-9EFB-1D65856A449A}"/>
               </a:ext>
             </a:extLst>
           </p:cNvPr>
@@ -2312,7 +2309,7 @@
           <p:cNvPr id="4" name="Textplatzhalter 3">
             <a:extLst>
               <a:ext uri="{FF2B5EF4-FFF2-40B4-BE49-F238E27FC236}">
-                <a16:creationId xmlns="" xmlns:a16="http://schemas.microsoft.com/office/drawing/2014/main" id="{9ADD535D-4CD6-4F0B-82E4-540CE644FFD8}"/>
+                <a16:creationId xmlns:a16="http://schemas.microsoft.com/office/drawing/2014/main" xmlns="" id="{9ADD535D-4CD6-4F0B-82E4-540CE644FFD8}"/>
               </a:ext>
             </a:extLst>
           </p:cNvPr>
@@ -2383,7 +2380,7 @@
           <p:cNvPr id="5" name="Datumsplatzhalter 4">
             <a:extLst>
               <a:ext uri="{FF2B5EF4-FFF2-40B4-BE49-F238E27FC236}">
-                <a16:creationId xmlns="" xmlns:a16="http://schemas.microsoft.com/office/drawing/2014/main" id="{1474C9E0-8B7B-4D07-A9FF-2DFCEA5FBC14}"/>
+                <a16:creationId xmlns:a16="http://schemas.microsoft.com/office/drawing/2014/main" xmlns="" id="{1474C9E0-8B7B-4D07-A9FF-2DFCEA5FBC14}"/>
               </a:ext>
             </a:extLst>
           </p:cNvPr>
@@ -2412,7 +2409,7 @@
           <p:cNvPr id="6" name="Fußzeilenplatzhalter 5">
             <a:extLst>
               <a:ext uri="{FF2B5EF4-FFF2-40B4-BE49-F238E27FC236}">
-                <a16:creationId xmlns="" xmlns:a16="http://schemas.microsoft.com/office/drawing/2014/main" id="{7B0C67BD-6534-4D1C-B584-BAE48C1975F5}"/>
+                <a16:creationId xmlns:a16="http://schemas.microsoft.com/office/drawing/2014/main" xmlns="" id="{7B0C67BD-6534-4D1C-B584-BAE48C1975F5}"/>
               </a:ext>
             </a:extLst>
           </p:cNvPr>
@@ -2437,7 +2434,7 @@
           <p:cNvPr id="7" name="Foliennummernplatzhalter 6">
             <a:extLst>
               <a:ext uri="{FF2B5EF4-FFF2-40B4-BE49-F238E27FC236}">
-                <a16:creationId xmlns="" xmlns:a16="http://schemas.microsoft.com/office/drawing/2014/main" id="{484BD235-3B9D-43D0-B27C-8CF1301B94D7}"/>
+                <a16:creationId xmlns:a16="http://schemas.microsoft.com/office/drawing/2014/main" xmlns="" id="{484BD235-3B9D-43D0-B27C-8CF1301B94D7}"/>
               </a:ext>
             </a:extLst>
           </p:cNvPr>
@@ -2496,7 +2493,7 @@
           <p:cNvPr id="2" name="Titel 1">
             <a:extLst>
               <a:ext uri="{FF2B5EF4-FFF2-40B4-BE49-F238E27FC236}">
-                <a16:creationId xmlns="" xmlns:a16="http://schemas.microsoft.com/office/drawing/2014/main" id="{B6C3A1D9-C66B-493C-8723-43753193C72E}"/>
+                <a16:creationId xmlns:a16="http://schemas.microsoft.com/office/drawing/2014/main" xmlns="" id="{B6C3A1D9-C66B-493C-8723-43753193C72E}"/>
               </a:ext>
             </a:extLst>
           </p:cNvPr>
@@ -2533,7 +2530,7 @@
           <p:cNvPr id="3" name="Bildplatzhalter 2">
             <a:extLst>
               <a:ext uri="{FF2B5EF4-FFF2-40B4-BE49-F238E27FC236}">
-                <a16:creationId xmlns="" xmlns:a16="http://schemas.microsoft.com/office/drawing/2014/main" id="{BBDEDE33-8C29-4F32-9072-870FF56B7A30}"/>
+                <a16:creationId xmlns:a16="http://schemas.microsoft.com/office/drawing/2014/main" xmlns="" id="{BBDEDE33-8C29-4F32-9072-870FF56B7A30}"/>
               </a:ext>
             </a:extLst>
           </p:cNvPr>
@@ -2600,7 +2597,7 @@
           <p:cNvPr id="4" name="Textplatzhalter 3">
             <a:extLst>
               <a:ext uri="{FF2B5EF4-FFF2-40B4-BE49-F238E27FC236}">
-                <a16:creationId xmlns="" xmlns:a16="http://schemas.microsoft.com/office/drawing/2014/main" id="{173D6040-4151-44A4-8E90-D86A50559A3D}"/>
+                <a16:creationId xmlns:a16="http://schemas.microsoft.com/office/drawing/2014/main" xmlns="" id="{173D6040-4151-44A4-8E90-D86A50559A3D}"/>
               </a:ext>
             </a:extLst>
           </p:cNvPr>
@@ -2671,7 +2668,7 @@
           <p:cNvPr id="5" name="Datumsplatzhalter 4">
             <a:extLst>
               <a:ext uri="{FF2B5EF4-FFF2-40B4-BE49-F238E27FC236}">
-                <a16:creationId xmlns="" xmlns:a16="http://schemas.microsoft.com/office/drawing/2014/main" id="{77F449BC-7F2D-4E14-9FBF-B6D018209F7F}"/>
+                <a16:creationId xmlns:a16="http://schemas.microsoft.com/office/drawing/2014/main" xmlns="" id="{77F449BC-7F2D-4E14-9FBF-B6D018209F7F}"/>
               </a:ext>
             </a:extLst>
           </p:cNvPr>
@@ -2700,7 +2697,7 @@
           <p:cNvPr id="6" name="Fußzeilenplatzhalter 5">
             <a:extLst>
               <a:ext uri="{FF2B5EF4-FFF2-40B4-BE49-F238E27FC236}">
-                <a16:creationId xmlns="" xmlns:a16="http://schemas.microsoft.com/office/drawing/2014/main" id="{BBFB19E3-BBCB-4887-866C-755978CB51AE}"/>
+                <a16:creationId xmlns:a16="http://schemas.microsoft.com/office/drawing/2014/main" xmlns="" id="{BBFB19E3-BBCB-4887-866C-755978CB51AE}"/>
               </a:ext>
             </a:extLst>
           </p:cNvPr>
@@ -2725,7 +2722,7 @@
           <p:cNvPr id="7" name="Foliennummernplatzhalter 6">
             <a:extLst>
               <a:ext uri="{FF2B5EF4-FFF2-40B4-BE49-F238E27FC236}">
-                <a16:creationId xmlns="" xmlns:a16="http://schemas.microsoft.com/office/drawing/2014/main" id="{81CA07D5-3FF3-4B03-BC33-B7333F5C81C8}"/>
+                <a16:creationId xmlns:a16="http://schemas.microsoft.com/office/drawing/2014/main" xmlns="" id="{81CA07D5-3FF3-4B03-BC33-B7333F5C81C8}"/>
               </a:ext>
             </a:extLst>
           </p:cNvPr>
@@ -2789,7 +2786,7 @@
           <p:cNvPr id="2" name="Titelplatzhalter 1">
             <a:extLst>
               <a:ext uri="{FF2B5EF4-FFF2-40B4-BE49-F238E27FC236}">
-                <a16:creationId xmlns="" xmlns:a16="http://schemas.microsoft.com/office/drawing/2014/main" id="{F9671743-B607-45C7-A59B-EE213493F939}"/>
+                <a16:creationId xmlns:a16="http://schemas.microsoft.com/office/drawing/2014/main" xmlns="" id="{F9671743-B607-45C7-A59B-EE213493F939}"/>
               </a:ext>
             </a:extLst>
           </p:cNvPr>
@@ -2827,7 +2824,7 @@
           <p:cNvPr id="3" name="Textplatzhalter 2">
             <a:extLst>
               <a:ext uri="{FF2B5EF4-FFF2-40B4-BE49-F238E27FC236}">
-                <a16:creationId xmlns="" xmlns:a16="http://schemas.microsoft.com/office/drawing/2014/main" id="{8B942FCE-F3D2-4FD8-9A0B-BE4CE0909BA3}"/>
+                <a16:creationId xmlns:a16="http://schemas.microsoft.com/office/drawing/2014/main" xmlns="" id="{8B942FCE-F3D2-4FD8-9A0B-BE4CE0909BA3}"/>
               </a:ext>
             </a:extLst>
           </p:cNvPr>
@@ -2894,7 +2891,7 @@
           <p:cNvPr id="4" name="Datumsplatzhalter 3">
             <a:extLst>
               <a:ext uri="{FF2B5EF4-FFF2-40B4-BE49-F238E27FC236}">
-                <a16:creationId xmlns="" xmlns:a16="http://schemas.microsoft.com/office/drawing/2014/main" id="{1DCB7404-17FB-406A-B5A0-D9B17B36E908}"/>
+                <a16:creationId xmlns:a16="http://schemas.microsoft.com/office/drawing/2014/main" xmlns="" id="{1DCB7404-17FB-406A-B5A0-D9B17B36E908}"/>
               </a:ext>
             </a:extLst>
           </p:cNvPr>
@@ -2941,7 +2938,7 @@
           <p:cNvPr id="5" name="Fußzeilenplatzhalter 4">
             <a:extLst>
               <a:ext uri="{FF2B5EF4-FFF2-40B4-BE49-F238E27FC236}">
-                <a16:creationId xmlns="" xmlns:a16="http://schemas.microsoft.com/office/drawing/2014/main" id="{0DAE4BA2-2C2F-471D-A6AC-9A20C617E2E8}"/>
+                <a16:creationId xmlns:a16="http://schemas.microsoft.com/office/drawing/2014/main" xmlns="" id="{0DAE4BA2-2C2F-471D-A6AC-9A20C617E2E8}"/>
               </a:ext>
             </a:extLst>
           </p:cNvPr>
@@ -2984,7 +2981,7 @@
           <p:cNvPr id="6" name="Foliennummernplatzhalter 5">
             <a:extLst>
               <a:ext uri="{FF2B5EF4-FFF2-40B4-BE49-F238E27FC236}">
-                <a16:creationId xmlns="" xmlns:a16="http://schemas.microsoft.com/office/drawing/2014/main" id="{61769F94-09FF-4693-B163-03A8E79BC295}"/>
+                <a16:creationId xmlns:a16="http://schemas.microsoft.com/office/drawing/2014/main" xmlns="" id="{61769F94-09FF-4693-B163-03A8E79BC295}"/>
               </a:ext>
             </a:extLst>
           </p:cNvPr>
@@ -3352,7 +3349,7 @@
           <p:cNvPr id="3" name="Untertitel 2">
             <a:extLst>
               <a:ext uri="{FF2B5EF4-FFF2-40B4-BE49-F238E27FC236}">
-                <a16:creationId xmlns="" xmlns:a16="http://schemas.microsoft.com/office/drawing/2014/main" id="{A2320168-B360-4EB7-9A9D-89200864A043}"/>
+                <a16:creationId xmlns:a16="http://schemas.microsoft.com/office/drawing/2014/main" xmlns="" id="{A2320168-B360-4EB7-9A9D-89200864A043}"/>
               </a:ext>
             </a:extLst>
           </p:cNvPr>
@@ -3598,7 +3595,7 @@
           <p:cNvPr id="7" name="Titel 1">
             <a:extLst>
               <a:ext uri="{FF2B5EF4-FFF2-40B4-BE49-F238E27FC236}">
-                <a16:creationId xmlns="" xmlns:a16="http://schemas.microsoft.com/office/drawing/2014/main" id="{363E5469-058A-4438-AA03-EEEFDD1B106B}"/>
+                <a16:creationId xmlns:a16="http://schemas.microsoft.com/office/drawing/2014/main" xmlns="" id="{363E5469-058A-4438-AA03-EEEFDD1B106B}"/>
               </a:ext>
             </a:extLst>
           </p:cNvPr>
@@ -3683,7 +3680,7 @@
           <p:cNvPr id="2" name="Titel 1">
             <a:extLst>
               <a:ext uri="{FF2B5EF4-FFF2-40B4-BE49-F238E27FC236}">
-                <a16:creationId xmlns="" xmlns:a16="http://schemas.microsoft.com/office/drawing/2014/main" id="{8540D060-8817-4429-8800-FFC613CA5B8F}"/>
+                <a16:creationId xmlns:a16="http://schemas.microsoft.com/office/drawing/2014/main" xmlns="" id="{1F89CF23-241D-4F08-93ED-6FBC5FDD6662}"/>
               </a:ext>
             </a:extLst>
           </p:cNvPr>
@@ -3701,7 +3698,7 @@
           <a:p>
             <a:r>
               <a:rPr lang="de-DE" dirty="0"/>
-              <a:t>Styles</a:t>
+              <a:t>Model</a:t>
             </a:r>
           </a:p>
         </p:txBody>
@@ -3711,7 +3708,7 @@
           <p:cNvPr id="3" name="Inhaltsplatzhalter 2">
             <a:extLst>
               <a:ext uri="{FF2B5EF4-FFF2-40B4-BE49-F238E27FC236}">
-                <a16:creationId xmlns="" xmlns:a16="http://schemas.microsoft.com/office/drawing/2014/main" id="{3A4BDF82-734B-471F-B07F-EC43378533DC}"/>
+                <a16:creationId xmlns:a16="http://schemas.microsoft.com/office/drawing/2014/main" xmlns="" id="{8A9D8746-323A-4EE8-956D-CC088FE745B1}"/>
               </a:ext>
             </a:extLst>
           </p:cNvPr>
@@ -3725,7 +3722,7 @@
         <p:spPr>
           <a:xfrm>
             <a:off x="838200" y="1825625"/>
-            <a:ext cx="10515600" cy="2888418"/>
+            <a:ext cx="10515600" cy="4351338"/>
           </a:xfrm>
         </p:spPr>
         <p:txBody>
@@ -3734,36 +3731,27 @@
           <a:p>
             <a:r>
               <a:rPr lang="de-DE" dirty="0"/>
-              <a:t>Aussehen von Elementen</a:t>
+              <a:t>Informationen zu Business Objekten</a:t>
             </a:r>
           </a:p>
           <a:p>
             <a:r>
               <a:rPr lang="de-DE" dirty="0"/>
-              <a:t>Eigene Templates</a:t>
+              <a:t>Kann Validierung enthalten</a:t>
             </a:r>
           </a:p>
           <a:p>
             <a:r>
               <a:rPr lang="de-DE" dirty="0"/>
-              <a:t>Vererbung</a:t>
-            </a:r>
-          </a:p>
-          <a:p>
-            <a:endParaRPr lang="de-DE" dirty="0"/>
-          </a:p>
-          <a:p>
-            <a:pPr marL="0" indent="0">
-              <a:buNone/>
-            </a:pPr>
-            <a:endParaRPr lang="de-DE" dirty="0"/>
+              <a:t>Business Logik</a:t>
+            </a:r>
           </a:p>
         </p:txBody>
       </p:sp>
     </p:spTree>
     <p:extLst>
       <p:ext uri="{BB962C8B-B14F-4D97-AF65-F5344CB8AC3E}">
-        <p14:creationId xmlns:p14="http://schemas.microsoft.com/office/powerpoint/2010/main" val="4282534610"/>
+        <p14:creationId xmlns:p14="http://schemas.microsoft.com/office/powerpoint/2010/main" val="1513587001"/>
       </p:ext>
     </p:extLst>
   </p:cSld>
@@ -3795,7 +3783,7 @@
           <p:cNvPr id="2" name="Titel 1">
             <a:extLst>
               <a:ext uri="{FF2B5EF4-FFF2-40B4-BE49-F238E27FC236}">
-                <a16:creationId xmlns="" xmlns:a16="http://schemas.microsoft.com/office/drawing/2014/main" id="{8540D060-8817-4429-8800-FFC613CA5B8F}"/>
+                <a16:creationId xmlns:a16="http://schemas.microsoft.com/office/drawing/2014/main" xmlns="" id="{1F89CF23-241D-4F08-93ED-6FBC5FDD6662}"/>
               </a:ext>
             </a:extLst>
           </p:cNvPr>
@@ -3812,10 +3800,9 @@
           <a:lstStyle/>
           <a:p>
             <a:r>
-              <a:rPr lang="de-DE" dirty="0" err="1"/>
-              <a:t>DataTemplates</a:t>
-            </a:r>
-            <a:endParaRPr lang="de-DE" dirty="0"/>
+              <a:rPr lang="de-DE" dirty="0"/>
+              <a:t>View</a:t>
+            </a:r>
           </a:p>
         </p:txBody>
       </p:sp>
@@ -3824,7 +3811,7 @@
           <p:cNvPr id="3" name="Inhaltsplatzhalter 2">
             <a:extLst>
               <a:ext uri="{FF2B5EF4-FFF2-40B4-BE49-F238E27FC236}">
-                <a16:creationId xmlns="" xmlns:a16="http://schemas.microsoft.com/office/drawing/2014/main" id="{455420F9-5E12-43CA-8209-4006AC679609}"/>
+                <a16:creationId xmlns:a16="http://schemas.microsoft.com/office/drawing/2014/main" xmlns="" id="{8A9D8746-323A-4EE8-956D-CC088FE745B1}"/>
               </a:ext>
             </a:extLst>
           </p:cNvPr>
@@ -3838,7 +3825,7 @@
         <p:spPr>
           <a:xfrm>
             <a:off x="838200" y="1825625"/>
-            <a:ext cx="10515600" cy="642367"/>
+            <a:ext cx="10515600" cy="4351338"/>
           </a:xfrm>
         </p:spPr>
         <p:txBody>
@@ -3847,16 +3834,33 @@
           <a:p>
             <a:r>
               <a:rPr lang="de-DE" dirty="0"/>
-              <a:t>Aussehen von Daten</a:t>
-            </a:r>
-          </a:p>
-          <a:p>
+              <a:t>Benutzeroberfläche (XAML)</a:t>
+            </a:r>
+          </a:p>
+          <a:p>
+            <a:r>
+              <a:rPr lang="de-DE" dirty="0"/>
+              <a:t>UI-spezifischen Code</a:t>
+            </a:r>
+          </a:p>
+          <a:p>
+            <a:r>
+              <a:rPr lang="de-DE" dirty="0"/>
+              <a:t>Nutzt Binding</a:t>
+            </a:r>
+          </a:p>
+          <a:p>
+            <a:r>
+              <a:rPr lang="de-DE" dirty="0"/>
+              <a:t>Daten kommen aus dem </a:t>
+            </a:r>
+            <a:r>
+              <a:rPr lang="de-DE" dirty="0" err="1"/>
+              <a:t>ViewModel</a:t>
+            </a:r>
             <a:endParaRPr lang="de-DE" dirty="0"/>
           </a:p>
           <a:p>
-            <a:pPr marL="0" indent="0">
-              <a:buNone/>
-            </a:pPr>
             <a:endParaRPr lang="de-DE" dirty="0"/>
           </a:p>
         </p:txBody>
@@ -3864,7 +3868,7 @@
     </p:spTree>
     <p:extLst>
       <p:ext uri="{BB962C8B-B14F-4D97-AF65-F5344CB8AC3E}">
-        <p14:creationId xmlns:p14="http://schemas.microsoft.com/office/powerpoint/2010/main" val="3373848291"/>
+        <p14:creationId xmlns:p14="http://schemas.microsoft.com/office/powerpoint/2010/main" val="3172332370"/>
       </p:ext>
     </p:extLst>
   </p:cSld>
@@ -3896,7 +3900,7 @@
           <p:cNvPr id="2" name="Titel 1">
             <a:extLst>
               <a:ext uri="{FF2B5EF4-FFF2-40B4-BE49-F238E27FC236}">
-                <a16:creationId xmlns="" xmlns:a16="http://schemas.microsoft.com/office/drawing/2014/main" id="{8540D060-8817-4429-8800-FFC613CA5B8F}"/>
+                <a16:creationId xmlns:a16="http://schemas.microsoft.com/office/drawing/2014/main" xmlns="" id="{1F89CF23-241D-4F08-93ED-6FBC5FDD6662}"/>
               </a:ext>
             </a:extLst>
           </p:cNvPr>
@@ -3905,47 +3909,92 @@
           </p:cNvSpPr>
           <p:nvPr>
             <p:ph type="title"/>
+          </p:nvPr>
+        </p:nvSpPr>
+        <p:spPr/>
+        <p:txBody>
+          <a:bodyPr/>
+          <a:lstStyle/>
+          <a:p>
+            <a:r>
+              <a:rPr lang="de-DE" dirty="0" err="1"/>
+              <a:t>ViewModel</a:t>
+            </a:r>
+            <a:endParaRPr lang="de-DE" dirty="0"/>
+          </a:p>
+        </p:txBody>
+      </p:sp>
+      <p:sp>
+        <p:nvSpPr>
+          <p:cNvPr id="3" name="Inhaltsplatzhalter 2">
+            <a:extLst>
+              <a:ext uri="{FF2B5EF4-FFF2-40B4-BE49-F238E27FC236}">
+                <a16:creationId xmlns:a16="http://schemas.microsoft.com/office/drawing/2014/main" xmlns="" id="{8A9D8746-323A-4EE8-956D-CC088FE745B1}"/>
+              </a:ext>
+            </a:extLst>
+          </p:cNvPr>
+          <p:cNvSpPr>
+            <a:spLocks noGrp="1"/>
+          </p:cNvSpPr>
+          <p:nvPr>
+            <p:ph idx="1"/>
           </p:nvPr>
         </p:nvSpPr>
         <p:spPr>
           <a:xfrm>
-            <a:off x="838200" y="365125"/>
-            <a:ext cx="10515600" cy="5973531"/>
+            <a:off x="838200" y="1825625"/>
+            <a:ext cx="10515600" cy="4351338"/>
           </a:xfrm>
         </p:spPr>
         <p:txBody>
-          <a:bodyPr>
-            <a:normAutofit/>
-          </a:bodyPr>
-          <a:lstStyle/>
-          <a:p>
-            <a:pPr algn="ctr"/>
-            <a:r>
-              <a:rPr lang="de-DE" sz="5400" dirty="0"/>
-              <a:t>Model – View – </a:t>
-            </a:r>
-            <a:r>
-              <a:rPr lang="de-DE" sz="5400" dirty="0" err="1"/>
-              <a:t>ViewModel</a:t>
-            </a:r>
-            <a:r>
-              <a:rPr lang="de-DE" sz="5400" dirty="0"/>
-              <a:t/>
-            </a:r>
-            <a:br>
-              <a:rPr lang="de-DE" sz="5400" dirty="0"/>
-            </a:br>
-            <a:r>
-              <a:rPr lang="de-DE" sz="5400" dirty="0"/>
-              <a:t>MVVM</a:t>
-            </a:r>
+          <a:bodyPr/>
+          <a:lstStyle/>
+          <a:p>
+            <a:r>
+              <a:rPr lang="de-DE" dirty="0"/>
+              <a:t>Stellt Kommandos und Daten bereit</a:t>
+            </a:r>
+          </a:p>
+          <a:p>
+            <a:r>
+              <a:rPr lang="de-DE" dirty="0"/>
+              <a:t>Weitere Informationen, wie </a:t>
+            </a:r>
+          </a:p>
+          <a:p>
+            <a:pPr lvl="1"/>
+            <a:r>
+              <a:rPr lang="de-DE" dirty="0"/>
+              <a:t>Kann ein Kommando ausgeführt werden?</a:t>
+            </a:r>
+          </a:p>
+          <a:p>
+            <a:r>
+              <a:rPr lang="de-DE" dirty="0"/>
+              <a:t>KEINE </a:t>
+            </a:r>
+            <a:r>
+              <a:rPr lang="de-DE" dirty="0" err="1"/>
+              <a:t>Kentnisse</a:t>
+            </a:r>
+            <a:r>
+              <a:rPr lang="de-DE" dirty="0"/>
+              <a:t> von der View</a:t>
+            </a:r>
+          </a:p>
+          <a:p>
+            <a:pPr lvl="1"/>
+            <a:endParaRPr lang="de-DE" dirty="0"/>
+          </a:p>
+          <a:p>
+            <a:endParaRPr lang="de-DE" dirty="0"/>
           </a:p>
         </p:txBody>
       </p:sp>
     </p:spTree>
     <p:extLst>
       <p:ext uri="{BB962C8B-B14F-4D97-AF65-F5344CB8AC3E}">
-        <p14:creationId xmlns:p14="http://schemas.microsoft.com/office/powerpoint/2010/main" val="294115021"/>
+        <p14:creationId xmlns:p14="http://schemas.microsoft.com/office/powerpoint/2010/main" val="3167994903"/>
       </p:ext>
     </p:extLst>
   </p:cSld>
@@ -3972,358 +4021,12 @@
           <a:chExt cx="0" cy="0"/>
         </a:xfrm>
       </p:grpSpPr>
-      <p:sp>
-        <p:nvSpPr>
-          <p:cNvPr id="2" name="Titel 1">
-            <a:extLst>
-              <a:ext uri="{FF2B5EF4-FFF2-40B4-BE49-F238E27FC236}">
-                <a16:creationId xmlns="" xmlns:a16="http://schemas.microsoft.com/office/drawing/2014/main" id="{1F89CF23-241D-4F08-93ED-6FBC5FDD6662}"/>
-              </a:ext>
-            </a:extLst>
-          </p:cNvPr>
-          <p:cNvSpPr>
-            <a:spLocks noGrp="1"/>
-          </p:cNvSpPr>
-          <p:nvPr>
-            <p:ph type="title"/>
-          </p:nvPr>
-        </p:nvSpPr>
-        <p:spPr/>
-        <p:txBody>
-          <a:bodyPr/>
-          <a:lstStyle/>
-          <a:p>
-            <a:r>
-              <a:rPr lang="de-DE" dirty="0"/>
-              <a:t>Model</a:t>
-            </a:r>
-          </a:p>
-        </p:txBody>
-      </p:sp>
-      <p:sp>
-        <p:nvSpPr>
-          <p:cNvPr id="3" name="Inhaltsplatzhalter 2">
-            <a:extLst>
-              <a:ext uri="{FF2B5EF4-FFF2-40B4-BE49-F238E27FC236}">
-                <a16:creationId xmlns="" xmlns:a16="http://schemas.microsoft.com/office/drawing/2014/main" id="{8A9D8746-323A-4EE8-956D-CC088FE745B1}"/>
-              </a:ext>
-            </a:extLst>
-          </p:cNvPr>
-          <p:cNvSpPr>
-            <a:spLocks noGrp="1"/>
-          </p:cNvSpPr>
-          <p:nvPr>
-            <p:ph idx="1"/>
-          </p:nvPr>
-        </p:nvSpPr>
-        <p:spPr>
-          <a:xfrm>
-            <a:off x="838200" y="1825625"/>
-            <a:ext cx="10515600" cy="4351338"/>
-          </a:xfrm>
-        </p:spPr>
-        <p:txBody>
-          <a:bodyPr/>
-          <a:lstStyle/>
-          <a:p>
-            <a:r>
-              <a:rPr lang="de-DE" dirty="0"/>
-              <a:t>Informationen zu Business Objekten</a:t>
-            </a:r>
-          </a:p>
-          <a:p>
-            <a:r>
-              <a:rPr lang="de-DE" dirty="0"/>
-              <a:t>Kann Validierung enthalten</a:t>
-            </a:r>
-          </a:p>
-          <a:p>
-            <a:r>
-              <a:rPr lang="de-DE" dirty="0"/>
-              <a:t>Business Logik</a:t>
-            </a:r>
-          </a:p>
-        </p:txBody>
-      </p:sp>
-    </p:spTree>
-    <p:extLst>
-      <p:ext uri="{BB962C8B-B14F-4D97-AF65-F5344CB8AC3E}">
-        <p14:creationId xmlns:p14="http://schemas.microsoft.com/office/powerpoint/2010/main" val="1513587001"/>
-      </p:ext>
-    </p:extLst>
-  </p:cSld>
-  <p:clrMapOvr>
-    <a:masterClrMapping/>
-  </p:clrMapOvr>
-</p:sld>
-</file>
-
-<file path=ppt/slides/slide14.xml><?xml version="1.0" encoding="utf-8"?>
-<p:sld xmlns:a="http://schemas.openxmlformats.org/drawingml/2006/main" xmlns:r="http://schemas.openxmlformats.org/officeDocument/2006/relationships" xmlns:p="http://schemas.openxmlformats.org/presentationml/2006/main">
-  <p:cSld>
-    <p:spTree>
-      <p:nvGrpSpPr>
-        <p:cNvPr id="1" name=""/>
-        <p:cNvGrpSpPr/>
-        <p:nvPr/>
-      </p:nvGrpSpPr>
-      <p:grpSpPr>
-        <a:xfrm>
-          <a:off x="0" y="0"/>
-          <a:ext cx="0" cy="0"/>
-          <a:chOff x="0" y="0"/>
-          <a:chExt cx="0" cy="0"/>
-        </a:xfrm>
-      </p:grpSpPr>
-      <p:sp>
-        <p:nvSpPr>
-          <p:cNvPr id="2" name="Titel 1">
-            <a:extLst>
-              <a:ext uri="{FF2B5EF4-FFF2-40B4-BE49-F238E27FC236}">
-                <a16:creationId xmlns="" xmlns:a16="http://schemas.microsoft.com/office/drawing/2014/main" id="{1F89CF23-241D-4F08-93ED-6FBC5FDD6662}"/>
-              </a:ext>
-            </a:extLst>
-          </p:cNvPr>
-          <p:cNvSpPr>
-            <a:spLocks noGrp="1"/>
-          </p:cNvSpPr>
-          <p:nvPr>
-            <p:ph type="title"/>
-          </p:nvPr>
-        </p:nvSpPr>
-        <p:spPr/>
-        <p:txBody>
-          <a:bodyPr/>
-          <a:lstStyle/>
-          <a:p>
-            <a:r>
-              <a:rPr lang="de-DE" dirty="0"/>
-              <a:t>View</a:t>
-            </a:r>
-          </a:p>
-        </p:txBody>
-      </p:sp>
-      <p:sp>
-        <p:nvSpPr>
-          <p:cNvPr id="3" name="Inhaltsplatzhalter 2">
-            <a:extLst>
-              <a:ext uri="{FF2B5EF4-FFF2-40B4-BE49-F238E27FC236}">
-                <a16:creationId xmlns="" xmlns:a16="http://schemas.microsoft.com/office/drawing/2014/main" id="{8A9D8746-323A-4EE8-956D-CC088FE745B1}"/>
-              </a:ext>
-            </a:extLst>
-          </p:cNvPr>
-          <p:cNvSpPr>
-            <a:spLocks noGrp="1"/>
-          </p:cNvSpPr>
-          <p:nvPr>
-            <p:ph idx="1"/>
-          </p:nvPr>
-        </p:nvSpPr>
-        <p:spPr>
-          <a:xfrm>
-            <a:off x="838200" y="1825625"/>
-            <a:ext cx="10515600" cy="4351338"/>
-          </a:xfrm>
-        </p:spPr>
-        <p:txBody>
-          <a:bodyPr/>
-          <a:lstStyle/>
-          <a:p>
-            <a:r>
-              <a:rPr lang="de-DE" dirty="0"/>
-              <a:t>Benutzeroberfläche (XAML)</a:t>
-            </a:r>
-          </a:p>
-          <a:p>
-            <a:r>
-              <a:rPr lang="de-DE" dirty="0"/>
-              <a:t>UI-spezifischen Code</a:t>
-            </a:r>
-          </a:p>
-          <a:p>
-            <a:r>
-              <a:rPr lang="de-DE" dirty="0"/>
-              <a:t>Nutzt Binding</a:t>
-            </a:r>
-          </a:p>
-          <a:p>
-            <a:r>
-              <a:rPr lang="de-DE" dirty="0"/>
-              <a:t>Daten kommen aus dem </a:t>
-            </a:r>
-            <a:r>
-              <a:rPr lang="de-DE" dirty="0" err="1"/>
-              <a:t>ViewModel</a:t>
-            </a:r>
-            <a:endParaRPr lang="de-DE" dirty="0"/>
-          </a:p>
-          <a:p>
-            <a:endParaRPr lang="de-DE" dirty="0"/>
-          </a:p>
-        </p:txBody>
-      </p:sp>
-    </p:spTree>
-    <p:extLst>
-      <p:ext uri="{BB962C8B-B14F-4D97-AF65-F5344CB8AC3E}">
-        <p14:creationId xmlns:p14="http://schemas.microsoft.com/office/powerpoint/2010/main" val="3172332370"/>
-      </p:ext>
-    </p:extLst>
-  </p:cSld>
-  <p:clrMapOvr>
-    <a:masterClrMapping/>
-  </p:clrMapOvr>
-</p:sld>
-</file>
-
-<file path=ppt/slides/slide15.xml><?xml version="1.0" encoding="utf-8"?>
-<p:sld xmlns:a="http://schemas.openxmlformats.org/drawingml/2006/main" xmlns:r="http://schemas.openxmlformats.org/officeDocument/2006/relationships" xmlns:p="http://schemas.openxmlformats.org/presentationml/2006/main">
-  <p:cSld>
-    <p:spTree>
-      <p:nvGrpSpPr>
-        <p:cNvPr id="1" name=""/>
-        <p:cNvGrpSpPr/>
-        <p:nvPr/>
-      </p:nvGrpSpPr>
-      <p:grpSpPr>
-        <a:xfrm>
-          <a:off x="0" y="0"/>
-          <a:ext cx="0" cy="0"/>
-          <a:chOff x="0" y="0"/>
-          <a:chExt cx="0" cy="0"/>
-        </a:xfrm>
-      </p:grpSpPr>
-      <p:sp>
-        <p:nvSpPr>
-          <p:cNvPr id="2" name="Titel 1">
-            <a:extLst>
-              <a:ext uri="{FF2B5EF4-FFF2-40B4-BE49-F238E27FC236}">
-                <a16:creationId xmlns="" xmlns:a16="http://schemas.microsoft.com/office/drawing/2014/main" id="{1F89CF23-241D-4F08-93ED-6FBC5FDD6662}"/>
-              </a:ext>
-            </a:extLst>
-          </p:cNvPr>
-          <p:cNvSpPr>
-            <a:spLocks noGrp="1"/>
-          </p:cNvSpPr>
-          <p:nvPr>
-            <p:ph type="title"/>
-          </p:nvPr>
-        </p:nvSpPr>
-        <p:spPr/>
-        <p:txBody>
-          <a:bodyPr/>
-          <a:lstStyle/>
-          <a:p>
-            <a:r>
-              <a:rPr lang="de-DE" dirty="0" err="1"/>
-              <a:t>ViewModel</a:t>
-            </a:r>
-            <a:endParaRPr lang="de-DE" dirty="0"/>
-          </a:p>
-        </p:txBody>
-      </p:sp>
-      <p:sp>
-        <p:nvSpPr>
-          <p:cNvPr id="3" name="Inhaltsplatzhalter 2">
-            <a:extLst>
-              <a:ext uri="{FF2B5EF4-FFF2-40B4-BE49-F238E27FC236}">
-                <a16:creationId xmlns="" xmlns:a16="http://schemas.microsoft.com/office/drawing/2014/main" id="{8A9D8746-323A-4EE8-956D-CC088FE745B1}"/>
-              </a:ext>
-            </a:extLst>
-          </p:cNvPr>
-          <p:cNvSpPr>
-            <a:spLocks noGrp="1"/>
-          </p:cNvSpPr>
-          <p:nvPr>
-            <p:ph idx="1"/>
-          </p:nvPr>
-        </p:nvSpPr>
-        <p:spPr>
-          <a:xfrm>
-            <a:off x="838200" y="1825625"/>
-            <a:ext cx="10515600" cy="4351338"/>
-          </a:xfrm>
-        </p:spPr>
-        <p:txBody>
-          <a:bodyPr/>
-          <a:lstStyle/>
-          <a:p>
-            <a:r>
-              <a:rPr lang="de-DE" dirty="0"/>
-              <a:t>Stellt Kommandos und Daten bereit</a:t>
-            </a:r>
-          </a:p>
-          <a:p>
-            <a:r>
-              <a:rPr lang="de-DE" dirty="0"/>
-              <a:t>Weitere Informationen, wie </a:t>
-            </a:r>
-          </a:p>
-          <a:p>
-            <a:pPr lvl="1"/>
-            <a:r>
-              <a:rPr lang="de-DE" dirty="0"/>
-              <a:t>Kann ein Kommando ausgeführt werden?</a:t>
-            </a:r>
-          </a:p>
-          <a:p>
-            <a:r>
-              <a:rPr lang="de-DE" dirty="0"/>
-              <a:t>KEINE </a:t>
-            </a:r>
-            <a:r>
-              <a:rPr lang="de-DE" dirty="0" err="1"/>
-              <a:t>Kentnisse</a:t>
-            </a:r>
-            <a:r>
-              <a:rPr lang="de-DE" dirty="0"/>
-              <a:t> von der View</a:t>
-            </a:r>
-          </a:p>
-          <a:p>
-            <a:pPr lvl="1"/>
-            <a:endParaRPr lang="de-DE" dirty="0"/>
-          </a:p>
-          <a:p>
-            <a:endParaRPr lang="de-DE" dirty="0"/>
-          </a:p>
-        </p:txBody>
-      </p:sp>
-    </p:spTree>
-    <p:extLst>
-      <p:ext uri="{BB962C8B-B14F-4D97-AF65-F5344CB8AC3E}">
-        <p14:creationId xmlns:p14="http://schemas.microsoft.com/office/powerpoint/2010/main" val="3167994903"/>
-      </p:ext>
-    </p:extLst>
-  </p:cSld>
-  <p:clrMapOvr>
-    <a:masterClrMapping/>
-  </p:clrMapOvr>
-</p:sld>
-</file>
-
-<file path=ppt/slides/slide16.xml><?xml version="1.0" encoding="utf-8"?>
-<p:sld xmlns:a="http://schemas.openxmlformats.org/drawingml/2006/main" xmlns:r="http://schemas.openxmlformats.org/officeDocument/2006/relationships" xmlns:p="http://schemas.openxmlformats.org/presentationml/2006/main">
-  <p:cSld>
-    <p:spTree>
-      <p:nvGrpSpPr>
-        <p:cNvPr id="1" name=""/>
-        <p:cNvGrpSpPr/>
-        <p:nvPr/>
-      </p:nvGrpSpPr>
-      <p:grpSpPr>
-        <a:xfrm>
-          <a:off x="0" y="0"/>
-          <a:ext cx="0" cy="0"/>
-          <a:chOff x="0" y="0"/>
-          <a:chExt cx="0" cy="0"/>
-        </a:xfrm>
-      </p:grpSpPr>
       <p:pic>
         <p:nvPicPr>
           <p:cNvPr id="4" name="Grafik 3" descr="https://cdn-images-1.medium.com/max/1600/1*8KprSpqqPtSuYObjOFPt2g.png">
             <a:extLst>
               <a:ext uri="{FF2B5EF4-FFF2-40B4-BE49-F238E27FC236}">
-                <a16:creationId xmlns="" xmlns:a16="http://schemas.microsoft.com/office/drawing/2014/main" id="{042DA072-6724-43AF-BD50-12037271DB07}"/>
+                <a16:creationId xmlns:a16="http://schemas.microsoft.com/office/drawing/2014/main" xmlns="" id="{042DA072-6724-43AF-BD50-12037271DB07}"/>
               </a:ext>
             </a:extLst>
           </p:cNvPr>
@@ -4370,7 +4073,7 @@
 </p:sld>
 </file>
 
-<file path=ppt/slides/slide17.xml><?xml version="1.0" encoding="utf-8"?>
+<file path=ppt/slides/slide14.xml><?xml version="1.0" encoding="utf-8"?>
 <p:sld xmlns:a="http://schemas.openxmlformats.org/drawingml/2006/main" xmlns:r="http://schemas.openxmlformats.org/officeDocument/2006/relationships" xmlns:p="http://schemas.openxmlformats.org/presentationml/2006/main">
   <p:cSld>
     <p:spTree>
@@ -4441,7 +4144,7 @@
 </p:sld>
 </file>
 
-<file path=ppt/slides/slide18.xml><?xml version="1.0" encoding="utf-8"?>
+<file path=ppt/slides/slide15.xml><?xml version="1.0" encoding="utf-8"?>
 <p:sld xmlns:a="http://schemas.openxmlformats.org/drawingml/2006/main" xmlns:r="http://schemas.openxmlformats.org/officeDocument/2006/relationships" xmlns:p="http://schemas.openxmlformats.org/presentationml/2006/main">
   <p:cSld>
     <p:spTree>
@@ -4463,7 +4166,7 @@
           <p:cNvPr id="2" name="Titel 1">
             <a:extLst>
               <a:ext uri="{FF2B5EF4-FFF2-40B4-BE49-F238E27FC236}">
-                <a16:creationId xmlns="" xmlns:a16="http://schemas.microsoft.com/office/drawing/2014/main" id="{1F89CF23-241D-4F08-93ED-6FBC5FDD6662}"/>
+                <a16:creationId xmlns:a16="http://schemas.microsoft.com/office/drawing/2014/main" xmlns="" id="{1F89CF23-241D-4F08-93ED-6FBC5FDD6662}"/>
               </a:ext>
             </a:extLst>
           </p:cNvPr>
@@ -4492,7 +4195,7 @@
           <p:cNvPr id="3" name="Inhaltsplatzhalter 2">
             <a:extLst>
               <a:ext uri="{FF2B5EF4-FFF2-40B4-BE49-F238E27FC236}">
-                <a16:creationId xmlns="" xmlns:a16="http://schemas.microsoft.com/office/drawing/2014/main" id="{B335868C-E813-4361-AACA-DD90BA8E2E05}"/>
+                <a16:creationId xmlns:a16="http://schemas.microsoft.com/office/drawing/2014/main" xmlns="" id="{B335868C-E813-4361-AACA-DD90BA8E2E05}"/>
               </a:ext>
             </a:extLst>
           </p:cNvPr>
@@ -4542,7 +4245,7 @@
 </p:sld>
 </file>
 
-<file path=ppt/slides/slide19.xml><?xml version="1.0" encoding="utf-8"?>
+<file path=ppt/slides/slide16.xml><?xml version="1.0" encoding="utf-8"?>
 <p:sld xmlns:a="http://schemas.openxmlformats.org/drawingml/2006/main" xmlns:r="http://schemas.openxmlformats.org/officeDocument/2006/relationships" xmlns:p="http://schemas.openxmlformats.org/presentationml/2006/main">
   <p:cSld>
     <p:spTree>
@@ -4564,7 +4267,7 @@
           <p:cNvPr id="2" name="Titel 1">
             <a:extLst>
               <a:ext uri="{FF2B5EF4-FFF2-40B4-BE49-F238E27FC236}">
-                <a16:creationId xmlns="" xmlns:a16="http://schemas.microsoft.com/office/drawing/2014/main" id="{1F89CF23-241D-4F08-93ED-6FBC5FDD6662}"/>
+                <a16:creationId xmlns:a16="http://schemas.microsoft.com/office/drawing/2014/main" xmlns="" id="{1F89CF23-241D-4F08-93ED-6FBC5FDD6662}"/>
               </a:ext>
             </a:extLst>
           </p:cNvPr>
@@ -4596,7 +4299,7 @@
           <p:cNvPr id="2050" name="Picture 2" descr="https://www.devexpress.com/Content/Core/facebook-share-icon.png">
             <a:extLst>
               <a:ext uri="{FF2B5EF4-FFF2-40B4-BE49-F238E27FC236}">
-                <a16:creationId xmlns="" xmlns:a16="http://schemas.microsoft.com/office/drawing/2014/main" id="{3A2E89D7-BF88-44EE-AB8F-BB894CFC5B6D}"/>
+                <a16:creationId xmlns:a16="http://schemas.microsoft.com/office/drawing/2014/main" xmlns="" id="{3A2E89D7-BF88-44EE-AB8F-BB894CFC5B6D}"/>
               </a:ext>
             </a:extLst>
           </p:cNvPr>
@@ -4651,7 +4354,7 @@
 </p:sld>
 </file>
 
-<file path=ppt/slides/slide2.xml><?xml version="1.0" encoding="utf-8"?>
+<file path=ppt/slides/slide17.xml><?xml version="1.0" encoding="utf-8"?>
 <p:sld xmlns:a="http://schemas.openxmlformats.org/drawingml/2006/main" xmlns:r="http://schemas.openxmlformats.org/officeDocument/2006/relationships" xmlns:p="http://schemas.openxmlformats.org/presentationml/2006/main">
   <p:cSld>
     <p:spTree>
@@ -4670,472 +4373,10 @@
       </p:grpSpPr>
       <p:sp>
         <p:nvSpPr>
-          <p:cNvPr id="3" name="Untertitel 2">
-            <a:extLst>
-              <a:ext uri="{FF2B5EF4-FFF2-40B4-BE49-F238E27FC236}">
-                <a16:creationId xmlns="" xmlns:a16="http://schemas.microsoft.com/office/drawing/2014/main" id="{A2320168-B360-4EB7-9A9D-89200864A043}"/>
-              </a:ext>
-            </a:extLst>
-          </p:cNvPr>
-          <p:cNvSpPr>
-            <a:spLocks noGrp="1"/>
-          </p:cNvSpPr>
-          <p:nvPr>
-            <p:ph type="subTitle" idx="1"/>
-          </p:nvPr>
-        </p:nvSpPr>
-        <p:spPr>
-          <a:xfrm>
-            <a:off x="1524000" y="1571347"/>
-            <a:ext cx="9144000" cy="4438835"/>
-          </a:xfrm>
-        </p:spPr>
-        <p:txBody>
-          <a:bodyPr>
-            <a:normAutofit fontScale="55000" lnSpcReduction="20000"/>
-          </a:bodyPr>
-          <a:lstStyle/>
-          <a:p>
-            <a:pPr marL="457200" indent="-457200" algn="l">
-              <a:buFont typeface="+mj-lt"/>
-              <a:buAutoNum type="arabicPeriod"/>
-            </a:pPr>
-            <a:r>
-              <a:rPr lang="de-DE" dirty="0"/>
-              <a:t>Einleitung</a:t>
-            </a:r>
-          </a:p>
-          <a:p>
-            <a:pPr marL="457200" indent="-457200" algn="l">
-              <a:buFont typeface="+mj-lt"/>
-              <a:buAutoNum type="arabicPeriod"/>
-            </a:pPr>
-            <a:r>
-              <a:rPr lang="de-DE" dirty="0">
-                <a:solidFill>
-                  <a:schemeClr val="accent6"/>
-                </a:solidFill>
-              </a:rPr>
-              <a:t>Grundlagen</a:t>
-            </a:r>
-          </a:p>
-          <a:p>
-            <a:pPr marL="914400" lvl="1" indent="-457200" algn="l">
-              <a:buFont typeface="+mj-lt"/>
-              <a:buAutoNum type="arabicPeriod"/>
-            </a:pPr>
-            <a:r>
-              <a:rPr lang="de-DE" dirty="0">
-                <a:solidFill>
-                  <a:schemeClr val="accent6"/>
-                </a:solidFill>
-              </a:rPr>
-              <a:t>C#</a:t>
-            </a:r>
-          </a:p>
-          <a:p>
-            <a:pPr marL="1371600" lvl="2" indent="-457200" algn="l">
-              <a:buFont typeface="+mj-lt"/>
-              <a:buAutoNum type="arabicPeriod"/>
-            </a:pPr>
-            <a:r>
-              <a:rPr lang="de-DE" dirty="0">
-                <a:solidFill>
-                  <a:schemeClr val="accent6"/>
-                </a:solidFill>
-              </a:rPr>
-              <a:t>Allgemein</a:t>
-            </a:r>
-          </a:p>
-          <a:p>
-            <a:pPr marL="1371600" lvl="2" indent="-457200" algn="l">
-              <a:buFont typeface="+mj-lt"/>
-              <a:buAutoNum type="arabicPeriod"/>
-            </a:pPr>
-            <a:r>
-              <a:rPr lang="de-DE" dirty="0">
-                <a:solidFill>
-                  <a:schemeClr val="accent6"/>
-                </a:solidFill>
-              </a:rPr>
-              <a:t>Unterschiede zu Java</a:t>
-            </a:r>
-          </a:p>
-          <a:p>
-            <a:pPr marL="914400" lvl="1" indent="-457200" algn="l">
-              <a:buFont typeface="+mj-lt"/>
-              <a:buAutoNum type="arabicPeriod"/>
-            </a:pPr>
-            <a:r>
-              <a:rPr lang="de-DE" dirty="0">
-                <a:solidFill>
-                  <a:schemeClr val="accent6"/>
-                </a:solidFill>
-              </a:rPr>
-              <a:t>WPF </a:t>
-            </a:r>
-          </a:p>
-          <a:p>
-            <a:pPr marL="1371600" lvl="2" indent="-457200" algn="l">
-              <a:buFont typeface="+mj-lt"/>
-              <a:buAutoNum type="arabicPeriod"/>
-            </a:pPr>
-            <a:r>
-              <a:rPr lang="de-DE" dirty="0">
-                <a:solidFill>
-                  <a:schemeClr val="accent6"/>
-                </a:solidFill>
-              </a:rPr>
-              <a:t>Allgemein</a:t>
-            </a:r>
-          </a:p>
-          <a:p>
-            <a:pPr marL="1371600" lvl="2" indent="-457200" algn="l">
-              <a:buFont typeface="+mj-lt"/>
-              <a:buAutoNum type="arabicPeriod"/>
-            </a:pPr>
-            <a:r>
-              <a:rPr lang="de-DE" dirty="0">
-                <a:solidFill>
-                  <a:schemeClr val="accent6"/>
-                </a:solidFill>
-              </a:rPr>
-              <a:t>XAML</a:t>
-            </a:r>
-          </a:p>
-          <a:p>
-            <a:pPr marL="1371600" lvl="2" indent="-457200" algn="l">
-              <a:buFont typeface="+mj-lt"/>
-              <a:buAutoNum type="arabicPeriod"/>
-            </a:pPr>
-            <a:r>
-              <a:rPr lang="de-DE" dirty="0">
-                <a:solidFill>
-                  <a:schemeClr val="accent6"/>
-                </a:solidFill>
-              </a:rPr>
-              <a:t>Ressourcen</a:t>
-            </a:r>
-          </a:p>
-          <a:p>
-            <a:pPr marL="1371600" lvl="2" indent="-457200" algn="l">
-              <a:buFont typeface="+mj-lt"/>
-              <a:buAutoNum type="arabicPeriod"/>
-            </a:pPr>
-            <a:r>
-              <a:rPr lang="de-DE" dirty="0">
-                <a:solidFill>
-                  <a:schemeClr val="accent6"/>
-                </a:solidFill>
-              </a:rPr>
-              <a:t>Binding</a:t>
-            </a:r>
-          </a:p>
-          <a:p>
-            <a:pPr marL="1371600" lvl="2" indent="-457200" algn="l">
-              <a:buFont typeface="+mj-lt"/>
-              <a:buAutoNum type="arabicPeriod"/>
-            </a:pPr>
-            <a:r>
-              <a:rPr lang="de-DE" dirty="0">
-                <a:solidFill>
-                  <a:schemeClr val="accent6"/>
-                </a:solidFill>
-              </a:rPr>
-              <a:t>Converter </a:t>
-            </a:r>
-          </a:p>
-          <a:p>
-            <a:pPr marL="1371600" lvl="2" indent="-457200" algn="l">
-              <a:buFont typeface="+mj-lt"/>
-              <a:buAutoNum type="arabicPeriod"/>
-            </a:pPr>
-            <a:r>
-              <a:rPr lang="de-DE" dirty="0">
-                <a:solidFill>
-                  <a:schemeClr val="accent6"/>
-                </a:solidFill>
-              </a:rPr>
-              <a:t>Styles</a:t>
-            </a:r>
-          </a:p>
-          <a:p>
-            <a:pPr marL="1371600" lvl="2" indent="-457200" algn="l">
-              <a:buFont typeface="+mj-lt"/>
-              <a:buAutoNum type="arabicPeriod"/>
-            </a:pPr>
-            <a:r>
-              <a:rPr lang="de-DE" dirty="0" err="1">
-                <a:solidFill>
-                  <a:schemeClr val="accent6"/>
-                </a:solidFill>
-              </a:rPr>
-              <a:t>DataTemplates</a:t>
-            </a:r>
-            <a:endParaRPr lang="de-DE" dirty="0">
-              <a:solidFill>
-                <a:schemeClr val="accent6"/>
-              </a:solidFill>
-            </a:endParaRPr>
-          </a:p>
-          <a:p>
-            <a:pPr marL="457200" indent="-457200" algn="l">
-              <a:buFont typeface="+mj-lt"/>
-              <a:buAutoNum type="arabicPeriod"/>
-            </a:pPr>
-            <a:r>
-              <a:rPr lang="de-DE" dirty="0">
-                <a:solidFill>
-                  <a:schemeClr val="accent6"/>
-                </a:solidFill>
-              </a:rPr>
-              <a:t>MVVM</a:t>
-            </a:r>
-          </a:p>
-          <a:p>
-            <a:pPr marL="914400" lvl="1" indent="-457200" algn="l">
-              <a:buFont typeface="+mj-lt"/>
-              <a:buAutoNum type="arabicPeriod"/>
-            </a:pPr>
-            <a:r>
-              <a:rPr lang="de-DE" dirty="0">
-                <a:solidFill>
-                  <a:schemeClr val="accent6"/>
-                </a:solidFill>
-              </a:rPr>
-              <a:t>Komponenten</a:t>
-            </a:r>
-          </a:p>
-          <a:p>
-            <a:pPr marL="1371600" lvl="2" indent="-457200" algn="l">
-              <a:buFont typeface="+mj-lt"/>
-              <a:buAutoNum type="arabicPeriod"/>
-            </a:pPr>
-            <a:r>
-              <a:rPr lang="de-DE" dirty="0">
-                <a:solidFill>
-                  <a:schemeClr val="accent6"/>
-                </a:solidFill>
-              </a:rPr>
-              <a:t>Model</a:t>
-            </a:r>
-          </a:p>
-          <a:p>
-            <a:pPr marL="1371600" lvl="2" indent="-457200" algn="l">
-              <a:buFont typeface="+mj-lt"/>
-              <a:buAutoNum type="arabicPeriod"/>
-            </a:pPr>
-            <a:r>
-              <a:rPr lang="de-DE" dirty="0">
-                <a:solidFill>
-                  <a:schemeClr val="accent6"/>
-                </a:solidFill>
-              </a:rPr>
-              <a:t>View</a:t>
-            </a:r>
-          </a:p>
-          <a:p>
-            <a:pPr marL="1371600" lvl="2" indent="-457200" algn="l">
-              <a:buFont typeface="+mj-lt"/>
-              <a:buAutoNum type="arabicPeriod"/>
-            </a:pPr>
-            <a:r>
-              <a:rPr lang="de-DE" dirty="0" err="1">
-                <a:solidFill>
-                  <a:schemeClr val="accent6"/>
-                </a:solidFill>
-              </a:rPr>
-              <a:t>ViewModel</a:t>
-            </a:r>
-            <a:endParaRPr lang="de-DE" dirty="0">
-              <a:solidFill>
-                <a:schemeClr val="accent6"/>
-              </a:solidFill>
-            </a:endParaRPr>
-          </a:p>
-          <a:p>
-            <a:pPr marL="914400" lvl="1" indent="-457200" algn="l">
-              <a:buFont typeface="+mj-lt"/>
-              <a:buAutoNum type="arabicPeriod"/>
-            </a:pPr>
-            <a:r>
-              <a:rPr lang="de-DE" dirty="0">
-                <a:solidFill>
-                  <a:schemeClr val="accent6"/>
-                </a:solidFill>
-              </a:rPr>
-              <a:t>Binding</a:t>
-            </a:r>
-          </a:p>
-          <a:p>
-            <a:pPr marL="1371600" lvl="2" indent="-457200" algn="l">
-              <a:buFont typeface="+mj-lt"/>
-              <a:buAutoNum type="arabicPeriod"/>
-            </a:pPr>
-            <a:r>
-              <a:rPr lang="de-DE" dirty="0" err="1">
-                <a:solidFill>
-                  <a:schemeClr val="accent6"/>
-                </a:solidFill>
-              </a:rPr>
-              <a:t>INotifyPropertyChanged</a:t>
-            </a:r>
-            <a:endParaRPr lang="de-DE" dirty="0">
-              <a:solidFill>
-                <a:schemeClr val="accent6"/>
-              </a:solidFill>
-            </a:endParaRPr>
-          </a:p>
-          <a:p>
-            <a:pPr marL="914400" lvl="1" indent="-457200" algn="l">
-              <a:buFont typeface="+mj-lt"/>
-              <a:buAutoNum type="arabicPeriod"/>
-            </a:pPr>
-            <a:r>
-              <a:rPr lang="de-DE" dirty="0" err="1">
-                <a:solidFill>
-                  <a:schemeClr val="accent6"/>
-                </a:solidFill>
-              </a:rPr>
-              <a:t>DevExpress</a:t>
-            </a:r>
-            <a:endParaRPr lang="de-DE" dirty="0">
-              <a:solidFill>
-                <a:schemeClr val="accent6"/>
-              </a:solidFill>
-            </a:endParaRPr>
-          </a:p>
-          <a:p>
-            <a:pPr marL="1371600" lvl="2" indent="-457200" algn="l">
-              <a:buFont typeface="+mj-lt"/>
-              <a:buAutoNum type="arabicPeriod"/>
-            </a:pPr>
-            <a:r>
-              <a:rPr lang="de-DE" dirty="0" err="1">
-                <a:solidFill>
-                  <a:schemeClr val="accent6"/>
-                </a:solidFill>
-              </a:rPr>
-              <a:t>BindableBase</a:t>
-            </a:r>
-            <a:endParaRPr lang="de-DE" dirty="0">
-              <a:solidFill>
-                <a:schemeClr val="accent6"/>
-              </a:solidFill>
-            </a:endParaRPr>
-          </a:p>
-          <a:p>
-            <a:pPr marL="1371600" lvl="2" indent="-457200" algn="l">
-              <a:buFont typeface="+mj-lt"/>
-              <a:buAutoNum type="arabicPeriod"/>
-            </a:pPr>
-            <a:r>
-              <a:rPr lang="de-DE" dirty="0" err="1">
-                <a:solidFill>
-                  <a:schemeClr val="accent6"/>
-                </a:solidFill>
-              </a:rPr>
-              <a:t>ViewModelbase</a:t>
-            </a:r>
-            <a:endParaRPr lang="de-DE" dirty="0">
-              <a:solidFill>
-                <a:schemeClr val="accent6"/>
-              </a:solidFill>
-            </a:endParaRPr>
-          </a:p>
-        </p:txBody>
-      </p:sp>
-      <p:sp>
-        <p:nvSpPr>
-          <p:cNvPr id="7" name="Titel 1">
-            <a:extLst>
-              <a:ext uri="{FF2B5EF4-FFF2-40B4-BE49-F238E27FC236}">
-                <a16:creationId xmlns="" xmlns:a16="http://schemas.microsoft.com/office/drawing/2014/main" id="{363E5469-058A-4438-AA03-EEEFDD1B106B}"/>
-              </a:ext>
-            </a:extLst>
-          </p:cNvPr>
-          <p:cNvSpPr txBox="1">
-            <a:spLocks/>
-          </p:cNvSpPr>
-          <p:nvPr/>
-        </p:nvSpPr>
-        <p:spPr>
-          <a:xfrm>
-            <a:off x="838200" y="89918"/>
-            <a:ext cx="10515600" cy="1325563"/>
-          </a:xfrm>
-          <a:prstGeom prst="rect">
-            <a:avLst/>
-          </a:prstGeom>
-        </p:spPr>
-        <p:txBody>
-          <a:bodyPr vert="horz" lIns="91440" tIns="45720" rIns="91440" bIns="45720" rtlCol="0" anchor="b">
-            <a:normAutofit/>
-          </a:bodyPr>
-          <a:lstStyle>
-            <a:lvl1pPr algn="ctr" defTabSz="914400" rtl="0" eaLnBrk="1" latinLnBrk="0" hangingPunct="1">
-              <a:lnSpc>
-                <a:spcPct val="90000"/>
-              </a:lnSpc>
-              <a:spcBef>
-                <a:spcPct val="0"/>
-              </a:spcBef>
-              <a:buNone/>
-              <a:defRPr sz="6000" kern="1200">
-                <a:solidFill>
-                  <a:schemeClr val="tx1"/>
-                </a:solidFill>
-                <a:latin typeface="+mj-lt"/>
-                <a:ea typeface="+mj-ea"/>
-                <a:cs typeface="+mj-cs"/>
-              </a:defRPr>
-            </a:lvl1pPr>
-          </a:lstStyle>
-          <a:p>
-            <a:pPr algn="l"/>
-            <a:r>
-              <a:rPr lang="de-DE" sz="4400" dirty="0"/>
-              <a:t>Eigener Inhalt</a:t>
-            </a:r>
-          </a:p>
-        </p:txBody>
-      </p:sp>
-    </p:spTree>
-    <p:extLst>
-      <p:ext uri="{BB962C8B-B14F-4D97-AF65-F5344CB8AC3E}">
-        <p14:creationId xmlns:p14="http://schemas.microsoft.com/office/powerpoint/2010/main" val="2899969318"/>
-      </p:ext>
-    </p:extLst>
-  </p:cSld>
-  <p:clrMapOvr>
-    <a:masterClrMapping/>
-  </p:clrMapOvr>
-</p:sld>
-</file>
-
-<file path=ppt/slides/slide20.xml><?xml version="1.0" encoding="utf-8"?>
-<p:sld xmlns:a="http://schemas.openxmlformats.org/drawingml/2006/main" xmlns:r="http://schemas.openxmlformats.org/officeDocument/2006/relationships" xmlns:p="http://schemas.openxmlformats.org/presentationml/2006/main">
-  <p:cSld>
-    <p:spTree>
-      <p:nvGrpSpPr>
-        <p:cNvPr id="1" name=""/>
-        <p:cNvGrpSpPr/>
-        <p:nvPr/>
-      </p:nvGrpSpPr>
-      <p:grpSpPr>
-        <a:xfrm>
-          <a:off x="0" y="0"/>
-          <a:ext cx="0" cy="0"/>
-          <a:chOff x="0" y="0"/>
-          <a:chExt cx="0" cy="0"/>
-        </a:xfrm>
-      </p:grpSpPr>
-      <p:sp>
-        <p:nvSpPr>
           <p:cNvPr id="2" name="Titel 1">
             <a:extLst>
               <a:ext uri="{FF2B5EF4-FFF2-40B4-BE49-F238E27FC236}">
-                <a16:creationId xmlns="" xmlns:a16="http://schemas.microsoft.com/office/drawing/2014/main" id="{1F89CF23-241D-4F08-93ED-6FBC5FDD6662}"/>
+                <a16:creationId xmlns:a16="http://schemas.microsoft.com/office/drawing/2014/main" xmlns="" id="{1F89CF23-241D-4F08-93ED-6FBC5FDD6662}"/>
               </a:ext>
             </a:extLst>
           </p:cNvPr>
@@ -5164,7 +4405,7 @@
           <p:cNvPr id="3" name="Inhaltsplatzhalter 2">
             <a:extLst>
               <a:ext uri="{FF2B5EF4-FFF2-40B4-BE49-F238E27FC236}">
-                <a16:creationId xmlns="" xmlns:a16="http://schemas.microsoft.com/office/drawing/2014/main" id="{531115D2-2B53-4B46-A368-E8B07937A585}"/>
+                <a16:creationId xmlns:a16="http://schemas.microsoft.com/office/drawing/2014/main" xmlns="" id="{531115D2-2B53-4B46-A368-E8B07937A585}"/>
               </a:ext>
             </a:extLst>
           </p:cNvPr>
@@ -5226,7 +4467,7 @@
           <p:cNvPr id="4" name="Grafik 3">
             <a:extLst>
               <a:ext uri="{FF2B5EF4-FFF2-40B4-BE49-F238E27FC236}">
-                <a16:creationId xmlns="" xmlns:a16="http://schemas.microsoft.com/office/drawing/2014/main" id="{59225B68-EB18-4AB0-BE53-0F5842A0D1C4}"/>
+                <a16:creationId xmlns:a16="http://schemas.microsoft.com/office/drawing/2014/main" xmlns="" id="{59225B68-EB18-4AB0-BE53-0F5842A0D1C4}"/>
               </a:ext>
             </a:extLst>
           </p:cNvPr>
@@ -5256,7 +4497,7 @@
           <p:cNvPr id="5" name="Grafik 4">
             <a:extLst>
               <a:ext uri="{FF2B5EF4-FFF2-40B4-BE49-F238E27FC236}">
-                <a16:creationId xmlns="" xmlns:a16="http://schemas.microsoft.com/office/drawing/2014/main" id="{12E09BFE-B9F0-4302-A36F-3DDDF2F08FA5}"/>
+                <a16:creationId xmlns:a16="http://schemas.microsoft.com/office/drawing/2014/main" xmlns="" id="{12E09BFE-B9F0-4302-A36F-3DDDF2F08FA5}"/>
               </a:ext>
             </a:extLst>
           </p:cNvPr>
@@ -5294,7 +4535,7 @@
 </p:sld>
 </file>
 
-<file path=ppt/slides/slide21.xml><?xml version="1.0" encoding="utf-8"?>
+<file path=ppt/slides/slide18.xml><?xml version="1.0" encoding="utf-8"?>
 <p:sld xmlns:a="http://schemas.openxmlformats.org/drawingml/2006/main" xmlns:r="http://schemas.openxmlformats.org/officeDocument/2006/relationships" xmlns:p="http://schemas.openxmlformats.org/presentationml/2006/main">
   <p:cSld>
     <p:spTree>
@@ -5316,7 +4557,7 @@
           <p:cNvPr id="2" name="Titel 1">
             <a:extLst>
               <a:ext uri="{FF2B5EF4-FFF2-40B4-BE49-F238E27FC236}">
-                <a16:creationId xmlns="" xmlns:a16="http://schemas.microsoft.com/office/drawing/2014/main" id="{1F89CF23-241D-4F08-93ED-6FBC5FDD6662}"/>
+                <a16:creationId xmlns:a16="http://schemas.microsoft.com/office/drawing/2014/main" xmlns="" id="{1F89CF23-241D-4F08-93ED-6FBC5FDD6662}"/>
               </a:ext>
             </a:extLst>
           </p:cNvPr>
@@ -5352,7 +4593,7 @@
           <p:cNvPr id="3" name="Inhaltsplatzhalter 2">
             <a:extLst>
               <a:ext uri="{FF2B5EF4-FFF2-40B4-BE49-F238E27FC236}">
-                <a16:creationId xmlns="" xmlns:a16="http://schemas.microsoft.com/office/drawing/2014/main" id="{531115D2-2B53-4B46-A368-E8B07937A585}"/>
+                <a16:creationId xmlns:a16="http://schemas.microsoft.com/office/drawing/2014/main" xmlns="" id="{531115D2-2B53-4B46-A368-E8B07937A585}"/>
               </a:ext>
             </a:extLst>
           </p:cNvPr>
@@ -5416,7 +4657,7 @@
           <p:cNvPr id="6" name="Grafik 5">
             <a:extLst>
               <a:ext uri="{FF2B5EF4-FFF2-40B4-BE49-F238E27FC236}">
-                <a16:creationId xmlns="" xmlns:a16="http://schemas.microsoft.com/office/drawing/2014/main" id="{F6367B95-A3F4-4410-A8C4-C0EEF7093429}"/>
+                <a16:creationId xmlns:a16="http://schemas.microsoft.com/office/drawing/2014/main" xmlns="" id="{F6367B95-A3F4-4410-A8C4-C0EEF7093429}"/>
               </a:ext>
             </a:extLst>
           </p:cNvPr>
@@ -5454,7 +4695,7 @@
 </p:sld>
 </file>
 
-<file path=ppt/slides/slide22.xml><?xml version="1.0" encoding="utf-8"?>
+<file path=ppt/slides/slide19.xml><?xml version="1.0" encoding="utf-8"?>
 <p:sld xmlns:a="http://schemas.openxmlformats.org/drawingml/2006/main" xmlns:r="http://schemas.openxmlformats.org/officeDocument/2006/relationships" xmlns:p="http://schemas.openxmlformats.org/presentationml/2006/main">
   <p:cSld>
     <p:spTree>
@@ -5476,7 +4717,7 @@
           <p:cNvPr id="2" name="Titel 1">
             <a:extLst>
               <a:ext uri="{FF2B5EF4-FFF2-40B4-BE49-F238E27FC236}">
-                <a16:creationId xmlns="" xmlns:a16="http://schemas.microsoft.com/office/drawing/2014/main" id="{1F89CF23-241D-4F08-93ED-6FBC5FDD6662}"/>
+                <a16:creationId xmlns:a16="http://schemas.microsoft.com/office/drawing/2014/main" xmlns="" id="{1F89CF23-241D-4F08-93ED-6FBC5FDD6662}"/>
               </a:ext>
             </a:extLst>
           </p:cNvPr>
@@ -5510,7 +4751,7 @@
           <p:cNvPr id="3" name="Inhaltsplatzhalter 2">
             <a:extLst>
               <a:ext uri="{FF2B5EF4-FFF2-40B4-BE49-F238E27FC236}">
-                <a16:creationId xmlns="" xmlns:a16="http://schemas.microsoft.com/office/drawing/2014/main" id="{531115D2-2B53-4B46-A368-E8B07937A585}"/>
+                <a16:creationId xmlns:a16="http://schemas.microsoft.com/office/drawing/2014/main" xmlns="" id="{531115D2-2B53-4B46-A368-E8B07937A585}"/>
               </a:ext>
             </a:extLst>
           </p:cNvPr>
@@ -5563,7 +4804,7 @@
           <p:cNvPr id="8" name="Grafik 7">
             <a:extLst>
               <a:ext uri="{FF2B5EF4-FFF2-40B4-BE49-F238E27FC236}">
-                <a16:creationId xmlns="" xmlns:a16="http://schemas.microsoft.com/office/drawing/2014/main" id="{FFC2D21F-BDD6-46A8-A9C0-FFA95E32F9CD}"/>
+                <a16:creationId xmlns:a16="http://schemas.microsoft.com/office/drawing/2014/main" xmlns="" id="{FFC2D21F-BDD6-46A8-A9C0-FFA95E32F9CD}"/>
               </a:ext>
             </a:extLst>
           </p:cNvPr>
@@ -5625,6 +4866,468 @@
 </p:sld>
 </file>
 
+<file path=ppt/slides/slide2.xml><?xml version="1.0" encoding="utf-8"?>
+<p:sld xmlns:a="http://schemas.openxmlformats.org/drawingml/2006/main" xmlns:r="http://schemas.openxmlformats.org/officeDocument/2006/relationships" xmlns:p="http://schemas.openxmlformats.org/presentationml/2006/main">
+  <p:cSld>
+    <p:spTree>
+      <p:nvGrpSpPr>
+        <p:cNvPr id="1" name=""/>
+        <p:cNvGrpSpPr/>
+        <p:nvPr/>
+      </p:nvGrpSpPr>
+      <p:grpSpPr>
+        <a:xfrm>
+          <a:off x="0" y="0"/>
+          <a:ext cx="0" cy="0"/>
+          <a:chOff x="0" y="0"/>
+          <a:chExt cx="0" cy="0"/>
+        </a:xfrm>
+      </p:grpSpPr>
+      <p:sp>
+        <p:nvSpPr>
+          <p:cNvPr id="3" name="Untertitel 2">
+            <a:extLst>
+              <a:ext uri="{FF2B5EF4-FFF2-40B4-BE49-F238E27FC236}">
+                <a16:creationId xmlns:a16="http://schemas.microsoft.com/office/drawing/2014/main" xmlns="" id="{A2320168-B360-4EB7-9A9D-89200864A043}"/>
+              </a:ext>
+            </a:extLst>
+          </p:cNvPr>
+          <p:cNvSpPr>
+            <a:spLocks noGrp="1"/>
+          </p:cNvSpPr>
+          <p:nvPr>
+            <p:ph type="subTitle" idx="1"/>
+          </p:nvPr>
+        </p:nvSpPr>
+        <p:spPr>
+          <a:xfrm>
+            <a:off x="1524000" y="1571347"/>
+            <a:ext cx="9144000" cy="4438835"/>
+          </a:xfrm>
+        </p:spPr>
+        <p:txBody>
+          <a:bodyPr>
+            <a:normAutofit fontScale="55000" lnSpcReduction="20000"/>
+          </a:bodyPr>
+          <a:lstStyle/>
+          <a:p>
+            <a:pPr marL="457200" indent="-457200" algn="l">
+              <a:buFont typeface="+mj-lt"/>
+              <a:buAutoNum type="arabicPeriod"/>
+            </a:pPr>
+            <a:r>
+              <a:rPr lang="de-DE" dirty="0"/>
+              <a:t>Einleitung</a:t>
+            </a:r>
+          </a:p>
+          <a:p>
+            <a:pPr marL="457200" indent="-457200" algn="l">
+              <a:buFont typeface="+mj-lt"/>
+              <a:buAutoNum type="arabicPeriod"/>
+            </a:pPr>
+            <a:r>
+              <a:rPr lang="de-DE" dirty="0">
+                <a:solidFill>
+                  <a:schemeClr val="accent6"/>
+                </a:solidFill>
+              </a:rPr>
+              <a:t>Grundlagen</a:t>
+            </a:r>
+          </a:p>
+          <a:p>
+            <a:pPr marL="914400" lvl="1" indent="-457200" algn="l">
+              <a:buFont typeface="+mj-lt"/>
+              <a:buAutoNum type="arabicPeriod"/>
+            </a:pPr>
+            <a:r>
+              <a:rPr lang="de-DE" dirty="0">
+                <a:solidFill>
+                  <a:schemeClr val="accent6"/>
+                </a:solidFill>
+              </a:rPr>
+              <a:t>C#</a:t>
+            </a:r>
+          </a:p>
+          <a:p>
+            <a:pPr marL="1371600" lvl="2" indent="-457200" algn="l">
+              <a:buFont typeface="+mj-lt"/>
+              <a:buAutoNum type="arabicPeriod"/>
+            </a:pPr>
+            <a:r>
+              <a:rPr lang="de-DE" dirty="0">
+                <a:solidFill>
+                  <a:schemeClr val="accent6"/>
+                </a:solidFill>
+              </a:rPr>
+              <a:t>Allgemein</a:t>
+            </a:r>
+          </a:p>
+          <a:p>
+            <a:pPr marL="1371600" lvl="2" indent="-457200" algn="l">
+              <a:buFont typeface="+mj-lt"/>
+              <a:buAutoNum type="arabicPeriod"/>
+            </a:pPr>
+            <a:r>
+              <a:rPr lang="de-DE" dirty="0">
+                <a:solidFill>
+                  <a:schemeClr val="accent6"/>
+                </a:solidFill>
+              </a:rPr>
+              <a:t>Unterschiede zu Java</a:t>
+            </a:r>
+          </a:p>
+          <a:p>
+            <a:pPr marL="914400" lvl="1" indent="-457200" algn="l">
+              <a:buFont typeface="+mj-lt"/>
+              <a:buAutoNum type="arabicPeriod"/>
+            </a:pPr>
+            <a:r>
+              <a:rPr lang="de-DE" dirty="0">
+                <a:solidFill>
+                  <a:schemeClr val="accent6"/>
+                </a:solidFill>
+              </a:rPr>
+              <a:t>WPF </a:t>
+            </a:r>
+          </a:p>
+          <a:p>
+            <a:pPr marL="1371600" lvl="2" indent="-457200" algn="l">
+              <a:buFont typeface="+mj-lt"/>
+              <a:buAutoNum type="arabicPeriod"/>
+            </a:pPr>
+            <a:r>
+              <a:rPr lang="de-DE" dirty="0">
+                <a:solidFill>
+                  <a:schemeClr val="accent6"/>
+                </a:solidFill>
+              </a:rPr>
+              <a:t>Allgemein</a:t>
+            </a:r>
+          </a:p>
+          <a:p>
+            <a:pPr marL="1371600" lvl="2" indent="-457200" algn="l">
+              <a:buFont typeface="+mj-lt"/>
+              <a:buAutoNum type="arabicPeriod"/>
+            </a:pPr>
+            <a:r>
+              <a:rPr lang="de-DE" dirty="0">
+                <a:solidFill>
+                  <a:schemeClr val="accent6"/>
+                </a:solidFill>
+              </a:rPr>
+              <a:t>XAML</a:t>
+            </a:r>
+          </a:p>
+          <a:p>
+            <a:pPr marL="1371600" lvl="2" indent="-457200" algn="l">
+              <a:buFont typeface="+mj-lt"/>
+              <a:buAutoNum type="arabicPeriod"/>
+            </a:pPr>
+            <a:r>
+              <a:rPr lang="de-DE" dirty="0">
+                <a:solidFill>
+                  <a:schemeClr val="accent6"/>
+                </a:solidFill>
+              </a:rPr>
+              <a:t>Ressourcen</a:t>
+            </a:r>
+          </a:p>
+          <a:p>
+            <a:pPr marL="1371600" lvl="2" indent="-457200" algn="l">
+              <a:buFont typeface="+mj-lt"/>
+              <a:buAutoNum type="arabicPeriod"/>
+            </a:pPr>
+            <a:r>
+              <a:rPr lang="de-DE" dirty="0">
+                <a:solidFill>
+                  <a:schemeClr val="accent6"/>
+                </a:solidFill>
+              </a:rPr>
+              <a:t>Binding</a:t>
+            </a:r>
+          </a:p>
+          <a:p>
+            <a:pPr marL="1371600" lvl="2" indent="-457200" algn="l">
+              <a:buFont typeface="+mj-lt"/>
+              <a:buAutoNum type="arabicPeriod"/>
+            </a:pPr>
+            <a:r>
+              <a:rPr lang="de-DE" dirty="0">
+                <a:solidFill>
+                  <a:schemeClr val="accent6"/>
+                </a:solidFill>
+              </a:rPr>
+              <a:t>Converter </a:t>
+            </a:r>
+          </a:p>
+          <a:p>
+            <a:pPr marL="1371600" lvl="2" indent="-457200" algn="l">
+              <a:buFont typeface="+mj-lt"/>
+              <a:buAutoNum type="arabicPeriod"/>
+            </a:pPr>
+            <a:r>
+              <a:rPr lang="de-DE" dirty="0">
+                <a:solidFill>
+                  <a:schemeClr val="accent6"/>
+                </a:solidFill>
+              </a:rPr>
+              <a:t>Styles</a:t>
+            </a:r>
+          </a:p>
+          <a:p>
+            <a:pPr marL="1371600" lvl="2" indent="-457200" algn="l">
+              <a:buFont typeface="+mj-lt"/>
+              <a:buAutoNum type="arabicPeriod"/>
+            </a:pPr>
+            <a:r>
+              <a:rPr lang="de-DE" dirty="0" err="1">
+                <a:solidFill>
+                  <a:schemeClr val="accent6"/>
+                </a:solidFill>
+              </a:rPr>
+              <a:t>DataTemplates</a:t>
+            </a:r>
+            <a:endParaRPr lang="de-DE" dirty="0">
+              <a:solidFill>
+                <a:schemeClr val="accent6"/>
+              </a:solidFill>
+            </a:endParaRPr>
+          </a:p>
+          <a:p>
+            <a:pPr marL="457200" indent="-457200" algn="l">
+              <a:buFont typeface="+mj-lt"/>
+              <a:buAutoNum type="arabicPeriod"/>
+            </a:pPr>
+            <a:r>
+              <a:rPr lang="de-DE" dirty="0">
+                <a:solidFill>
+                  <a:schemeClr val="accent6"/>
+                </a:solidFill>
+              </a:rPr>
+              <a:t>MVVM</a:t>
+            </a:r>
+          </a:p>
+          <a:p>
+            <a:pPr marL="914400" lvl="1" indent="-457200" algn="l">
+              <a:buFont typeface="+mj-lt"/>
+              <a:buAutoNum type="arabicPeriod"/>
+            </a:pPr>
+            <a:r>
+              <a:rPr lang="de-DE" dirty="0">
+                <a:solidFill>
+                  <a:schemeClr val="accent6"/>
+                </a:solidFill>
+              </a:rPr>
+              <a:t>Komponenten</a:t>
+            </a:r>
+          </a:p>
+          <a:p>
+            <a:pPr marL="1371600" lvl="2" indent="-457200" algn="l">
+              <a:buFont typeface="+mj-lt"/>
+              <a:buAutoNum type="arabicPeriod"/>
+            </a:pPr>
+            <a:r>
+              <a:rPr lang="de-DE" dirty="0">
+                <a:solidFill>
+                  <a:schemeClr val="accent6"/>
+                </a:solidFill>
+              </a:rPr>
+              <a:t>Model</a:t>
+            </a:r>
+          </a:p>
+          <a:p>
+            <a:pPr marL="1371600" lvl="2" indent="-457200" algn="l">
+              <a:buFont typeface="+mj-lt"/>
+              <a:buAutoNum type="arabicPeriod"/>
+            </a:pPr>
+            <a:r>
+              <a:rPr lang="de-DE" dirty="0">
+                <a:solidFill>
+                  <a:schemeClr val="accent6"/>
+                </a:solidFill>
+              </a:rPr>
+              <a:t>View</a:t>
+            </a:r>
+          </a:p>
+          <a:p>
+            <a:pPr marL="1371600" lvl="2" indent="-457200" algn="l">
+              <a:buFont typeface="+mj-lt"/>
+              <a:buAutoNum type="arabicPeriod"/>
+            </a:pPr>
+            <a:r>
+              <a:rPr lang="de-DE" dirty="0" err="1">
+                <a:solidFill>
+                  <a:schemeClr val="accent6"/>
+                </a:solidFill>
+              </a:rPr>
+              <a:t>ViewModel</a:t>
+            </a:r>
+            <a:endParaRPr lang="de-DE" dirty="0">
+              <a:solidFill>
+                <a:schemeClr val="accent6"/>
+              </a:solidFill>
+            </a:endParaRPr>
+          </a:p>
+          <a:p>
+            <a:pPr marL="914400" lvl="1" indent="-457200" algn="l">
+              <a:buFont typeface="+mj-lt"/>
+              <a:buAutoNum type="arabicPeriod"/>
+            </a:pPr>
+            <a:r>
+              <a:rPr lang="de-DE" dirty="0">
+                <a:solidFill>
+                  <a:schemeClr val="accent6"/>
+                </a:solidFill>
+              </a:rPr>
+              <a:t>Binding</a:t>
+            </a:r>
+          </a:p>
+          <a:p>
+            <a:pPr marL="1371600" lvl="2" indent="-457200" algn="l">
+              <a:buFont typeface="+mj-lt"/>
+              <a:buAutoNum type="arabicPeriod"/>
+            </a:pPr>
+            <a:r>
+              <a:rPr lang="de-DE" dirty="0" err="1">
+                <a:solidFill>
+                  <a:schemeClr val="accent6"/>
+                </a:solidFill>
+              </a:rPr>
+              <a:t>INotifyPropertyChanged</a:t>
+            </a:r>
+            <a:endParaRPr lang="de-DE" dirty="0">
+              <a:solidFill>
+                <a:schemeClr val="accent6"/>
+              </a:solidFill>
+            </a:endParaRPr>
+          </a:p>
+          <a:p>
+            <a:pPr marL="914400" lvl="1" indent="-457200" algn="l">
+              <a:buFont typeface="+mj-lt"/>
+              <a:buAutoNum type="arabicPeriod"/>
+            </a:pPr>
+            <a:r>
+              <a:rPr lang="de-DE" dirty="0" err="1">
+                <a:solidFill>
+                  <a:schemeClr val="accent6"/>
+                </a:solidFill>
+              </a:rPr>
+              <a:t>DevExpress</a:t>
+            </a:r>
+            <a:endParaRPr lang="de-DE" dirty="0">
+              <a:solidFill>
+                <a:schemeClr val="accent6"/>
+              </a:solidFill>
+            </a:endParaRPr>
+          </a:p>
+          <a:p>
+            <a:pPr marL="1371600" lvl="2" indent="-457200" algn="l">
+              <a:buFont typeface="+mj-lt"/>
+              <a:buAutoNum type="arabicPeriod"/>
+            </a:pPr>
+            <a:r>
+              <a:rPr lang="de-DE" dirty="0" err="1">
+                <a:solidFill>
+                  <a:schemeClr val="accent6"/>
+                </a:solidFill>
+              </a:rPr>
+              <a:t>BindableBase</a:t>
+            </a:r>
+            <a:endParaRPr lang="de-DE" dirty="0">
+              <a:solidFill>
+                <a:schemeClr val="accent6"/>
+              </a:solidFill>
+            </a:endParaRPr>
+          </a:p>
+          <a:p>
+            <a:pPr marL="1371600" lvl="2" indent="-457200" algn="l">
+              <a:buFont typeface="+mj-lt"/>
+              <a:buAutoNum type="arabicPeriod"/>
+            </a:pPr>
+            <a:r>
+              <a:rPr lang="de-DE" dirty="0" err="1">
+                <a:solidFill>
+                  <a:schemeClr val="accent6"/>
+                </a:solidFill>
+              </a:rPr>
+              <a:t>ViewModelbase</a:t>
+            </a:r>
+            <a:endParaRPr lang="de-DE" dirty="0">
+              <a:solidFill>
+                <a:schemeClr val="accent6"/>
+              </a:solidFill>
+            </a:endParaRPr>
+          </a:p>
+        </p:txBody>
+      </p:sp>
+      <p:sp>
+        <p:nvSpPr>
+          <p:cNvPr id="7" name="Titel 1">
+            <a:extLst>
+              <a:ext uri="{FF2B5EF4-FFF2-40B4-BE49-F238E27FC236}">
+                <a16:creationId xmlns:a16="http://schemas.microsoft.com/office/drawing/2014/main" xmlns="" id="{363E5469-058A-4438-AA03-EEEFDD1B106B}"/>
+              </a:ext>
+            </a:extLst>
+          </p:cNvPr>
+          <p:cNvSpPr txBox="1">
+            <a:spLocks/>
+          </p:cNvSpPr>
+          <p:nvPr/>
+        </p:nvSpPr>
+        <p:spPr>
+          <a:xfrm>
+            <a:off x="838200" y="89918"/>
+            <a:ext cx="10515600" cy="1325563"/>
+          </a:xfrm>
+          <a:prstGeom prst="rect">
+            <a:avLst/>
+          </a:prstGeom>
+        </p:spPr>
+        <p:txBody>
+          <a:bodyPr vert="horz" lIns="91440" tIns="45720" rIns="91440" bIns="45720" rtlCol="0" anchor="b">
+            <a:normAutofit/>
+          </a:bodyPr>
+          <a:lstStyle>
+            <a:lvl1pPr algn="ctr" defTabSz="914400" rtl="0" eaLnBrk="1" latinLnBrk="0" hangingPunct="1">
+              <a:lnSpc>
+                <a:spcPct val="90000"/>
+              </a:lnSpc>
+              <a:spcBef>
+                <a:spcPct val="0"/>
+              </a:spcBef>
+              <a:buNone/>
+              <a:defRPr sz="6000" kern="1200">
+                <a:solidFill>
+                  <a:schemeClr val="tx1"/>
+                </a:solidFill>
+                <a:latin typeface="+mj-lt"/>
+                <a:ea typeface="+mj-ea"/>
+                <a:cs typeface="+mj-cs"/>
+              </a:defRPr>
+            </a:lvl1pPr>
+          </a:lstStyle>
+          <a:p>
+            <a:pPr algn="l"/>
+            <a:r>
+              <a:rPr lang="de-DE" sz="4400" dirty="0"/>
+              <a:t>Eigener Inhalt</a:t>
+            </a:r>
+          </a:p>
+        </p:txBody>
+      </p:sp>
+    </p:spTree>
+    <p:extLst>
+      <p:ext uri="{BB962C8B-B14F-4D97-AF65-F5344CB8AC3E}">
+        <p14:creationId xmlns:p14="http://schemas.microsoft.com/office/powerpoint/2010/main" val="2899969318"/>
+      </p:ext>
+    </p:extLst>
+  </p:cSld>
+  <p:clrMapOvr>
+    <a:masterClrMapping/>
+  </p:clrMapOvr>
+</p:sld>
+</file>
+
 <file path=ppt/slides/slide3.xml><?xml version="1.0" encoding="utf-8"?>
 <p:sld xmlns:a="http://schemas.openxmlformats.org/drawingml/2006/main" xmlns:r="http://schemas.openxmlformats.org/officeDocument/2006/relationships" xmlns:p="http://schemas.openxmlformats.org/presentationml/2006/main">
   <p:cSld>
@@ -5647,7 +5350,7 @@
           <p:cNvPr id="1026" name="Picture 2" descr="Bildergebnis fÃ¼r C#">
             <a:extLst>
               <a:ext uri="{FF2B5EF4-FFF2-40B4-BE49-F238E27FC236}">
-                <a16:creationId xmlns="" xmlns:a16="http://schemas.microsoft.com/office/drawing/2014/main" id="{67EA6A19-5CA6-48EB-A962-105E15A2BF35}"/>
+                <a16:creationId xmlns:a16="http://schemas.microsoft.com/office/drawing/2014/main" xmlns="" id="{67EA6A19-5CA6-48EB-A962-105E15A2BF35}"/>
               </a:ext>
             </a:extLst>
           </p:cNvPr>
@@ -5724,7 +5427,7 @@
           <p:cNvPr id="2" name="Titel 1">
             <a:extLst>
               <a:ext uri="{FF2B5EF4-FFF2-40B4-BE49-F238E27FC236}">
-                <a16:creationId xmlns="" xmlns:a16="http://schemas.microsoft.com/office/drawing/2014/main" id="{5EBE39BD-4480-4BF1-B281-FF491100CC70}"/>
+                <a16:creationId xmlns:a16="http://schemas.microsoft.com/office/drawing/2014/main" xmlns="" id="{5EBE39BD-4480-4BF1-B281-FF491100CC70}"/>
               </a:ext>
             </a:extLst>
           </p:cNvPr>
@@ -5752,7 +5455,7 @@
           <p:cNvPr id="3" name="Inhaltsplatzhalter 2">
             <a:extLst>
               <a:ext uri="{FF2B5EF4-FFF2-40B4-BE49-F238E27FC236}">
-                <a16:creationId xmlns="" xmlns:a16="http://schemas.microsoft.com/office/drawing/2014/main" id="{C6F5B1C1-46DE-4D91-9FFB-9468C0065E6B}"/>
+                <a16:creationId xmlns:a16="http://schemas.microsoft.com/office/drawing/2014/main" xmlns="" id="{C6F5B1C1-46DE-4D91-9FFB-9468C0065E6B}"/>
               </a:ext>
             </a:extLst>
           </p:cNvPr>
@@ -5845,7 +5548,7 @@
           <p:cNvPr id="2" name="Titel 1">
             <a:extLst>
               <a:ext uri="{FF2B5EF4-FFF2-40B4-BE49-F238E27FC236}">
-                <a16:creationId xmlns="" xmlns:a16="http://schemas.microsoft.com/office/drawing/2014/main" id="{8540D060-8817-4429-8800-FFC613CA5B8F}"/>
+                <a16:creationId xmlns:a16="http://schemas.microsoft.com/office/drawing/2014/main" xmlns="" id="{8540D060-8817-4429-8800-FFC613CA5B8F}"/>
               </a:ext>
             </a:extLst>
           </p:cNvPr>
@@ -5924,7 +5627,7 @@
           <p:cNvPr id="2" name="Titel 1">
             <a:extLst>
               <a:ext uri="{FF2B5EF4-FFF2-40B4-BE49-F238E27FC236}">
-                <a16:creationId xmlns="" xmlns:a16="http://schemas.microsoft.com/office/drawing/2014/main" id="{8540D060-8817-4429-8800-FFC613CA5B8F}"/>
+                <a16:creationId xmlns:a16="http://schemas.microsoft.com/office/drawing/2014/main" xmlns="" id="{8540D060-8817-4429-8800-FFC613CA5B8F}"/>
               </a:ext>
             </a:extLst>
           </p:cNvPr>
@@ -5958,7 +5661,7 @@
           <p:cNvPr id="6" name="Inhaltsplatzhalter 2">
             <a:extLst>
               <a:ext uri="{FF2B5EF4-FFF2-40B4-BE49-F238E27FC236}">
-                <a16:creationId xmlns="" xmlns:a16="http://schemas.microsoft.com/office/drawing/2014/main" id="{78023648-850B-47EB-A4D2-20B5FFEB274A}"/>
+                <a16:creationId xmlns:a16="http://schemas.microsoft.com/office/drawing/2014/main" xmlns="" id="{78023648-850B-47EB-A4D2-20B5FFEB274A}"/>
               </a:ext>
             </a:extLst>
           </p:cNvPr>
@@ -6032,38 +5735,10 @@
       </p:grpSpPr>
       <p:sp>
         <p:nvSpPr>
-          <p:cNvPr id="2" name="Titel 1">
-            <a:extLst>
-              <a:ext uri="{FF2B5EF4-FFF2-40B4-BE49-F238E27FC236}">
-                <a16:creationId xmlns="" xmlns:a16="http://schemas.microsoft.com/office/drawing/2014/main" id="{8540D060-8817-4429-8800-FFC613CA5B8F}"/>
-              </a:ext>
-            </a:extLst>
-          </p:cNvPr>
-          <p:cNvSpPr>
-            <a:spLocks noGrp="1"/>
-          </p:cNvSpPr>
-          <p:nvPr>
-            <p:ph type="title"/>
-          </p:nvPr>
-        </p:nvSpPr>
-        <p:spPr/>
-        <p:txBody>
-          <a:bodyPr/>
-          <a:lstStyle/>
-          <a:p>
-            <a:r>
-              <a:rPr lang="de-DE" dirty="0"/>
-              <a:t>Ressourcen</a:t>
-            </a:r>
-          </a:p>
-        </p:txBody>
-      </p:sp>
-      <p:sp>
-        <p:nvSpPr>
           <p:cNvPr id="3" name="Inhaltsplatzhalter 2">
             <a:extLst>
               <a:ext uri="{FF2B5EF4-FFF2-40B4-BE49-F238E27FC236}">
-                <a16:creationId xmlns="" xmlns:a16="http://schemas.microsoft.com/office/drawing/2014/main" id="{7AD608DC-C256-4E27-8516-D5CB84FAA864}"/>
+                <a16:creationId xmlns:a16="http://schemas.microsoft.com/office/drawing/2014/main" xmlns="" id="{7AD608DC-C256-4E27-8516-D5CB84FAA864}"/>
               </a:ext>
             </a:extLst>
           </p:cNvPr>
@@ -6076,8 +5751,8 @@
         </p:nvSpPr>
         <p:spPr>
           <a:xfrm>
-            <a:off x="838200" y="1825625"/>
-            <a:ext cx="10515600" cy="1698810"/>
+            <a:off x="838200" y="1646238"/>
+            <a:ext cx="10515600" cy="4883351"/>
           </a:xfrm>
         </p:spPr>
         <p:txBody>
@@ -6085,11 +5760,20 @@
           <a:lstStyle/>
           <a:p>
             <a:r>
-              <a:rPr lang="de-DE" dirty="0"/>
+              <a:rPr lang="de-DE" dirty="0" smtClean="0"/>
+              <a:t>Ressourcen</a:t>
+            </a:r>
+          </a:p>
+          <a:p>
+            <a:pPr lvl="1"/>
+            <a:r>
+              <a:rPr lang="de-DE" dirty="0" smtClean="0"/>
               <a:t>XAML-definiert</a:t>
             </a:r>
-          </a:p>
-          <a:p>
+            <a:endParaRPr lang="de-DE" dirty="0"/>
+          </a:p>
+          <a:p>
+            <a:pPr lvl="1"/>
             <a:r>
               <a:rPr lang="de-DE" dirty="0"/>
               <a:t>Converter, Strings, Integer, Farben, Styles, </a:t>
@@ -6104,6 +5788,7 @@
             </a:r>
           </a:p>
           <a:p>
+            <a:pPr lvl="1"/>
             <a:r>
               <a:rPr lang="de-DE" dirty="0"/>
               <a:t>Zugriff über </a:t>
@@ -6117,8 +5802,74 @@
               <a:t> oder </a:t>
             </a:r>
             <a:r>
+              <a:rPr lang="de-DE" dirty="0" err="1" smtClean="0"/>
+              <a:t>DynamicResource</a:t>
+            </a:r>
+            <a:endParaRPr lang="de-DE" dirty="0" smtClean="0"/>
+          </a:p>
+          <a:p>
+            <a:r>
+              <a:rPr lang="de-DE" dirty="0" smtClean="0"/>
+              <a:t>Binding</a:t>
+            </a:r>
+          </a:p>
+          <a:p>
+            <a:pPr lvl="1"/>
+            <a:r>
+              <a:rPr lang="de-DE" dirty="0"/>
+              <a:t>Eigenschaften an andere Eigenschaften binden</a:t>
+            </a:r>
+          </a:p>
+          <a:p>
+            <a:pPr lvl="1"/>
+            <a:r>
               <a:rPr lang="de-DE" dirty="0" err="1"/>
-              <a:t>DynamicResource</a:t>
+              <a:t>OneWay</a:t>
+            </a:r>
+            <a:r>
+              <a:rPr lang="de-DE" dirty="0"/>
+              <a:t>, </a:t>
+            </a:r>
+            <a:r>
+              <a:rPr lang="de-DE" dirty="0" err="1" smtClean="0"/>
+              <a:t>TwoWay</a:t>
+            </a:r>
+            <a:endParaRPr lang="de-DE" dirty="0" smtClean="0"/>
+          </a:p>
+          <a:p>
+            <a:pPr lvl="1"/>
+            <a:endParaRPr lang="de-DE" dirty="0" smtClean="0"/>
+          </a:p>
+          <a:p>
+            <a:pPr lvl="1"/>
+            <a:endParaRPr lang="de-DE" dirty="0"/>
+          </a:p>
+        </p:txBody>
+      </p:sp>
+      <p:sp>
+        <p:nvSpPr>
+          <p:cNvPr id="5" name="Titel 1"/>
+          <p:cNvSpPr>
+            <a:spLocks noGrp="1"/>
+          </p:cNvSpPr>
+          <p:nvPr>
+            <p:ph type="title"/>
+          </p:nvPr>
+        </p:nvSpPr>
+        <p:spPr>
+          <a:xfrm>
+            <a:off x="1295400" y="503853"/>
+            <a:ext cx="9601200" cy="1142385"/>
+          </a:xfrm>
+        </p:spPr>
+        <p:txBody>
+          <a:bodyPr rtlCol="0"/>
+          <a:lstStyle/>
+          <a:p>
+            <a:pPr rtl="0"/>
+            <a:r>
+              <a:rPr lang="de-DE" dirty="0" smtClean="0"/>
+              <a:t>WPF</a:t>
             </a:r>
             <a:endParaRPr lang="de-DE" dirty="0"/>
           </a:p>
@@ -6156,38 +5907,10 @@
       </p:grpSpPr>
       <p:sp>
         <p:nvSpPr>
-          <p:cNvPr id="2" name="Titel 1">
-            <a:extLst>
-              <a:ext uri="{FF2B5EF4-FFF2-40B4-BE49-F238E27FC236}">
-                <a16:creationId xmlns="" xmlns:a16="http://schemas.microsoft.com/office/drawing/2014/main" id="{8540D060-8817-4429-8800-FFC613CA5B8F}"/>
-              </a:ext>
-            </a:extLst>
-          </p:cNvPr>
-          <p:cNvSpPr>
-            <a:spLocks noGrp="1"/>
-          </p:cNvSpPr>
-          <p:nvPr>
-            <p:ph type="title"/>
-          </p:nvPr>
-        </p:nvSpPr>
-        <p:spPr/>
-        <p:txBody>
-          <a:bodyPr/>
-          <a:lstStyle/>
-          <a:p>
-            <a:r>
-              <a:rPr lang="de-DE" dirty="0"/>
-              <a:t>Binding</a:t>
-            </a:r>
-          </a:p>
-        </p:txBody>
-      </p:sp>
-      <p:sp>
-        <p:nvSpPr>
           <p:cNvPr id="3" name="Inhaltsplatzhalter 2">
             <a:extLst>
               <a:ext uri="{FF2B5EF4-FFF2-40B4-BE49-F238E27FC236}">
-                <a16:creationId xmlns="" xmlns:a16="http://schemas.microsoft.com/office/drawing/2014/main" id="{20E9F529-D27A-40D5-AB74-59456F60E3B4}"/>
+                <a16:creationId xmlns:a16="http://schemas.microsoft.com/office/drawing/2014/main" xmlns="" id="{7AD608DC-C256-4E27-8516-D5CB84FAA864}"/>
               </a:ext>
             </a:extLst>
           </p:cNvPr>
@@ -6200,8 +5923,8 @@
         </p:nvSpPr>
         <p:spPr>
           <a:xfrm>
-            <a:off x="838200" y="1825625"/>
-            <a:ext cx="10515600" cy="1130639"/>
+            <a:off x="838200" y="1790163"/>
+            <a:ext cx="10515600" cy="4739426"/>
           </a:xfrm>
         </p:spPr>
         <p:txBody>
@@ -6210,28 +5933,116 @@
           <a:p>
             <a:r>
               <a:rPr lang="de-DE" dirty="0"/>
-              <a:t>Eigenschaften an andere Eigenschaften binden</a:t>
-            </a:r>
-          </a:p>
-          <a:p>
+              <a:t>Converter</a:t>
+            </a:r>
+          </a:p>
+          <a:p>
+            <a:pPr lvl="1"/>
+            <a:r>
+              <a:rPr lang="de-DE" dirty="0"/>
+              <a:t>Für nicht-kompatible Datentypen</a:t>
+            </a:r>
+          </a:p>
+          <a:p>
+            <a:pPr lvl="1"/>
             <a:r>
               <a:rPr lang="de-DE" dirty="0" err="1"/>
-              <a:t>OneWay</a:t>
+              <a:t>IValueCoverter</a:t>
             </a:r>
             <a:r>
               <a:rPr lang="de-DE" dirty="0"/>
-              <a:t>, </a:t>
-            </a:r>
-            <a:r>
-              <a:rPr lang="de-DE" dirty="0" err="1"/>
-              <a:t>TwoWay</a:t>
-            </a:r>
+              <a:t> oder </a:t>
+            </a:r>
+            <a:r>
+              <a:rPr lang="de-DE" dirty="0" err="1" smtClean="0"/>
+              <a:t>IMultiValueConverter</a:t>
+            </a:r>
+            <a:endParaRPr lang="de-DE" dirty="0" smtClean="0"/>
+          </a:p>
+          <a:p>
+            <a:r>
+              <a:rPr lang="de-DE" dirty="0" smtClean="0"/>
+              <a:t>Styles</a:t>
+            </a:r>
+          </a:p>
+          <a:p>
+            <a:pPr lvl="1"/>
+            <a:r>
+              <a:rPr lang="de-DE" dirty="0"/>
+              <a:t>Aussehen von Elementen</a:t>
+            </a:r>
+          </a:p>
+          <a:p>
+            <a:pPr lvl="1"/>
+            <a:r>
+              <a:rPr lang="de-DE" dirty="0"/>
+              <a:t>Eigene Templates</a:t>
+            </a:r>
+          </a:p>
+          <a:p>
+            <a:pPr lvl="1"/>
+            <a:r>
+              <a:rPr lang="de-DE" dirty="0"/>
+              <a:t>Vererbung</a:t>
+            </a:r>
+          </a:p>
+          <a:p>
+            <a:r>
+              <a:rPr lang="de-DE" dirty="0" err="1" smtClean="0"/>
+              <a:t>DataTemplates</a:t>
+            </a:r>
+            <a:endParaRPr lang="de-DE" dirty="0" smtClean="0"/>
+          </a:p>
+          <a:p>
+            <a:pPr lvl="1"/>
+            <a:r>
+              <a:rPr lang="de-DE" dirty="0"/>
+              <a:t>Aussehen von Daten</a:t>
+            </a:r>
+          </a:p>
+          <a:p>
+            <a:pPr lvl="1"/>
+            <a:endParaRPr lang="de-DE" dirty="0" smtClean="0"/>
+          </a:p>
+          <a:p>
+            <a:pPr lvl="1"/>
             <a:endParaRPr lang="de-DE" dirty="0"/>
           </a:p>
           <a:p>
-            <a:pPr marL="0" indent="0">
-              <a:buNone/>
-            </a:pPr>
+            <a:pPr lvl="1"/>
+            <a:endParaRPr lang="de-DE" dirty="0" smtClean="0"/>
+          </a:p>
+          <a:p>
+            <a:pPr lvl="1"/>
+            <a:endParaRPr lang="de-DE" dirty="0"/>
+          </a:p>
+        </p:txBody>
+      </p:sp>
+      <p:sp>
+        <p:nvSpPr>
+          <p:cNvPr id="4" name="Titel 1"/>
+          <p:cNvSpPr>
+            <a:spLocks noGrp="1"/>
+          </p:cNvSpPr>
+          <p:nvPr>
+            <p:ph type="title"/>
+          </p:nvPr>
+        </p:nvSpPr>
+        <p:spPr>
+          <a:xfrm>
+            <a:off x="1295400" y="503853"/>
+            <a:ext cx="9601200" cy="1142385"/>
+          </a:xfrm>
+        </p:spPr>
+        <p:txBody>
+          <a:bodyPr rtlCol="0"/>
+          <a:lstStyle/>
+          <a:p>
+            <a:pPr rtl="0"/>
+            <a:r>
+              <a:rPr lang="de-DE" dirty="0" smtClean="0"/>
+              <a:t>WPF</a:t>
+            </a:r>
             <a:endParaRPr lang="de-DE" dirty="0"/>
           </a:p>
         </p:txBody>
@@ -6239,7 +6050,7 @@
     </p:spTree>
     <p:extLst>
       <p:ext uri="{BB962C8B-B14F-4D97-AF65-F5344CB8AC3E}">
-        <p14:creationId xmlns:p14="http://schemas.microsoft.com/office/powerpoint/2010/main" val="1455103770"/>
+        <p14:creationId xmlns:p14="http://schemas.microsoft.com/office/powerpoint/2010/main" val="159380969"/>
       </p:ext>
     </p:extLst>
   </p:cSld>
@@ -6271,7 +6082,7 @@
           <p:cNvPr id="2" name="Titel 1">
             <a:extLst>
               <a:ext uri="{FF2B5EF4-FFF2-40B4-BE49-F238E27FC236}">
-                <a16:creationId xmlns="" xmlns:a16="http://schemas.microsoft.com/office/drawing/2014/main" id="{8540D060-8817-4429-8800-FFC613CA5B8F}"/>
+                <a16:creationId xmlns:a16="http://schemas.microsoft.com/office/drawing/2014/main" xmlns="" id="{8540D060-8817-4429-8800-FFC613CA5B8F}"/>
               </a:ext>
             </a:extLst>
           </p:cNvPr>
@@ -6280,78 +6091,47 @@
           </p:cNvSpPr>
           <p:nvPr>
             <p:ph type="title"/>
-          </p:nvPr>
-        </p:nvSpPr>
-        <p:spPr/>
-        <p:txBody>
-          <a:bodyPr/>
-          <a:lstStyle/>
-          <a:p>
-            <a:r>
-              <a:rPr lang="de-DE" dirty="0"/>
-              <a:t>Converter</a:t>
-            </a:r>
-          </a:p>
-        </p:txBody>
-      </p:sp>
-      <p:sp>
-        <p:nvSpPr>
-          <p:cNvPr id="3" name="Inhaltsplatzhalter 2">
-            <a:extLst>
-              <a:ext uri="{FF2B5EF4-FFF2-40B4-BE49-F238E27FC236}">
-                <a16:creationId xmlns="" xmlns:a16="http://schemas.microsoft.com/office/drawing/2014/main" id="{186DE386-DDF7-4254-8E3D-DB0D2FDEADF3}"/>
-              </a:ext>
-            </a:extLst>
-          </p:cNvPr>
-          <p:cNvSpPr>
-            <a:spLocks noGrp="1"/>
-          </p:cNvSpPr>
-          <p:nvPr>
-            <p:ph idx="1"/>
           </p:nvPr>
         </p:nvSpPr>
         <p:spPr>
           <a:xfrm>
-            <a:off x="838200" y="1825625"/>
-            <a:ext cx="10515600" cy="1254926"/>
+            <a:off x="838200" y="365125"/>
+            <a:ext cx="10515600" cy="5973531"/>
           </a:xfrm>
         </p:spPr>
         <p:txBody>
-          <a:bodyPr/>
-          <a:lstStyle/>
-          <a:p>
-            <a:r>
-              <a:rPr lang="de-DE" dirty="0"/>
-              <a:t>Für nicht-kompatible Datentypen</a:t>
-            </a:r>
-          </a:p>
-          <a:p>
-            <a:r>
-              <a:rPr lang="de-DE" dirty="0" err="1"/>
-              <a:t>IValueCoverter</a:t>
-            </a:r>
-            <a:r>
-              <a:rPr lang="de-DE" dirty="0"/>
-              <a:t> oder </a:t>
-            </a:r>
-            <a:r>
-              <a:rPr lang="de-DE" dirty="0" err="1"/>
-              <a:t>IMultiValueConverter</a:t>
-            </a:r>
-            <a:endParaRPr lang="de-DE" dirty="0"/>
-          </a:p>
-          <a:p>
-            <a:pPr marL="0" indent="0">
-              <a:buNone/>
-            </a:pPr>
-            <a:endParaRPr lang="de-DE" dirty="0"/>
+          <a:bodyPr>
+            <a:normAutofit/>
+          </a:bodyPr>
+          <a:lstStyle/>
+          <a:p>
+            <a:pPr algn="ctr"/>
+            <a:r>
+              <a:rPr lang="de-DE" sz="5400" dirty="0"/>
+              <a:t>Model – View – </a:t>
+            </a:r>
+            <a:r>
+              <a:rPr lang="de-DE" sz="5400" dirty="0" err="1"/>
+              <a:t>ViewModel</a:t>
+            </a:r>
+            <a:r>
+              <a:rPr lang="de-DE" sz="5400" dirty="0"/>
+              <a:t/>
+            </a:r>
+            <a:br>
+              <a:rPr lang="de-DE" sz="5400" dirty="0"/>
+            </a:br>
+            <a:r>
+              <a:rPr lang="de-DE" sz="5400" dirty="0"/>
+              <a:t>MVVM</a:t>
+            </a:r>
           </a:p>
         </p:txBody>
       </p:sp>
     </p:spTree>
     <p:extLst>
       <p:ext uri="{BB962C8B-B14F-4D97-AF65-F5344CB8AC3E}">
-        <p14:creationId xmlns:p14="http://schemas.microsoft.com/office/powerpoint/2010/main" val="1152531471"/>
+        <p14:creationId xmlns:p14="http://schemas.microsoft.com/office/powerpoint/2010/main" val="294115021"/>
       </p:ext>
     </p:extLst>
   </p:cSld>
